--- a/PresentationsAndTalk/Presentation_final2.pptx
+++ b/PresentationsAndTalk/Presentation_final2.pptx
@@ -5,10 +5,10 @@
     <p:sldMasterId id="2147483696" r:id="rId1"/>
   </p:sldMasterIdLst>
   <p:notesMasterIdLst>
-    <p:notesMasterId r:id="rId50"/>
+    <p:notesMasterId r:id="rId49"/>
   </p:notesMasterIdLst>
   <p:handoutMasterIdLst>
-    <p:handoutMasterId r:id="rId51"/>
+    <p:handoutMasterId r:id="rId50"/>
   </p:handoutMasterIdLst>
   <p:sldIdLst>
     <p:sldId id="269" r:id="rId2"/>
@@ -28,37 +28,36 @@
     <p:sldId id="322" r:id="rId16"/>
     <p:sldId id="330" r:id="rId17"/>
     <p:sldId id="324" r:id="rId18"/>
-    <p:sldId id="331" r:id="rId19"/>
-    <p:sldId id="333" r:id="rId20"/>
-    <p:sldId id="335" r:id="rId21"/>
-    <p:sldId id="326" r:id="rId22"/>
-    <p:sldId id="369" r:id="rId23"/>
-    <p:sldId id="328" r:id="rId24"/>
-    <p:sldId id="327" r:id="rId25"/>
-    <p:sldId id="366" r:id="rId26"/>
-    <p:sldId id="368" r:id="rId27"/>
-    <p:sldId id="367" r:id="rId28"/>
-    <p:sldId id="360" r:id="rId29"/>
-    <p:sldId id="361" r:id="rId30"/>
-    <p:sldId id="362" r:id="rId31"/>
-    <p:sldId id="370" r:id="rId32"/>
-    <p:sldId id="364" r:id="rId33"/>
-    <p:sldId id="365" r:id="rId34"/>
-    <p:sldId id="352" r:id="rId35"/>
-    <p:sldId id="317" r:id="rId36"/>
-    <p:sldId id="338" r:id="rId37"/>
-    <p:sldId id="339" r:id="rId38"/>
-    <p:sldId id="347" r:id="rId39"/>
-    <p:sldId id="341" r:id="rId40"/>
-    <p:sldId id="342" r:id="rId41"/>
-    <p:sldId id="346" r:id="rId42"/>
-    <p:sldId id="318" r:id="rId43"/>
-    <p:sldId id="344" r:id="rId44"/>
-    <p:sldId id="345" r:id="rId45"/>
-    <p:sldId id="343" r:id="rId46"/>
-    <p:sldId id="348" r:id="rId47"/>
-    <p:sldId id="313" r:id="rId48"/>
-    <p:sldId id="262" r:id="rId49"/>
+    <p:sldId id="333" r:id="rId19"/>
+    <p:sldId id="335" r:id="rId20"/>
+    <p:sldId id="326" r:id="rId21"/>
+    <p:sldId id="369" r:id="rId22"/>
+    <p:sldId id="328" r:id="rId23"/>
+    <p:sldId id="327" r:id="rId24"/>
+    <p:sldId id="366" r:id="rId25"/>
+    <p:sldId id="368" r:id="rId26"/>
+    <p:sldId id="367" r:id="rId27"/>
+    <p:sldId id="360" r:id="rId28"/>
+    <p:sldId id="361" r:id="rId29"/>
+    <p:sldId id="362" r:id="rId30"/>
+    <p:sldId id="370" r:id="rId31"/>
+    <p:sldId id="364" r:id="rId32"/>
+    <p:sldId id="365" r:id="rId33"/>
+    <p:sldId id="352" r:id="rId34"/>
+    <p:sldId id="317" r:id="rId35"/>
+    <p:sldId id="338" r:id="rId36"/>
+    <p:sldId id="339" r:id="rId37"/>
+    <p:sldId id="347" r:id="rId38"/>
+    <p:sldId id="341" r:id="rId39"/>
+    <p:sldId id="342" r:id="rId40"/>
+    <p:sldId id="346" r:id="rId41"/>
+    <p:sldId id="318" r:id="rId42"/>
+    <p:sldId id="344" r:id="rId43"/>
+    <p:sldId id="345" r:id="rId44"/>
+    <p:sldId id="343" r:id="rId45"/>
+    <p:sldId id="348" r:id="rId46"/>
+    <p:sldId id="313" r:id="rId47"/>
+    <p:sldId id="262" r:id="rId48"/>
   </p:sldIdLst>
   <p:sldSz cx="9144000" cy="5143500" type="screen16x9"/>
   <p:notesSz cx="6858000" cy="9144000"/>
@@ -288,7 +287,7 @@
                 <a:latin typeface="Arial" panose="020B0604020202020204" pitchFamily="34" charset="0"/>
                 <a:cs typeface="Arial" panose="020B0604020202020204" pitchFamily="34" charset="0"/>
               </a:rPr>
-              <a:t>06.02.2017</a:t>
+              <a:t>07.02.17</a:t>
             </a:fld>
             <a:endParaRPr lang="de-DE">
               <a:latin typeface="Arial" panose="020B0604020202020204" pitchFamily="34" charset="0"/>
@@ -363,7 +362,7 @@
                 <a:latin typeface="Arial" panose="020B0604020202020204" pitchFamily="34" charset="0"/>
                 <a:cs typeface="Arial" panose="020B0604020202020204" pitchFamily="34" charset="0"/>
               </a:rPr>
-              <a:t>‹Nr.›</a:t>
+              <a:t>‹#›</a:t>
             </a:fld>
             <a:endParaRPr lang="de-DE">
               <a:latin typeface="Arial" panose="020B0604020202020204" pitchFamily="34" charset="0"/>
@@ -465,7 +464,7 @@
           <a:p>
             <a:fld id="{5801EACB-8D12-49F2-9088-5A635C50DDBD}" type="datetimeFigureOut">
               <a:rPr lang="de-DE" smtClean="0"/>
-              <a:t>06.02.2017</a:t>
+              <a:t>07.02.17</a:t>
             </a:fld>
             <a:endParaRPr lang="de-DE"/>
           </a:p>
@@ -623,7 +622,7 @@
           <a:p>
             <a:fld id="{272E3E51-A3F3-4FD4-9C75-1C612CCCCA5A}" type="slidenum">
               <a:rPr lang="de-DE" smtClean="0"/>
-              <a:t>‹Nr.›</a:t>
+              <a:t>‹#›</a:t>
             </a:fld>
             <a:endParaRPr lang="de-DE"/>
           </a:p>
@@ -886,151 +885,84 @@
           <a:lstStyle/>
           <a:p>
             <a:r>
-              <a:rPr lang="de-DE" dirty="0"/>
-              <a:t>NN </a:t>
-            </a:r>
-            <a:r>
-              <a:rPr lang="de-DE" dirty="0" err="1"/>
-              <a:t>with</a:t>
-            </a:r>
-            <a:r>
-              <a:rPr lang="de-DE" dirty="0"/>
-              <a:t> multiple </a:t>
-            </a:r>
-            <a:r>
-              <a:rPr lang="de-DE" dirty="0" err="1"/>
-              <a:t>hidden</a:t>
-            </a:r>
-            <a:r>
-              <a:rPr lang="de-DE" dirty="0"/>
+              <a:rPr lang="de-DE" dirty="0" err="1" smtClean="0"/>
+              <a:t>Get</a:t>
+            </a:r>
+            <a:r>
+              <a:rPr lang="de-DE" dirty="0" smtClean="0"/>
               <a:t> </a:t>
             </a:r>
             <a:r>
-              <a:rPr lang="de-DE" dirty="0" err="1"/>
-              <a:t>layers</a:t>
-            </a:r>
-            <a:r>
-              <a:rPr lang="de-DE" dirty="0"/>
-              <a:t>, </a:t>
-            </a:r>
-            <a:r>
-              <a:rPr lang="de-DE" dirty="0" err="1"/>
-              <a:t>because</a:t>
-            </a:r>
-            <a:r>
-              <a:rPr lang="de-DE" dirty="0"/>
+              <a:rPr lang="de-DE" dirty="0" err="1" smtClean="0"/>
+              <a:t>rid</a:t>
+            </a:r>
+            <a:r>
+              <a:rPr lang="de-DE" baseline="0" dirty="0" smtClean="0"/>
               <a:t> </a:t>
             </a:r>
             <a:r>
-              <a:rPr lang="de-DE" dirty="0" err="1"/>
-              <a:t>it</a:t>
-            </a:r>
-            <a:r>
-              <a:rPr lang="de-DE" dirty="0"/>
+              <a:rPr lang="de-DE" baseline="0" dirty="0" err="1" smtClean="0"/>
+              <a:t>of</a:t>
+            </a:r>
+            <a:r>
+              <a:rPr lang="de-DE" baseline="0" dirty="0" smtClean="0"/>
+              <a:t> large </a:t>
+            </a:r>
+            <a:r>
+              <a:rPr lang="de-DE" baseline="0" dirty="0" err="1" smtClean="0"/>
+              <a:t>amount</a:t>
+            </a:r>
+            <a:r>
+              <a:rPr lang="de-DE" baseline="0" dirty="0" smtClean="0"/>
               <a:t> </a:t>
             </a:r>
             <a:r>
-              <a:rPr lang="de-DE" dirty="0" err="1"/>
-              <a:t>is</a:t>
-            </a:r>
-            <a:r>
-              <a:rPr lang="de-DE" dirty="0"/>
+              <a:rPr lang="de-DE" baseline="0" dirty="0" err="1" smtClean="0"/>
+              <a:t>of</a:t>
+            </a:r>
+            <a:r>
+              <a:rPr lang="de-DE" baseline="0" dirty="0" smtClean="0"/>
               <a:t> </a:t>
             </a:r>
             <a:r>
-              <a:rPr lang="de-DE" dirty="0" err="1"/>
-              <a:t>passed</a:t>
-            </a:r>
-            <a:r>
-              <a:rPr lang="de-DE" dirty="0"/>
+              <a:rPr lang="de-DE" baseline="0" dirty="0" err="1" smtClean="0"/>
+              <a:t>data</a:t>
+            </a:r>
+            <a:r>
+              <a:rPr lang="de-DE" baseline="0" dirty="0" smtClean="0"/>
               <a:t> </a:t>
             </a:r>
             <a:r>
-              <a:rPr lang="de-DE" dirty="0" err="1"/>
-              <a:t>to</a:t>
-            </a:r>
-            <a:r>
-              <a:rPr lang="de-DE" dirty="0"/>
+              <a:rPr lang="de-DE" baseline="0" dirty="0" err="1" smtClean="0"/>
+              <a:t>and</a:t>
+            </a:r>
+            <a:r>
+              <a:rPr lang="de-DE" baseline="0" dirty="0" smtClean="0"/>
               <a:t> </a:t>
             </a:r>
             <a:r>
-              <a:rPr lang="de-DE" dirty="0" err="1"/>
-              <a:t>several</a:t>
-            </a:r>
-            <a:r>
-              <a:rPr lang="de-DE" dirty="0"/>
-              <a:t> non-</a:t>
-            </a:r>
-            <a:r>
-              <a:rPr lang="de-DE" dirty="0" err="1"/>
-              <a:t>linearity</a:t>
-            </a:r>
-            <a:r>
-              <a:rPr lang="de-DE" dirty="0"/>
+              <a:rPr lang="de-DE" baseline="0" dirty="0" err="1" smtClean="0"/>
+              <a:t>make</a:t>
+            </a:r>
+            <a:r>
+              <a:rPr lang="de-DE" baseline="0" dirty="0" smtClean="0"/>
               <a:t> </a:t>
             </a:r>
             <a:r>
-              <a:rPr lang="de-DE" dirty="0" err="1"/>
-              <a:t>functions</a:t>
-            </a:r>
-            <a:r>
-              <a:rPr lang="de-DE" dirty="0"/>
-              <a:t> -&gt; </a:t>
-            </a:r>
-            <a:r>
-              <a:rPr lang="de-DE" dirty="0" err="1"/>
-              <a:t>Deep</a:t>
-            </a:r>
-            <a:r>
-              <a:rPr lang="de-DE" dirty="0"/>
+              <a:rPr lang="de-DE" baseline="0" dirty="0" err="1" smtClean="0"/>
+              <a:t>computation</a:t>
+            </a:r>
+            <a:r>
+              <a:rPr lang="de-DE" baseline="0" dirty="0" smtClean="0"/>
               <a:t> </a:t>
             </a:r>
             <a:r>
-              <a:rPr lang="de-DE" dirty="0" err="1"/>
-              <a:t>learning</a:t>
-            </a:r>
-            <a:endParaRPr lang="de-DE" dirty="0"/>
-          </a:p>
-          <a:p>
-            <a:r>
-              <a:rPr lang="de-DE" dirty="0"/>
-              <a:t>Volume </a:t>
-            </a:r>
-            <a:r>
-              <a:rPr lang="de-DE" dirty="0" err="1"/>
-              <a:t>size</a:t>
-            </a:r>
-            <a:r>
-              <a:rPr lang="de-DE" dirty="0"/>
-              <a:t> </a:t>
-            </a:r>
-            <a:r>
-              <a:rPr lang="de-DE" dirty="0" err="1"/>
-              <a:t>is</a:t>
-            </a:r>
-            <a:r>
-              <a:rPr lang="de-DE" dirty="0"/>
-              <a:t> </a:t>
-            </a:r>
-            <a:r>
-              <a:rPr lang="de-DE" dirty="0" err="1"/>
-              <a:t>width</a:t>
-            </a:r>
-            <a:r>
-              <a:rPr lang="de-DE" dirty="0"/>
-              <a:t> x </a:t>
-            </a:r>
-            <a:r>
-              <a:rPr lang="de-DE" dirty="0" err="1"/>
-              <a:t>heigth</a:t>
-            </a:r>
-            <a:r>
-              <a:rPr lang="de-DE" dirty="0"/>
-              <a:t> x </a:t>
-            </a:r>
-            <a:r>
-              <a:rPr lang="de-DE" dirty="0" err="1"/>
-              <a:t>depth</a:t>
+              <a:rPr lang="de-DE" baseline="0" dirty="0" err="1" smtClean="0"/>
+              <a:t>less</a:t>
+            </a:r>
+            <a:r>
+              <a:rPr lang="de-DE" baseline="0" dirty="0" smtClean="0"/>
+              <a:t> intensive</a:t>
             </a:r>
             <a:endParaRPr lang="de-DE" dirty="0"/>
           </a:p>
@@ -1062,7 +994,7 @@
     </p:spTree>
     <p:extLst>
       <p:ext uri="{BB962C8B-B14F-4D97-AF65-F5344CB8AC3E}">
-        <p14:creationId xmlns:p14="http://schemas.microsoft.com/office/powerpoint/2010/main" val="3475161311"/>
+        <p14:creationId xmlns:p14="http://schemas.microsoft.com/office/powerpoint/2010/main" val="1625384146"/>
       </p:ext>
     </p:extLst>
   </p:cSld>
@@ -1229,12 +1161,8 @@
           </a:p>
           <a:p>
             <a:r>
-              <a:rPr lang="de-DE" dirty="0"/>
-              <a:t>Max </a:t>
-            </a:r>
-            <a:r>
               <a:rPr lang="de-DE" dirty="0" err="1"/>
-              <a:t>pool</a:t>
+              <a:t>Weights</a:t>
             </a:r>
             <a:r>
               <a:rPr lang="de-DE" dirty="0"/>
@@ -1242,15 +1170,7 @@
             </a:r>
             <a:r>
               <a:rPr lang="de-DE" dirty="0" err="1"/>
-              <a:t>with</a:t>
-            </a:r>
-            <a:r>
-              <a:rPr lang="de-DE" dirty="0"/>
-              <a:t> 2x2 </a:t>
-            </a:r>
-            <a:r>
-              <a:rPr lang="de-DE" dirty="0" err="1"/>
-              <a:t>filters</a:t>
+              <a:t>cannot</a:t>
             </a:r>
             <a:r>
               <a:rPr lang="de-DE" dirty="0"/>
@@ -1258,7 +1178,7 @@
             </a:r>
             <a:r>
               <a:rPr lang="de-DE" dirty="0" err="1"/>
-              <a:t>and</a:t>
+              <a:t>exceed</a:t>
             </a:r>
             <a:r>
               <a:rPr lang="de-DE" dirty="0"/>
@@ -1266,12 +1186,44 @@
             </a:r>
             <a:r>
               <a:rPr lang="de-DE" dirty="0" err="1"/>
-              <a:t>stride</a:t>
+              <a:t>any</a:t>
             </a:r>
             <a:r>
               <a:rPr lang="de-DE" dirty="0"/>
-              <a:t> 2</a:t>
-            </a:r>
+              <a:t> </a:t>
+            </a:r>
+            <a:r>
+              <a:rPr lang="de-DE" dirty="0" err="1"/>
+              <a:t>limit</a:t>
+            </a:r>
+            <a:endParaRPr lang="de-DE" dirty="0"/>
+          </a:p>
+          <a:p>
+            <a:r>
+              <a:rPr lang="de-DE" dirty="0"/>
+              <a:t>Update </a:t>
+            </a:r>
+            <a:r>
+              <a:rPr lang="de-DE" dirty="0" err="1"/>
+              <a:t>weights</a:t>
+            </a:r>
+            <a:r>
+              <a:rPr lang="de-DE" dirty="0"/>
+              <a:t> </a:t>
+            </a:r>
+            <a:r>
+              <a:rPr lang="de-DE" dirty="0" err="1"/>
+              <a:t>is</a:t>
+            </a:r>
+            <a:r>
+              <a:rPr lang="de-DE" dirty="0"/>
+              <a:t> </a:t>
+            </a:r>
+            <a:r>
+              <a:rPr lang="de-DE" dirty="0" err="1"/>
+              <a:t>easier</a:t>
+            </a:r>
+            <a:endParaRPr lang="de-DE" dirty="0"/>
           </a:p>
         </p:txBody>
       </p:sp>
@@ -1301,7 +1253,7 @@
     </p:spTree>
     <p:extLst>
       <p:ext uri="{BB962C8B-B14F-4D97-AF65-F5344CB8AC3E}">
-        <p14:creationId xmlns:p14="http://schemas.microsoft.com/office/powerpoint/2010/main" val="1625384146"/>
+        <p14:creationId xmlns:p14="http://schemas.microsoft.com/office/powerpoint/2010/main" val="2782886527"/>
       </p:ext>
     </p:extLst>
   </p:cSld>
@@ -1560,7 +1512,7 @@
     </p:spTree>
     <p:extLst>
       <p:ext uri="{BB962C8B-B14F-4D97-AF65-F5344CB8AC3E}">
-        <p14:creationId xmlns:p14="http://schemas.microsoft.com/office/powerpoint/2010/main" val="2782886527"/>
+        <p14:creationId xmlns:p14="http://schemas.microsoft.com/office/powerpoint/2010/main" val="2248170993"/>
       </p:ext>
     </p:extLst>
   </p:cSld>
@@ -1725,72 +1677,6 @@
             </a:r>
             <a:endParaRPr lang="de-DE" dirty="0"/>
           </a:p>
-          <a:p>
-            <a:r>
-              <a:rPr lang="de-DE" dirty="0" err="1"/>
-              <a:t>Weights</a:t>
-            </a:r>
-            <a:r>
-              <a:rPr lang="de-DE" dirty="0"/>
-              <a:t> </a:t>
-            </a:r>
-            <a:r>
-              <a:rPr lang="de-DE" dirty="0" err="1"/>
-              <a:t>cannot</a:t>
-            </a:r>
-            <a:r>
-              <a:rPr lang="de-DE" dirty="0"/>
-              <a:t> </a:t>
-            </a:r>
-            <a:r>
-              <a:rPr lang="de-DE" dirty="0" err="1"/>
-              <a:t>exceed</a:t>
-            </a:r>
-            <a:r>
-              <a:rPr lang="de-DE" dirty="0"/>
-              <a:t> </a:t>
-            </a:r>
-            <a:r>
-              <a:rPr lang="de-DE" dirty="0" err="1"/>
-              <a:t>any</a:t>
-            </a:r>
-            <a:r>
-              <a:rPr lang="de-DE" dirty="0"/>
-              <a:t> </a:t>
-            </a:r>
-            <a:r>
-              <a:rPr lang="de-DE" dirty="0" err="1"/>
-              <a:t>limit</a:t>
-            </a:r>
-            <a:endParaRPr lang="de-DE" dirty="0"/>
-          </a:p>
-          <a:p>
-            <a:r>
-              <a:rPr lang="de-DE" dirty="0"/>
-              <a:t>Update </a:t>
-            </a:r>
-            <a:r>
-              <a:rPr lang="de-DE" dirty="0" err="1"/>
-              <a:t>weights</a:t>
-            </a:r>
-            <a:r>
-              <a:rPr lang="de-DE" dirty="0"/>
-              <a:t> </a:t>
-            </a:r>
-            <a:r>
-              <a:rPr lang="de-DE" dirty="0" err="1"/>
-              <a:t>is</a:t>
-            </a:r>
-            <a:r>
-              <a:rPr lang="de-DE" dirty="0"/>
-              <a:t> </a:t>
-            </a:r>
-            <a:r>
-              <a:rPr lang="de-DE" dirty="0" err="1"/>
-              <a:t>easier</a:t>
-            </a:r>
-            <a:endParaRPr lang="de-DE" dirty="0"/>
-          </a:p>
         </p:txBody>
       </p:sp>
       <p:sp>
@@ -1819,7 +1705,7 @@
     </p:spTree>
     <p:extLst>
       <p:ext uri="{BB962C8B-B14F-4D97-AF65-F5344CB8AC3E}">
-        <p14:creationId xmlns:p14="http://schemas.microsoft.com/office/powerpoint/2010/main" val="2248170993"/>
+        <p14:creationId xmlns:p14="http://schemas.microsoft.com/office/powerpoint/2010/main" val="555917931"/>
       </p:ext>
     </p:extLst>
   </p:cSld>
@@ -2012,7 +1898,7 @@
     </p:spTree>
     <p:extLst>
       <p:ext uri="{BB962C8B-B14F-4D97-AF65-F5344CB8AC3E}">
-        <p14:creationId xmlns:p14="http://schemas.microsoft.com/office/powerpoint/2010/main" val="555917931"/>
+        <p14:creationId xmlns:p14="http://schemas.microsoft.com/office/powerpoint/2010/main" val="955184547"/>
       </p:ext>
     </p:extLst>
   </p:cSld>
@@ -2205,7 +2091,7 @@
     </p:spTree>
     <p:extLst>
       <p:ext uri="{BB962C8B-B14F-4D97-AF65-F5344CB8AC3E}">
-        <p14:creationId xmlns:p14="http://schemas.microsoft.com/office/powerpoint/2010/main" val="955184547"/>
+        <p14:creationId xmlns:p14="http://schemas.microsoft.com/office/powerpoint/2010/main" val="68103122"/>
       </p:ext>
     </p:extLst>
   </p:cSld>
@@ -2398,7 +2284,7 @@
     </p:spTree>
     <p:extLst>
       <p:ext uri="{BB962C8B-B14F-4D97-AF65-F5344CB8AC3E}">
-        <p14:creationId xmlns:p14="http://schemas.microsoft.com/office/powerpoint/2010/main" val="68103122"/>
+        <p14:creationId xmlns:p14="http://schemas.microsoft.com/office/powerpoint/2010/main" val="3201983345"/>
       </p:ext>
     </p:extLst>
   </p:cSld>
@@ -2458,108 +2344,103 @@
           <a:lstStyle/>
           <a:p>
             <a:r>
-              <a:rPr lang="de-DE" dirty="0"/>
-              <a:t>NN </a:t>
-            </a:r>
-            <a:r>
-              <a:rPr lang="de-DE" dirty="0" err="1"/>
-              <a:t>with</a:t>
-            </a:r>
-            <a:r>
-              <a:rPr lang="de-DE" dirty="0"/>
-              <a:t> multiple </a:t>
-            </a:r>
-            <a:r>
-              <a:rPr lang="de-DE" dirty="0" err="1"/>
-              <a:t>hidden</a:t>
-            </a:r>
-            <a:r>
-              <a:rPr lang="de-DE" dirty="0"/>
+              <a:rPr lang="de-DE" dirty="0" err="1" smtClean="0"/>
+              <a:t>If</a:t>
+            </a:r>
+            <a:r>
+              <a:rPr lang="de-DE" dirty="0" smtClean="0"/>
               <a:t> </a:t>
             </a:r>
             <a:r>
-              <a:rPr lang="de-DE" dirty="0" err="1"/>
-              <a:t>layers</a:t>
-            </a:r>
-            <a:r>
-              <a:rPr lang="de-DE" dirty="0"/>
-              <a:t>, </a:t>
-            </a:r>
-            <a:r>
-              <a:rPr lang="de-DE" dirty="0" err="1"/>
-              <a:t>because</a:t>
-            </a:r>
-            <a:r>
-              <a:rPr lang="de-DE" dirty="0"/>
+              <a:rPr lang="de-DE" dirty="0" err="1" smtClean="0"/>
+              <a:t>you</a:t>
+            </a:r>
+            <a:r>
+              <a:rPr lang="de-DE" baseline="0" dirty="0" smtClean="0"/>
               <a:t> </a:t>
             </a:r>
             <a:r>
-              <a:rPr lang="de-DE" dirty="0" err="1"/>
-              <a:t>it</a:t>
-            </a:r>
-            <a:r>
-              <a:rPr lang="de-DE" dirty="0"/>
+              <a:rPr lang="de-DE" baseline="0" dirty="0" err="1" smtClean="0"/>
+              <a:t>are</a:t>
+            </a:r>
+            <a:r>
+              <a:rPr lang="de-DE" baseline="0" dirty="0" smtClean="0"/>
               <a:t> </a:t>
             </a:r>
             <a:r>
-              <a:rPr lang="de-DE" dirty="0" err="1"/>
+              <a:rPr lang="de-DE" baseline="0" dirty="0" err="1" smtClean="0"/>
+              <a:t>using</a:t>
+            </a:r>
+            <a:r>
+              <a:rPr lang="de-DE" baseline="0" dirty="0" smtClean="0"/>
+              <a:t> </a:t>
+            </a:r>
+            <a:r>
+              <a:rPr lang="de-DE" baseline="0" dirty="0" err="1" smtClean="0"/>
+              <a:t>softmax</a:t>
+            </a:r>
+            <a:r>
+              <a:rPr lang="de-DE" baseline="0" dirty="0" smtClean="0"/>
+              <a:t> o/p </a:t>
+            </a:r>
+            <a:r>
+              <a:rPr lang="de-DE" baseline="0" dirty="0" err="1" smtClean="0"/>
+              <a:t>then</a:t>
+            </a:r>
+            <a:r>
+              <a:rPr lang="de-DE" baseline="0" dirty="0" smtClean="0"/>
+              <a:t> </a:t>
+            </a:r>
+            <a:r>
+              <a:rPr lang="de-DE" baseline="0" dirty="0" err="1" smtClean="0"/>
+              <a:t>what</a:t>
+            </a:r>
+            <a:r>
+              <a:rPr lang="de-DE" baseline="0" dirty="0" smtClean="0"/>
+              <a:t> </a:t>
+            </a:r>
+            <a:r>
+              <a:rPr lang="de-DE" baseline="0" dirty="0" err="1" smtClean="0"/>
               <a:t>is</a:t>
             </a:r>
             <a:r>
-              <a:rPr lang="de-DE" dirty="0"/>
+              <a:rPr lang="de-DE" baseline="0" dirty="0" smtClean="0"/>
               <a:t> </a:t>
             </a:r>
             <a:r>
-              <a:rPr lang="de-DE" dirty="0" err="1"/>
-              <a:t>passed</a:t>
-            </a:r>
-            <a:r>
-              <a:rPr lang="de-DE" dirty="0"/>
+              <a:rPr lang="de-DE" baseline="0" dirty="0" err="1" smtClean="0"/>
+              <a:t>the</a:t>
+            </a:r>
+            <a:r>
+              <a:rPr lang="de-DE" baseline="0" dirty="0" smtClean="0"/>
               <a:t> </a:t>
             </a:r>
             <a:r>
-              <a:rPr lang="de-DE" dirty="0" err="1"/>
-              <a:t>to</a:t>
-            </a:r>
-            <a:r>
-              <a:rPr lang="de-DE" dirty="0"/>
+              <a:rPr lang="de-DE" baseline="0" dirty="0" err="1" smtClean="0"/>
+              <a:t>right</a:t>
+            </a:r>
+            <a:r>
+              <a:rPr lang="de-DE" baseline="0" dirty="0" smtClean="0"/>
               <a:t> </a:t>
             </a:r>
             <a:r>
-              <a:rPr lang="de-DE" dirty="0" err="1"/>
-              <a:t>several</a:t>
-            </a:r>
-            <a:r>
-              <a:rPr lang="de-DE" dirty="0"/>
-              <a:t> non-</a:t>
-            </a:r>
-            <a:r>
-              <a:rPr lang="de-DE" dirty="0" err="1"/>
-              <a:t>linearity</a:t>
-            </a:r>
-            <a:r>
-              <a:rPr lang="de-DE" dirty="0"/>
+              <a:rPr lang="de-DE" baseline="0" dirty="0" err="1" smtClean="0"/>
+              <a:t>cost</a:t>
+            </a:r>
+            <a:r>
+              <a:rPr lang="de-DE" baseline="0" dirty="0" smtClean="0"/>
               <a:t> </a:t>
             </a:r>
             <a:r>
-              <a:rPr lang="de-DE" dirty="0" err="1"/>
-              <a:t>functions</a:t>
-            </a:r>
-            <a:r>
-              <a:rPr lang="de-DE" dirty="0"/>
-              <a:t> -&gt; </a:t>
-            </a:r>
-            <a:r>
-              <a:rPr lang="de-DE" dirty="0" err="1"/>
-              <a:t>Deep</a:t>
-            </a:r>
-            <a:r>
-              <a:rPr lang="de-DE" dirty="0"/>
+              <a:rPr lang="de-DE" baseline="0" dirty="0" err="1" smtClean="0"/>
+              <a:t>function</a:t>
+            </a:r>
+            <a:endParaRPr lang="de-DE" baseline="0" dirty="0" smtClean="0"/>
+          </a:p>
+          <a:p>
+            <a:r>
+              <a:rPr lang="de-DE" baseline="0" dirty="0" smtClean="0"/>
               <a:t> </a:t>
-            </a:r>
-            <a:r>
-              <a:rPr lang="de-DE" dirty="0" err="1"/>
-              <a:t>learning</a:t>
             </a:r>
             <a:endParaRPr lang="de-DE" dirty="0"/>
           </a:p>
@@ -2591,7 +2472,7 @@
     </p:spTree>
     <p:extLst>
       <p:ext uri="{BB962C8B-B14F-4D97-AF65-F5344CB8AC3E}">
-        <p14:creationId xmlns:p14="http://schemas.microsoft.com/office/powerpoint/2010/main" val="3201983345"/>
+        <p14:creationId xmlns:p14="http://schemas.microsoft.com/office/powerpoint/2010/main" val="3878830489"/>
       </p:ext>
     </p:extLst>
   </p:cSld>
@@ -2602,6 +2483,98 @@
 </file>
 
 <file path=ppt/notesSlides/notesSlide18.xml><?xml version="1.0" encoding="utf-8"?>
+<p:notes xmlns:a="http://schemas.openxmlformats.org/drawingml/2006/main" xmlns:r="http://schemas.openxmlformats.org/officeDocument/2006/relationships" xmlns:p="http://schemas.openxmlformats.org/presentationml/2006/main">
+  <p:cSld>
+    <p:spTree>
+      <p:nvGrpSpPr>
+        <p:cNvPr id="1" name=""/>
+        <p:cNvGrpSpPr/>
+        <p:nvPr/>
+      </p:nvGrpSpPr>
+      <p:grpSpPr>
+        <a:xfrm>
+          <a:off x="0" y="0"/>
+          <a:ext cx="0" cy="0"/>
+          <a:chOff x="0" y="0"/>
+          <a:chExt cx="0" cy="0"/>
+        </a:xfrm>
+      </p:grpSpPr>
+      <p:sp>
+        <p:nvSpPr>
+          <p:cNvPr id="2" name="Slide Image Placeholder 1"/>
+          <p:cNvSpPr>
+            <a:spLocks noGrp="1" noRot="1" noChangeAspect="1"/>
+          </p:cNvSpPr>
+          <p:nvPr>
+            <p:ph type="sldImg"/>
+          </p:nvPr>
+        </p:nvSpPr>
+        <p:spPr>
+          <a:xfrm>
+            <a:off x="1168400" y="901700"/>
+            <a:ext cx="5500688" cy="3094038"/>
+          </a:xfrm>
+        </p:spPr>
+      </p:sp>
+      <p:sp>
+        <p:nvSpPr>
+          <p:cNvPr id="3" name="Notes Placeholder 2"/>
+          <p:cNvSpPr>
+            <a:spLocks noGrp="1"/>
+          </p:cNvSpPr>
+          <p:nvPr>
+            <p:ph type="body" idx="1"/>
+          </p:nvPr>
+        </p:nvSpPr>
+        <p:spPr/>
+        <p:txBody>
+          <a:bodyPr/>
+          <a:lstStyle/>
+          <a:p>
+            <a:r>
+              <a:rPr lang="en-GB" dirty="0"/>
+              <a:t>Derivative of penalty is the force pulling down to zero</a:t>
+            </a:r>
+          </a:p>
+        </p:txBody>
+      </p:sp>
+      <p:sp>
+        <p:nvSpPr>
+          <p:cNvPr id="4" name="Slide Number Placeholder 3"/>
+          <p:cNvSpPr>
+            <a:spLocks noGrp="1"/>
+          </p:cNvSpPr>
+          <p:nvPr>
+            <p:ph type="sldNum" sz="quarter" idx="10"/>
+          </p:nvPr>
+        </p:nvSpPr>
+        <p:spPr/>
+        <p:txBody>
+          <a:bodyPr/>
+          <a:lstStyle/>
+          <a:p>
+            <a:fld id="{272E3E51-A3F3-4FD4-9C75-1C612CCCCA5A}" type="slidenum">
+              <a:rPr lang="de-DE" smtClean="0"/>
+              <a:t>31</a:t>
+            </a:fld>
+            <a:endParaRPr lang="de-DE"/>
+          </a:p>
+        </p:txBody>
+      </p:sp>
+    </p:spTree>
+    <p:extLst>
+      <p:ext uri="{BB962C8B-B14F-4D97-AF65-F5344CB8AC3E}">
+        <p14:creationId xmlns:p14="http://schemas.microsoft.com/office/powerpoint/2010/main" val="1996769171"/>
+      </p:ext>
+    </p:extLst>
+  </p:cSld>
+  <p:clrMapOvr>
+    <a:masterClrMapping/>
+  </p:clrMapOvr>
+</p:notes>
+</file>
+
+<file path=ppt/notesSlides/notesSlide19.xml><?xml version="1.0" encoding="utf-8"?>
 <p:notes xmlns:a="http://schemas.openxmlformats.org/drawingml/2006/main" xmlns:r="http://schemas.openxmlformats.org/officeDocument/2006/relationships" xmlns:p="http://schemas.openxmlformats.org/presentationml/2006/main">
   <p:cSld>
     <p:spTree>
@@ -2756,6 +2729,73 @@
             </a:r>
             <a:endParaRPr lang="de-DE" dirty="0"/>
           </a:p>
+          <a:p>
+            <a:r>
+              <a:rPr lang="de-DE" dirty="0"/>
+              <a:t>Over time </a:t>
+            </a:r>
+            <a:r>
+              <a:rPr lang="de-DE" dirty="0" err="1"/>
+              <a:t>the</a:t>
+            </a:r>
+            <a:r>
+              <a:rPr lang="de-DE" dirty="0"/>
+              <a:t> original </a:t>
+            </a:r>
+            <a:r>
+              <a:rPr lang="de-DE" dirty="0" err="1"/>
+              <a:t>image</a:t>
+            </a:r>
+            <a:r>
+              <a:rPr lang="de-DE" dirty="0"/>
+              <a:t> </a:t>
+            </a:r>
+            <a:r>
+              <a:rPr lang="de-DE" dirty="0" err="1"/>
+              <a:t>is</a:t>
+            </a:r>
+            <a:r>
+              <a:rPr lang="de-DE" dirty="0"/>
+              <a:t> </a:t>
+            </a:r>
+            <a:r>
+              <a:rPr lang="de-DE" dirty="0" err="1"/>
+              <a:t>reduced</a:t>
+            </a:r>
+            <a:r>
+              <a:rPr lang="de-DE" dirty="0"/>
+              <a:t> in </a:t>
+            </a:r>
+            <a:r>
+              <a:rPr lang="de-DE" dirty="0" err="1"/>
+              <a:t>size</a:t>
+            </a:r>
+            <a:r>
+              <a:rPr lang="de-DE" dirty="0"/>
+              <a:t> </a:t>
+            </a:r>
+            <a:r>
+              <a:rPr lang="de-DE" dirty="0" err="1"/>
+              <a:t>more</a:t>
+            </a:r>
+            <a:r>
+              <a:rPr lang="de-DE" dirty="0"/>
+              <a:t> </a:t>
+            </a:r>
+            <a:r>
+              <a:rPr lang="de-DE" dirty="0" err="1"/>
+              <a:t>and</a:t>
+            </a:r>
+            <a:r>
+              <a:rPr lang="de-DE" dirty="0"/>
+              <a:t> </a:t>
+            </a:r>
+            <a:r>
+              <a:rPr lang="de-DE" dirty="0" err="1"/>
+              <a:t>more</a:t>
+            </a:r>
+            <a:endParaRPr lang="de-DE" dirty="0"/>
+          </a:p>
         </p:txBody>
       </p:sp>
       <p:sp>
@@ -2775,7 +2815,7 @@
           <a:p>
             <a:fld id="{272E3E51-A3F3-4FD4-9C75-1C612CCCCA5A}" type="slidenum">
               <a:rPr lang="de-DE" smtClean="0"/>
-              <a:t>27</a:t>
+              <a:t>33</a:t>
             </a:fld>
             <a:endParaRPr lang="de-DE"/>
           </a:p>
@@ -2784,99 +2824,7 @@
     </p:spTree>
     <p:extLst>
       <p:ext uri="{BB962C8B-B14F-4D97-AF65-F5344CB8AC3E}">
-        <p14:creationId xmlns:p14="http://schemas.microsoft.com/office/powerpoint/2010/main" val="3878830489"/>
-      </p:ext>
-    </p:extLst>
-  </p:cSld>
-  <p:clrMapOvr>
-    <a:masterClrMapping/>
-  </p:clrMapOvr>
-</p:notes>
-</file>
-
-<file path=ppt/notesSlides/notesSlide19.xml><?xml version="1.0" encoding="utf-8"?>
-<p:notes xmlns:a="http://schemas.openxmlformats.org/drawingml/2006/main" xmlns:r="http://schemas.openxmlformats.org/officeDocument/2006/relationships" xmlns:p="http://schemas.openxmlformats.org/presentationml/2006/main">
-  <p:cSld>
-    <p:spTree>
-      <p:nvGrpSpPr>
-        <p:cNvPr id="1" name=""/>
-        <p:cNvGrpSpPr/>
-        <p:nvPr/>
-      </p:nvGrpSpPr>
-      <p:grpSpPr>
-        <a:xfrm>
-          <a:off x="0" y="0"/>
-          <a:ext cx="0" cy="0"/>
-          <a:chOff x="0" y="0"/>
-          <a:chExt cx="0" cy="0"/>
-        </a:xfrm>
-      </p:grpSpPr>
-      <p:sp>
-        <p:nvSpPr>
-          <p:cNvPr id="2" name="Slide Image Placeholder 1"/>
-          <p:cNvSpPr>
-            <a:spLocks noGrp="1" noRot="1" noChangeAspect="1"/>
-          </p:cNvSpPr>
-          <p:nvPr>
-            <p:ph type="sldImg"/>
-          </p:nvPr>
-        </p:nvSpPr>
-        <p:spPr>
-          <a:xfrm>
-            <a:off x="1168400" y="901700"/>
-            <a:ext cx="5500688" cy="3094038"/>
-          </a:xfrm>
-        </p:spPr>
-      </p:sp>
-      <p:sp>
-        <p:nvSpPr>
-          <p:cNvPr id="3" name="Notes Placeholder 2"/>
-          <p:cNvSpPr>
-            <a:spLocks noGrp="1"/>
-          </p:cNvSpPr>
-          <p:nvPr>
-            <p:ph type="body" idx="1"/>
-          </p:nvPr>
-        </p:nvSpPr>
-        <p:spPr/>
-        <p:txBody>
-          <a:bodyPr/>
-          <a:lstStyle/>
-          <a:p>
-            <a:r>
-              <a:rPr lang="en-GB" dirty="0"/>
-              <a:t>Derivative of penalty is the force pulling down to zero</a:t>
-            </a:r>
-          </a:p>
-        </p:txBody>
-      </p:sp>
-      <p:sp>
-        <p:nvSpPr>
-          <p:cNvPr id="4" name="Slide Number Placeholder 3"/>
-          <p:cNvSpPr>
-            <a:spLocks noGrp="1"/>
-          </p:cNvSpPr>
-          <p:nvPr>
-            <p:ph type="sldNum" sz="quarter" idx="10"/>
-          </p:nvPr>
-        </p:nvSpPr>
-        <p:spPr/>
-        <p:txBody>
-          <a:bodyPr/>
-          <a:lstStyle/>
-          <a:p>
-            <a:fld id="{272E3E51-A3F3-4FD4-9C75-1C612CCCCA5A}" type="slidenum">
-              <a:rPr lang="de-DE" smtClean="0"/>
-              <a:t>32</a:t>
-            </a:fld>
-            <a:endParaRPr lang="de-DE"/>
-          </a:p>
-        </p:txBody>
-      </p:sp>
-    </p:spTree>
-    <p:extLst>
-      <p:ext uri="{BB962C8B-B14F-4D97-AF65-F5344CB8AC3E}">
-        <p14:creationId xmlns:p14="http://schemas.microsoft.com/office/powerpoint/2010/main" val="1996769171"/>
+        <p14:creationId xmlns:p14="http://schemas.microsoft.com/office/powerpoint/2010/main" val="2681338299"/>
       </p:ext>
     </p:extLst>
   </p:cSld>
@@ -3025,20 +2973,8 @@
           <a:lstStyle/>
           <a:p>
             <a:r>
-              <a:rPr lang="de-DE" dirty="0"/>
-              <a:t>NN </a:t>
-            </a:r>
-            <a:r>
               <a:rPr lang="de-DE" dirty="0" err="1"/>
-              <a:t>with</a:t>
-            </a:r>
-            <a:r>
-              <a:rPr lang="de-DE" dirty="0"/>
-              <a:t> multiple </a:t>
-            </a:r>
-            <a:r>
-              <a:rPr lang="de-DE" dirty="0" err="1"/>
-              <a:t>hidden</a:t>
+              <a:t>Thats</a:t>
             </a:r>
             <a:r>
               <a:rPr lang="de-DE" dirty="0"/>
@@ -3046,15 +2982,7 @@
             </a:r>
             <a:r>
               <a:rPr lang="de-DE" dirty="0" err="1"/>
-              <a:t>layers</a:t>
-            </a:r>
-            <a:r>
-              <a:rPr lang="de-DE" dirty="0"/>
-              <a:t>, </a:t>
-            </a:r>
-            <a:r>
-              <a:rPr lang="de-DE" dirty="0" err="1"/>
-              <a:t>because</a:t>
+              <a:t>what</a:t>
             </a:r>
             <a:r>
               <a:rPr lang="de-DE" dirty="0"/>
@@ -3062,7 +2990,7 @@
             </a:r>
             <a:r>
               <a:rPr lang="de-DE" dirty="0" err="1"/>
-              <a:t>it</a:t>
+              <a:t>the</a:t>
             </a:r>
             <a:r>
               <a:rPr lang="de-DE" dirty="0"/>
@@ -3070,7 +2998,7 @@
             </a:r>
             <a:r>
               <a:rPr lang="de-DE" dirty="0" err="1"/>
-              <a:t>is</a:t>
+              <a:t>computer</a:t>
             </a:r>
             <a:r>
               <a:rPr lang="de-DE" dirty="0"/>
@@ -3078,122 +3006,7 @@
             </a:r>
             <a:r>
               <a:rPr lang="de-DE" dirty="0" err="1"/>
-              <a:t>passed</a:t>
-            </a:r>
-            <a:r>
-              <a:rPr lang="de-DE" dirty="0"/>
-              <a:t> </a:t>
-            </a:r>
-            <a:r>
-              <a:rPr lang="de-DE" dirty="0" err="1"/>
-              <a:t>to</a:t>
-            </a:r>
-            <a:r>
-              <a:rPr lang="de-DE" dirty="0"/>
-              <a:t> </a:t>
-            </a:r>
-            <a:r>
-              <a:rPr lang="de-DE" dirty="0" err="1"/>
-              <a:t>several</a:t>
-            </a:r>
-            <a:r>
-              <a:rPr lang="de-DE" dirty="0"/>
-              <a:t> non-</a:t>
-            </a:r>
-            <a:r>
-              <a:rPr lang="de-DE" dirty="0" err="1"/>
-              <a:t>linearity</a:t>
-            </a:r>
-            <a:r>
-              <a:rPr lang="de-DE" dirty="0"/>
-              <a:t> </a:t>
-            </a:r>
-            <a:r>
-              <a:rPr lang="de-DE" dirty="0" err="1"/>
-              <a:t>functions</a:t>
-            </a:r>
-            <a:r>
-              <a:rPr lang="de-DE" dirty="0"/>
-              <a:t> -&gt; </a:t>
-            </a:r>
-            <a:r>
-              <a:rPr lang="de-DE" dirty="0" err="1"/>
-              <a:t>Deep</a:t>
-            </a:r>
-            <a:r>
-              <a:rPr lang="de-DE" dirty="0"/>
-              <a:t> </a:t>
-            </a:r>
-            <a:r>
-              <a:rPr lang="de-DE" dirty="0" err="1"/>
-              <a:t>learning</a:t>
-            </a:r>
-            <a:endParaRPr lang="de-DE" dirty="0"/>
-          </a:p>
-          <a:p>
-            <a:r>
-              <a:rPr lang="de-DE" dirty="0"/>
-              <a:t>Over time </a:t>
-            </a:r>
-            <a:r>
-              <a:rPr lang="de-DE" dirty="0" err="1"/>
-              <a:t>the</a:t>
-            </a:r>
-            <a:r>
-              <a:rPr lang="de-DE" dirty="0"/>
-              <a:t> original </a:t>
-            </a:r>
-            <a:r>
-              <a:rPr lang="de-DE" dirty="0" err="1"/>
-              <a:t>image</a:t>
-            </a:r>
-            <a:r>
-              <a:rPr lang="de-DE" dirty="0"/>
-              <a:t> </a:t>
-            </a:r>
-            <a:r>
-              <a:rPr lang="de-DE" dirty="0" err="1"/>
-              <a:t>is</a:t>
-            </a:r>
-            <a:r>
-              <a:rPr lang="de-DE" dirty="0"/>
-              <a:t> </a:t>
-            </a:r>
-            <a:r>
-              <a:rPr lang="de-DE" dirty="0" err="1"/>
-              <a:t>reduced</a:t>
-            </a:r>
-            <a:r>
-              <a:rPr lang="de-DE" dirty="0"/>
-              <a:t> in </a:t>
-            </a:r>
-            <a:r>
-              <a:rPr lang="de-DE" dirty="0" err="1"/>
-              <a:t>size</a:t>
-            </a:r>
-            <a:r>
-              <a:rPr lang="de-DE" dirty="0"/>
-              <a:t> </a:t>
-            </a:r>
-            <a:r>
-              <a:rPr lang="de-DE" dirty="0" err="1"/>
-              <a:t>more</a:t>
-            </a:r>
-            <a:r>
-              <a:rPr lang="de-DE" dirty="0"/>
-              <a:t> </a:t>
-            </a:r>
-            <a:r>
-              <a:rPr lang="de-DE" dirty="0" err="1"/>
-              <a:t>and</a:t>
-            </a:r>
-            <a:r>
-              <a:rPr lang="de-DE" dirty="0"/>
-              <a:t> </a:t>
-            </a:r>
-            <a:r>
-              <a:rPr lang="de-DE" dirty="0" err="1"/>
-              <a:t>more</a:t>
+              <a:t>sees</a:t>
             </a:r>
             <a:endParaRPr lang="de-DE" dirty="0"/>
           </a:p>
@@ -3216,132 +3029,7 @@
           <a:p>
             <a:fld id="{272E3E51-A3F3-4FD4-9C75-1C612CCCCA5A}" type="slidenum">
               <a:rPr lang="de-DE" smtClean="0"/>
-              <a:t>34</a:t>
-            </a:fld>
-            <a:endParaRPr lang="de-DE"/>
-          </a:p>
-        </p:txBody>
-      </p:sp>
-    </p:spTree>
-    <p:extLst>
-      <p:ext uri="{BB962C8B-B14F-4D97-AF65-F5344CB8AC3E}">
-        <p14:creationId xmlns:p14="http://schemas.microsoft.com/office/powerpoint/2010/main" val="2681338299"/>
-      </p:ext>
-    </p:extLst>
-  </p:cSld>
-  <p:clrMapOvr>
-    <a:masterClrMapping/>
-  </p:clrMapOvr>
-</p:notes>
-</file>
-
-<file path=ppt/notesSlides/notesSlide21.xml><?xml version="1.0" encoding="utf-8"?>
-<p:notes xmlns:a="http://schemas.openxmlformats.org/drawingml/2006/main" xmlns:r="http://schemas.openxmlformats.org/officeDocument/2006/relationships" xmlns:p="http://schemas.openxmlformats.org/presentationml/2006/main">
-  <p:cSld>
-    <p:spTree>
-      <p:nvGrpSpPr>
-        <p:cNvPr id="1" name=""/>
-        <p:cNvGrpSpPr/>
-        <p:nvPr/>
-      </p:nvGrpSpPr>
-      <p:grpSpPr>
-        <a:xfrm>
-          <a:off x="0" y="0"/>
-          <a:ext cx="0" cy="0"/>
-          <a:chOff x="0" y="0"/>
-          <a:chExt cx="0" cy="0"/>
-        </a:xfrm>
-      </p:grpSpPr>
-      <p:sp>
-        <p:nvSpPr>
-          <p:cNvPr id="2" name="Folienbildplatzhalter 1"/>
-          <p:cNvSpPr>
-            <a:spLocks noGrp="1" noRot="1" noChangeAspect="1"/>
-          </p:cNvSpPr>
-          <p:nvPr>
-            <p:ph type="sldImg"/>
-          </p:nvPr>
-        </p:nvSpPr>
-        <p:spPr>
-          <a:xfrm>
-            <a:off x="1168400" y="901700"/>
-            <a:ext cx="5500688" cy="3094038"/>
-          </a:xfrm>
-        </p:spPr>
-      </p:sp>
-      <p:sp>
-        <p:nvSpPr>
-          <p:cNvPr id="3" name="Notizenplatzhalter 2"/>
-          <p:cNvSpPr>
-            <a:spLocks noGrp="1"/>
-          </p:cNvSpPr>
-          <p:nvPr>
-            <p:ph type="body" idx="1"/>
-          </p:nvPr>
-        </p:nvSpPr>
-        <p:spPr/>
-        <p:txBody>
-          <a:bodyPr/>
-          <a:lstStyle/>
-          <a:p>
-            <a:r>
-              <a:rPr lang="de-DE" dirty="0" err="1"/>
-              <a:t>Thats</a:t>
-            </a:r>
-            <a:r>
-              <a:rPr lang="de-DE" dirty="0"/>
-              <a:t> </a:t>
-            </a:r>
-            <a:r>
-              <a:rPr lang="de-DE" dirty="0" err="1"/>
-              <a:t>what</a:t>
-            </a:r>
-            <a:r>
-              <a:rPr lang="de-DE" dirty="0"/>
-              <a:t> </a:t>
-            </a:r>
-            <a:r>
-              <a:rPr lang="de-DE" dirty="0" err="1"/>
-              <a:t>the</a:t>
-            </a:r>
-            <a:r>
-              <a:rPr lang="de-DE" dirty="0"/>
-              <a:t> </a:t>
-            </a:r>
-            <a:r>
-              <a:rPr lang="de-DE" dirty="0" err="1"/>
-              <a:t>computer</a:t>
-            </a:r>
-            <a:r>
-              <a:rPr lang="de-DE" dirty="0"/>
-              <a:t> </a:t>
-            </a:r>
-            <a:r>
-              <a:rPr lang="de-DE" dirty="0" err="1"/>
-              <a:t>sees</a:t>
-            </a:r>
-            <a:endParaRPr lang="de-DE" dirty="0"/>
-          </a:p>
-        </p:txBody>
-      </p:sp>
-      <p:sp>
-        <p:nvSpPr>
-          <p:cNvPr id="4" name="Foliennummernplatzhalter 3"/>
-          <p:cNvSpPr>
-            <a:spLocks noGrp="1"/>
-          </p:cNvSpPr>
-          <p:nvPr>
-            <p:ph type="sldNum" sz="quarter" idx="10"/>
-          </p:nvPr>
-        </p:nvSpPr>
-        <p:spPr/>
-        <p:txBody>
-          <a:bodyPr/>
-          <a:lstStyle/>
-          <a:p>
-            <a:fld id="{272E3E51-A3F3-4FD4-9C75-1C612CCCCA5A}" type="slidenum">
-              <a:rPr lang="de-DE" smtClean="0"/>
-              <a:t>40</a:t>
+              <a:t>39</a:t>
             </a:fld>
             <a:endParaRPr lang="de-DE"/>
           </a:p>
@@ -5313,12 +5001,6 @@
             </a:r>
             <a:endParaRPr lang="de-DE" dirty="0"/>
           </a:p>
-          <a:p>
-            <a:endParaRPr lang="de-DE" dirty="0"/>
-          </a:p>
-          <a:p>
-            <a:endParaRPr lang="de-DE" dirty="0"/>
-          </a:p>
         </p:txBody>
       </p:sp>
       <p:sp>
@@ -5347,7 +5029,7 @@
     </p:spTree>
     <p:extLst>
       <p:ext uri="{BB962C8B-B14F-4D97-AF65-F5344CB8AC3E}">
-        <p14:creationId xmlns:p14="http://schemas.microsoft.com/office/powerpoint/2010/main" val="2986892163"/>
+        <p14:creationId xmlns:p14="http://schemas.microsoft.com/office/powerpoint/2010/main" val="3475161311"/>
       </p:ext>
     </p:extLst>
   </p:cSld>
@@ -5779,7 +5461,7 @@
             <a:fld id="{911D8C60-1F2D-4436-BF53-22882F494404}" type="datetimeFigureOut">
               <a:rPr lang="de-DE" smtClean="0"/>
               <a:pPr/>
-              <a:t>06.02.2017</a:t>
+              <a:t>07.02.17</a:t>
             </a:fld>
             <a:endParaRPr lang="de-DE" dirty="0"/>
           </a:p>
@@ -5846,7 +5528,7 @@
             <a:fld id="{83B23FF1-3F66-4904-91CE-1AE4A5050627}" type="slidenum">
               <a:rPr lang="de-DE" smtClean="0"/>
               <a:pPr/>
-              <a:t>‹Nr.›</a:t>
+              <a:t>‹#›</a:t>
             </a:fld>
             <a:endParaRPr lang="de-DE"/>
           </a:p>
@@ -8119,7 +7801,7 @@
                   <a:spcPct val="50000"/>
                 </a:spcBef>
               </a:pPr>
-              <a:t>‹Nr.›</a:t>
+              <a:t>‹#›</a:t>
             </a:fld>
             <a:endParaRPr lang="de-DE" altLang="de-DE" sz="1000" dirty="0">
               <a:solidFill>
@@ -8711,7 +8393,7 @@
                 <a:gridCol w="292533">
                   <a:extLst>
                     <a:ext uri="{9D8B030D-6E8A-4147-A177-3AD203B41FA5}">
-                      <a16:colId xmlns:a16="http://schemas.microsoft.com/office/drawing/2014/main" val="3678911628"/>
+                      <a16:colId xmlns:a16="http://schemas.microsoft.com/office/drawing/2014/main" xmlns="" val="3678911628"/>
                     </a:ext>
                   </a:extLst>
                 </a:gridCol>
@@ -8737,7 +8419,7 @@
                 </a:tc>
                 <a:extLst>
                   <a:ext uri="{0D108BD9-81ED-4DB2-BD59-A6C34878D82A}">
-                    <a16:rowId xmlns:a16="http://schemas.microsoft.com/office/drawing/2014/main" val="3786496154"/>
+                    <a16:rowId xmlns:a16="http://schemas.microsoft.com/office/drawing/2014/main" xmlns="" val="3786496154"/>
                   </a:ext>
                 </a:extLst>
               </a:tr>
@@ -8787,7 +8469,7 @@
                 </a:tc>
                 <a:extLst>
                   <a:ext uri="{0D108BD9-81ED-4DB2-BD59-A6C34878D82A}">
-                    <a16:rowId xmlns:a16="http://schemas.microsoft.com/office/drawing/2014/main" val="1539824931"/>
+                    <a16:rowId xmlns:a16="http://schemas.microsoft.com/office/drawing/2014/main" xmlns="" val="1539824931"/>
                   </a:ext>
                 </a:extLst>
               </a:tr>
@@ -8837,7 +8519,7 @@
                 </a:tc>
                 <a:extLst>
                   <a:ext uri="{0D108BD9-81ED-4DB2-BD59-A6C34878D82A}">
-                    <a16:rowId xmlns:a16="http://schemas.microsoft.com/office/drawing/2014/main" val="3982339619"/>
+                    <a16:rowId xmlns:a16="http://schemas.microsoft.com/office/drawing/2014/main" xmlns="" val="3982339619"/>
                   </a:ext>
                 </a:extLst>
               </a:tr>
@@ -8862,7 +8544,7 @@
                 </a:tc>
                 <a:extLst>
                   <a:ext uri="{0D108BD9-81ED-4DB2-BD59-A6C34878D82A}">
-                    <a16:rowId xmlns:a16="http://schemas.microsoft.com/office/drawing/2014/main" val="202465259"/>
+                    <a16:rowId xmlns:a16="http://schemas.microsoft.com/office/drawing/2014/main" xmlns="" val="202465259"/>
                   </a:ext>
                 </a:extLst>
               </a:tr>
@@ -8912,7 +8594,7 @@
                 </a:tc>
                 <a:extLst>
                   <a:ext uri="{0D108BD9-81ED-4DB2-BD59-A6C34878D82A}">
-                    <a16:rowId xmlns:a16="http://schemas.microsoft.com/office/drawing/2014/main" val="3684460613"/>
+                    <a16:rowId xmlns:a16="http://schemas.microsoft.com/office/drawing/2014/main" xmlns="" val="3684460613"/>
                   </a:ext>
                 </a:extLst>
               </a:tr>
@@ -8962,7 +8644,7 @@
                 </a:tc>
                 <a:extLst>
                   <a:ext uri="{0D108BD9-81ED-4DB2-BD59-A6C34878D82A}">
-                    <a16:rowId xmlns:a16="http://schemas.microsoft.com/office/drawing/2014/main" val="2486496764"/>
+                    <a16:rowId xmlns:a16="http://schemas.microsoft.com/office/drawing/2014/main" xmlns="" val="2486496764"/>
                   </a:ext>
                 </a:extLst>
               </a:tr>
@@ -8987,7 +8669,7 @@
                 </a:tc>
                 <a:extLst>
                   <a:ext uri="{0D108BD9-81ED-4DB2-BD59-A6C34878D82A}">
-                    <a16:rowId xmlns:a16="http://schemas.microsoft.com/office/drawing/2014/main" val="510055380"/>
+                    <a16:rowId xmlns:a16="http://schemas.microsoft.com/office/drawing/2014/main" xmlns="" val="510055380"/>
                   </a:ext>
                 </a:extLst>
               </a:tr>
@@ -9037,7 +8719,7 @@
                 </a:tc>
                 <a:extLst>
                   <a:ext uri="{0D108BD9-81ED-4DB2-BD59-A6C34878D82A}">
-                    <a16:rowId xmlns:a16="http://schemas.microsoft.com/office/drawing/2014/main" val="1295892773"/>
+                    <a16:rowId xmlns:a16="http://schemas.microsoft.com/office/drawing/2014/main" xmlns="" val="1295892773"/>
                   </a:ext>
                 </a:extLst>
               </a:tr>
@@ -9087,7 +8769,7 @@
                 </a:tc>
                 <a:extLst>
                   <a:ext uri="{0D108BD9-81ED-4DB2-BD59-A6C34878D82A}">
-                    <a16:rowId xmlns:a16="http://schemas.microsoft.com/office/drawing/2014/main" val="79844242"/>
+                    <a16:rowId xmlns:a16="http://schemas.microsoft.com/office/drawing/2014/main" xmlns="" val="79844242"/>
                   </a:ext>
                 </a:extLst>
               </a:tr>
@@ -9799,7 +9481,7 @@
                 <a:gridCol w="292533">
                   <a:extLst>
                     <a:ext uri="{9D8B030D-6E8A-4147-A177-3AD203B41FA5}">
-                      <a16:colId xmlns:a16="http://schemas.microsoft.com/office/drawing/2014/main" val="3678911628"/>
+                      <a16:colId xmlns:a16="http://schemas.microsoft.com/office/drawing/2014/main" xmlns="" val="3678911628"/>
                     </a:ext>
                   </a:extLst>
                 </a:gridCol>
@@ -9825,7 +9507,7 @@
                 </a:tc>
                 <a:extLst>
                   <a:ext uri="{0D108BD9-81ED-4DB2-BD59-A6C34878D82A}">
-                    <a16:rowId xmlns:a16="http://schemas.microsoft.com/office/drawing/2014/main" val="3786496154"/>
+                    <a16:rowId xmlns:a16="http://schemas.microsoft.com/office/drawing/2014/main" xmlns="" val="3786496154"/>
                   </a:ext>
                 </a:extLst>
               </a:tr>
@@ -9875,7 +9557,7 @@
                 </a:tc>
                 <a:extLst>
                   <a:ext uri="{0D108BD9-81ED-4DB2-BD59-A6C34878D82A}">
-                    <a16:rowId xmlns:a16="http://schemas.microsoft.com/office/drawing/2014/main" val="1539824931"/>
+                    <a16:rowId xmlns:a16="http://schemas.microsoft.com/office/drawing/2014/main" xmlns="" val="1539824931"/>
                   </a:ext>
                 </a:extLst>
               </a:tr>
@@ -9925,7 +9607,7 @@
                 </a:tc>
                 <a:extLst>
                   <a:ext uri="{0D108BD9-81ED-4DB2-BD59-A6C34878D82A}">
-                    <a16:rowId xmlns:a16="http://schemas.microsoft.com/office/drawing/2014/main" val="3982339619"/>
+                    <a16:rowId xmlns:a16="http://schemas.microsoft.com/office/drawing/2014/main" xmlns="" val="3982339619"/>
                   </a:ext>
                 </a:extLst>
               </a:tr>
@@ -9950,7 +9632,7 @@
                 </a:tc>
                 <a:extLst>
                   <a:ext uri="{0D108BD9-81ED-4DB2-BD59-A6C34878D82A}">
-                    <a16:rowId xmlns:a16="http://schemas.microsoft.com/office/drawing/2014/main" val="202465259"/>
+                    <a16:rowId xmlns:a16="http://schemas.microsoft.com/office/drawing/2014/main" xmlns="" val="202465259"/>
                   </a:ext>
                 </a:extLst>
               </a:tr>
@@ -10000,7 +9682,7 @@
                 </a:tc>
                 <a:extLst>
                   <a:ext uri="{0D108BD9-81ED-4DB2-BD59-A6C34878D82A}">
-                    <a16:rowId xmlns:a16="http://schemas.microsoft.com/office/drawing/2014/main" val="3684460613"/>
+                    <a16:rowId xmlns:a16="http://schemas.microsoft.com/office/drawing/2014/main" xmlns="" val="3684460613"/>
                   </a:ext>
                 </a:extLst>
               </a:tr>
@@ -10050,7 +9732,7 @@
                 </a:tc>
                 <a:extLst>
                   <a:ext uri="{0D108BD9-81ED-4DB2-BD59-A6C34878D82A}">
-                    <a16:rowId xmlns:a16="http://schemas.microsoft.com/office/drawing/2014/main" val="2486496764"/>
+                    <a16:rowId xmlns:a16="http://schemas.microsoft.com/office/drawing/2014/main" xmlns="" val="2486496764"/>
                   </a:ext>
                 </a:extLst>
               </a:tr>
@@ -10075,7 +9757,7 @@
                 </a:tc>
                 <a:extLst>
                   <a:ext uri="{0D108BD9-81ED-4DB2-BD59-A6C34878D82A}">
-                    <a16:rowId xmlns:a16="http://schemas.microsoft.com/office/drawing/2014/main" val="510055380"/>
+                    <a16:rowId xmlns:a16="http://schemas.microsoft.com/office/drawing/2014/main" xmlns="" val="510055380"/>
                   </a:ext>
                 </a:extLst>
               </a:tr>
@@ -10125,7 +9807,7 @@
                 </a:tc>
                 <a:extLst>
                   <a:ext uri="{0D108BD9-81ED-4DB2-BD59-A6C34878D82A}">
-                    <a16:rowId xmlns:a16="http://schemas.microsoft.com/office/drawing/2014/main" val="1295892773"/>
+                    <a16:rowId xmlns:a16="http://schemas.microsoft.com/office/drawing/2014/main" xmlns="" val="1295892773"/>
                   </a:ext>
                 </a:extLst>
               </a:tr>
@@ -10175,7 +9857,7 @@
                 </a:tc>
                 <a:extLst>
                   <a:ext uri="{0D108BD9-81ED-4DB2-BD59-A6C34878D82A}">
-                    <a16:rowId xmlns:a16="http://schemas.microsoft.com/office/drawing/2014/main" val="79844242"/>
+                    <a16:rowId xmlns:a16="http://schemas.microsoft.com/office/drawing/2014/main" xmlns="" val="79844242"/>
                   </a:ext>
                 </a:extLst>
               </a:tr>
@@ -10371,21 +10053,21 @@
                 <a:gridCol w="292533">
                   <a:extLst>
                     <a:ext uri="{9D8B030D-6E8A-4147-A177-3AD203B41FA5}">
-                      <a16:colId xmlns:a16="http://schemas.microsoft.com/office/drawing/2014/main" val="3289671414"/>
+                      <a16:colId xmlns:a16="http://schemas.microsoft.com/office/drawing/2014/main" xmlns="" val="3289671414"/>
                     </a:ext>
                   </a:extLst>
                 </a:gridCol>
                 <a:gridCol w="292533">
                   <a:extLst>
                     <a:ext uri="{9D8B030D-6E8A-4147-A177-3AD203B41FA5}">
-                      <a16:colId xmlns:a16="http://schemas.microsoft.com/office/drawing/2014/main" val="3129106852"/>
+                      <a16:colId xmlns:a16="http://schemas.microsoft.com/office/drawing/2014/main" xmlns="" val="3129106852"/>
                     </a:ext>
                   </a:extLst>
                 </a:gridCol>
                 <a:gridCol w="292533">
                   <a:extLst>
                     <a:ext uri="{9D8B030D-6E8A-4147-A177-3AD203B41FA5}">
-                      <a16:colId xmlns:a16="http://schemas.microsoft.com/office/drawing/2014/main" val="3382257012"/>
+                      <a16:colId xmlns:a16="http://schemas.microsoft.com/office/drawing/2014/main" xmlns="" val="3382257012"/>
                     </a:ext>
                   </a:extLst>
                 </a:gridCol>
@@ -10497,7 +10179,7 @@
                 </a:tc>
                 <a:extLst>
                   <a:ext uri="{0D108BD9-81ED-4DB2-BD59-A6C34878D82A}">
-                    <a16:rowId xmlns:a16="http://schemas.microsoft.com/office/drawing/2014/main" val="3181698656"/>
+                    <a16:rowId xmlns:a16="http://schemas.microsoft.com/office/drawing/2014/main" xmlns="" val="3181698656"/>
                   </a:ext>
                 </a:extLst>
               </a:tr>
@@ -10633,7 +10315,7 @@
                 </a:tc>
                 <a:extLst>
                   <a:ext uri="{0D108BD9-81ED-4DB2-BD59-A6C34878D82A}">
-                    <a16:rowId xmlns:a16="http://schemas.microsoft.com/office/drawing/2014/main" val="1486785032"/>
+                    <a16:rowId xmlns:a16="http://schemas.microsoft.com/office/drawing/2014/main" xmlns="" val="1486785032"/>
                   </a:ext>
                 </a:extLst>
               </a:tr>
@@ -10769,7 +10451,7 @@
                 </a:tc>
                 <a:extLst>
                   <a:ext uri="{0D108BD9-81ED-4DB2-BD59-A6C34878D82A}">
-                    <a16:rowId xmlns:a16="http://schemas.microsoft.com/office/drawing/2014/main" val="2189309893"/>
+                    <a16:rowId xmlns:a16="http://schemas.microsoft.com/office/drawing/2014/main" xmlns="" val="2189309893"/>
                   </a:ext>
                 </a:extLst>
               </a:tr>
@@ -11912,6 +11594,1345 @@
   <p:clrMapOvr>
     <a:masterClrMapping/>
   </p:clrMapOvr>
+  <p:timing>
+    <p:tnLst>
+      <p:par>
+        <p:cTn id="1" dur="indefinite" restart="never" nodeType="tmRoot">
+          <p:childTnLst>
+            <p:seq concurrent="1" nextAc="seek">
+              <p:cTn id="2" dur="indefinite" nodeType="mainSeq">
+                <p:childTnLst>
+                  <p:par>
+                    <p:cTn id="3" fill="hold">
+                      <p:stCondLst>
+                        <p:cond delay="indefinite"/>
+                      </p:stCondLst>
+                      <p:childTnLst>
+                        <p:par>
+                          <p:cTn id="4" fill="hold">
+                            <p:stCondLst>
+                              <p:cond delay="0"/>
+                            </p:stCondLst>
+                            <p:childTnLst>
+                              <p:par>
+                                <p:cTn id="5" presetID="1" presetClass="entr" presetSubtype="0" fill="hold" nodeType="clickEffect">
+                                  <p:stCondLst>
+                                    <p:cond delay="0"/>
+                                  </p:stCondLst>
+                                  <p:childTnLst>
+                                    <p:set>
+                                      <p:cBhvr>
+                                        <p:cTn id="6" dur="1" fill="hold">
+                                          <p:stCondLst>
+                                            <p:cond delay="0"/>
+                                          </p:stCondLst>
+                                        </p:cTn>
+                                        <p:tgtEl>
+                                          <p:spTgt spid="6"/>
+                                        </p:tgtEl>
+                                        <p:attrNameLst>
+                                          <p:attrName>style.visibility</p:attrName>
+                                        </p:attrNameLst>
+                                      </p:cBhvr>
+                                      <p:to>
+                                        <p:strVal val="visible"/>
+                                      </p:to>
+                                    </p:set>
+                                  </p:childTnLst>
+                                </p:cTn>
+                              </p:par>
+                              <p:par>
+                                <p:cTn id="7" presetID="1" presetClass="entr" presetSubtype="0" fill="hold" grpId="0" nodeType="withEffect">
+                                  <p:stCondLst>
+                                    <p:cond delay="0"/>
+                                  </p:stCondLst>
+                                  <p:childTnLst>
+                                    <p:set>
+                                      <p:cBhvr>
+                                        <p:cTn id="8" dur="1" fill="hold">
+                                          <p:stCondLst>
+                                            <p:cond delay="0"/>
+                                          </p:stCondLst>
+                                        </p:cTn>
+                                        <p:tgtEl>
+                                          <p:spTgt spid="7"/>
+                                        </p:tgtEl>
+                                        <p:attrNameLst>
+                                          <p:attrName>style.visibility</p:attrName>
+                                        </p:attrNameLst>
+                                      </p:cBhvr>
+                                      <p:to>
+                                        <p:strVal val="visible"/>
+                                      </p:to>
+                                    </p:set>
+                                  </p:childTnLst>
+                                </p:cTn>
+                              </p:par>
+                              <p:par>
+                                <p:cTn id="9" presetID="1" presetClass="entr" presetSubtype="0" fill="hold" grpId="0" nodeType="withEffect">
+                                  <p:stCondLst>
+                                    <p:cond delay="0"/>
+                                  </p:stCondLst>
+                                  <p:childTnLst>
+                                    <p:set>
+                                      <p:cBhvr>
+                                        <p:cTn id="10" dur="1" fill="hold">
+                                          <p:stCondLst>
+                                            <p:cond delay="0"/>
+                                          </p:stCondLst>
+                                        </p:cTn>
+                                        <p:tgtEl>
+                                          <p:spTgt spid="8"/>
+                                        </p:tgtEl>
+                                        <p:attrNameLst>
+                                          <p:attrName>style.visibility</p:attrName>
+                                        </p:attrNameLst>
+                                      </p:cBhvr>
+                                      <p:to>
+                                        <p:strVal val="visible"/>
+                                      </p:to>
+                                    </p:set>
+                                  </p:childTnLst>
+                                </p:cTn>
+                              </p:par>
+                              <p:par>
+                                <p:cTn id="11" presetID="1" presetClass="entr" presetSubtype="0" fill="hold" grpId="0" nodeType="withEffect">
+                                  <p:stCondLst>
+                                    <p:cond delay="0"/>
+                                  </p:stCondLst>
+                                  <p:childTnLst>
+                                    <p:set>
+                                      <p:cBhvr>
+                                        <p:cTn id="12" dur="1" fill="hold">
+                                          <p:stCondLst>
+                                            <p:cond delay="0"/>
+                                          </p:stCondLst>
+                                        </p:cTn>
+                                        <p:tgtEl>
+                                          <p:spTgt spid="9"/>
+                                        </p:tgtEl>
+                                        <p:attrNameLst>
+                                          <p:attrName>style.visibility</p:attrName>
+                                        </p:attrNameLst>
+                                      </p:cBhvr>
+                                      <p:to>
+                                        <p:strVal val="visible"/>
+                                      </p:to>
+                                    </p:set>
+                                  </p:childTnLst>
+                                </p:cTn>
+                              </p:par>
+                              <p:par>
+                                <p:cTn id="13" presetID="1" presetClass="entr" presetSubtype="0" fill="hold" grpId="0" nodeType="withEffect">
+                                  <p:stCondLst>
+                                    <p:cond delay="0"/>
+                                  </p:stCondLst>
+                                  <p:childTnLst>
+                                    <p:set>
+                                      <p:cBhvr>
+                                        <p:cTn id="14" dur="1" fill="hold">
+                                          <p:stCondLst>
+                                            <p:cond delay="0"/>
+                                          </p:stCondLst>
+                                        </p:cTn>
+                                        <p:tgtEl>
+                                          <p:spTgt spid="10"/>
+                                        </p:tgtEl>
+                                        <p:attrNameLst>
+                                          <p:attrName>style.visibility</p:attrName>
+                                        </p:attrNameLst>
+                                      </p:cBhvr>
+                                      <p:to>
+                                        <p:strVal val="visible"/>
+                                      </p:to>
+                                    </p:set>
+                                  </p:childTnLst>
+                                </p:cTn>
+                              </p:par>
+                              <p:par>
+                                <p:cTn id="15" presetID="1" presetClass="entr" presetSubtype="0" fill="hold" nodeType="withEffect">
+                                  <p:stCondLst>
+                                    <p:cond delay="0"/>
+                                  </p:stCondLst>
+                                  <p:childTnLst>
+                                    <p:set>
+                                      <p:cBhvr>
+                                        <p:cTn id="16" dur="1" fill="hold">
+                                          <p:stCondLst>
+                                            <p:cond delay="0"/>
+                                          </p:stCondLst>
+                                        </p:cTn>
+                                        <p:tgtEl>
+                                          <p:spTgt spid="17"/>
+                                        </p:tgtEl>
+                                        <p:attrNameLst>
+                                          <p:attrName>style.visibility</p:attrName>
+                                        </p:attrNameLst>
+                                      </p:cBhvr>
+                                      <p:to>
+                                        <p:strVal val="visible"/>
+                                      </p:to>
+                                    </p:set>
+                                  </p:childTnLst>
+                                </p:cTn>
+                              </p:par>
+                              <p:par>
+                                <p:cTn id="17" presetID="1" presetClass="entr" presetSubtype="0" fill="hold" nodeType="withEffect">
+                                  <p:stCondLst>
+                                    <p:cond delay="0"/>
+                                  </p:stCondLst>
+                                  <p:childTnLst>
+                                    <p:set>
+                                      <p:cBhvr>
+                                        <p:cTn id="18" dur="1" fill="hold">
+                                          <p:stCondLst>
+                                            <p:cond delay="0"/>
+                                          </p:stCondLst>
+                                        </p:cTn>
+                                        <p:tgtEl>
+                                          <p:spTgt spid="18"/>
+                                        </p:tgtEl>
+                                        <p:attrNameLst>
+                                          <p:attrName>style.visibility</p:attrName>
+                                        </p:attrNameLst>
+                                      </p:cBhvr>
+                                      <p:to>
+                                        <p:strVal val="visible"/>
+                                      </p:to>
+                                    </p:set>
+                                  </p:childTnLst>
+                                </p:cTn>
+                              </p:par>
+                              <p:par>
+                                <p:cTn id="19" presetID="1" presetClass="entr" presetSubtype="0" fill="hold" nodeType="withEffect">
+                                  <p:stCondLst>
+                                    <p:cond delay="0"/>
+                                  </p:stCondLst>
+                                  <p:childTnLst>
+                                    <p:set>
+                                      <p:cBhvr>
+                                        <p:cTn id="20" dur="1" fill="hold">
+                                          <p:stCondLst>
+                                            <p:cond delay="0"/>
+                                          </p:stCondLst>
+                                        </p:cTn>
+                                        <p:tgtEl>
+                                          <p:spTgt spid="21"/>
+                                        </p:tgtEl>
+                                        <p:attrNameLst>
+                                          <p:attrName>style.visibility</p:attrName>
+                                        </p:attrNameLst>
+                                      </p:cBhvr>
+                                      <p:to>
+                                        <p:strVal val="visible"/>
+                                      </p:to>
+                                    </p:set>
+                                  </p:childTnLst>
+                                </p:cTn>
+                              </p:par>
+                              <p:par>
+                                <p:cTn id="21" presetID="1" presetClass="entr" presetSubtype="0" fill="hold" nodeType="withEffect">
+                                  <p:stCondLst>
+                                    <p:cond delay="0"/>
+                                  </p:stCondLst>
+                                  <p:childTnLst>
+                                    <p:set>
+                                      <p:cBhvr>
+                                        <p:cTn id="22" dur="1" fill="hold">
+                                          <p:stCondLst>
+                                            <p:cond delay="0"/>
+                                          </p:stCondLst>
+                                        </p:cTn>
+                                        <p:tgtEl>
+                                          <p:spTgt spid="24"/>
+                                        </p:tgtEl>
+                                        <p:attrNameLst>
+                                          <p:attrName>style.visibility</p:attrName>
+                                        </p:attrNameLst>
+                                      </p:cBhvr>
+                                      <p:to>
+                                        <p:strVal val="visible"/>
+                                      </p:to>
+                                    </p:set>
+                                  </p:childTnLst>
+                                </p:cTn>
+                              </p:par>
+                              <p:par>
+                                <p:cTn id="23" presetID="1" presetClass="entr" presetSubtype="0" fill="hold" nodeType="withEffect">
+                                  <p:stCondLst>
+                                    <p:cond delay="0"/>
+                                  </p:stCondLst>
+                                  <p:childTnLst>
+                                    <p:set>
+                                      <p:cBhvr>
+                                        <p:cTn id="24" dur="1" fill="hold">
+                                          <p:stCondLst>
+                                            <p:cond delay="0"/>
+                                          </p:stCondLst>
+                                        </p:cTn>
+                                        <p:tgtEl>
+                                          <p:spTgt spid="27"/>
+                                        </p:tgtEl>
+                                        <p:attrNameLst>
+                                          <p:attrName>style.visibility</p:attrName>
+                                        </p:attrNameLst>
+                                      </p:cBhvr>
+                                      <p:to>
+                                        <p:strVal val="visible"/>
+                                      </p:to>
+                                    </p:set>
+                                  </p:childTnLst>
+                                </p:cTn>
+                              </p:par>
+                              <p:par>
+                                <p:cTn id="25" presetID="1" presetClass="entr" presetSubtype="0" fill="hold" nodeType="withEffect">
+                                  <p:stCondLst>
+                                    <p:cond delay="0"/>
+                                  </p:stCondLst>
+                                  <p:childTnLst>
+                                    <p:set>
+                                      <p:cBhvr>
+                                        <p:cTn id="26" dur="1" fill="hold">
+                                          <p:stCondLst>
+                                            <p:cond delay="0"/>
+                                          </p:stCondLst>
+                                        </p:cTn>
+                                        <p:tgtEl>
+                                          <p:spTgt spid="31"/>
+                                        </p:tgtEl>
+                                        <p:attrNameLst>
+                                          <p:attrName>style.visibility</p:attrName>
+                                        </p:attrNameLst>
+                                      </p:cBhvr>
+                                      <p:to>
+                                        <p:strVal val="visible"/>
+                                      </p:to>
+                                    </p:set>
+                                  </p:childTnLst>
+                                </p:cTn>
+                              </p:par>
+                              <p:par>
+                                <p:cTn id="27" presetID="1" presetClass="entr" presetSubtype="0" fill="hold" nodeType="withEffect">
+                                  <p:stCondLst>
+                                    <p:cond delay="0"/>
+                                  </p:stCondLst>
+                                  <p:childTnLst>
+                                    <p:set>
+                                      <p:cBhvr>
+                                        <p:cTn id="28" dur="1" fill="hold">
+                                          <p:stCondLst>
+                                            <p:cond delay="0"/>
+                                          </p:stCondLst>
+                                        </p:cTn>
+                                        <p:tgtEl>
+                                          <p:spTgt spid="34"/>
+                                        </p:tgtEl>
+                                        <p:attrNameLst>
+                                          <p:attrName>style.visibility</p:attrName>
+                                        </p:attrNameLst>
+                                      </p:cBhvr>
+                                      <p:to>
+                                        <p:strVal val="visible"/>
+                                      </p:to>
+                                    </p:set>
+                                  </p:childTnLst>
+                                </p:cTn>
+                              </p:par>
+                              <p:par>
+                                <p:cTn id="29" presetID="1" presetClass="entr" presetSubtype="0" fill="hold" nodeType="withEffect">
+                                  <p:stCondLst>
+                                    <p:cond delay="0"/>
+                                  </p:stCondLst>
+                                  <p:childTnLst>
+                                    <p:set>
+                                      <p:cBhvr>
+                                        <p:cTn id="30" dur="1" fill="hold">
+                                          <p:stCondLst>
+                                            <p:cond delay="0"/>
+                                          </p:stCondLst>
+                                        </p:cTn>
+                                        <p:tgtEl>
+                                          <p:spTgt spid="37"/>
+                                        </p:tgtEl>
+                                        <p:attrNameLst>
+                                          <p:attrName>style.visibility</p:attrName>
+                                        </p:attrNameLst>
+                                      </p:cBhvr>
+                                      <p:to>
+                                        <p:strVal val="visible"/>
+                                      </p:to>
+                                    </p:set>
+                                  </p:childTnLst>
+                                </p:cTn>
+                              </p:par>
+                              <p:par>
+                                <p:cTn id="31" presetID="1" presetClass="entr" presetSubtype="0" fill="hold" nodeType="withEffect">
+                                  <p:stCondLst>
+                                    <p:cond delay="0"/>
+                                  </p:stCondLst>
+                                  <p:childTnLst>
+                                    <p:set>
+                                      <p:cBhvr>
+                                        <p:cTn id="32" dur="1" fill="hold">
+                                          <p:stCondLst>
+                                            <p:cond delay="0"/>
+                                          </p:stCondLst>
+                                        </p:cTn>
+                                        <p:tgtEl>
+                                          <p:spTgt spid="40"/>
+                                        </p:tgtEl>
+                                        <p:attrNameLst>
+                                          <p:attrName>style.visibility</p:attrName>
+                                        </p:attrNameLst>
+                                      </p:cBhvr>
+                                      <p:to>
+                                        <p:strVal val="visible"/>
+                                      </p:to>
+                                    </p:set>
+                                  </p:childTnLst>
+                                </p:cTn>
+                              </p:par>
+                              <p:par>
+                                <p:cTn id="33" presetID="1" presetClass="entr" presetSubtype="0" fill="hold" nodeType="withEffect">
+                                  <p:stCondLst>
+                                    <p:cond delay="0"/>
+                                  </p:stCondLst>
+                                  <p:childTnLst>
+                                    <p:set>
+                                      <p:cBhvr>
+                                        <p:cTn id="34" dur="1" fill="hold">
+                                          <p:stCondLst>
+                                            <p:cond delay="0"/>
+                                          </p:stCondLst>
+                                        </p:cTn>
+                                        <p:tgtEl>
+                                          <p:spTgt spid="43"/>
+                                        </p:tgtEl>
+                                        <p:attrNameLst>
+                                          <p:attrName>style.visibility</p:attrName>
+                                        </p:attrNameLst>
+                                      </p:cBhvr>
+                                      <p:to>
+                                        <p:strVal val="visible"/>
+                                      </p:to>
+                                    </p:set>
+                                  </p:childTnLst>
+                                </p:cTn>
+                              </p:par>
+                              <p:par>
+                                <p:cTn id="35" presetID="1" presetClass="entr" presetSubtype="0" fill="hold" nodeType="withEffect">
+                                  <p:stCondLst>
+                                    <p:cond delay="0"/>
+                                  </p:stCondLst>
+                                  <p:childTnLst>
+                                    <p:set>
+                                      <p:cBhvr>
+                                        <p:cTn id="36" dur="1" fill="hold">
+                                          <p:stCondLst>
+                                            <p:cond delay="0"/>
+                                          </p:stCondLst>
+                                        </p:cTn>
+                                        <p:tgtEl>
+                                          <p:spTgt spid="46"/>
+                                        </p:tgtEl>
+                                        <p:attrNameLst>
+                                          <p:attrName>style.visibility</p:attrName>
+                                        </p:attrNameLst>
+                                      </p:cBhvr>
+                                      <p:to>
+                                        <p:strVal val="visible"/>
+                                      </p:to>
+                                    </p:set>
+                                  </p:childTnLst>
+                                </p:cTn>
+                              </p:par>
+                              <p:par>
+                                <p:cTn id="37" presetID="1" presetClass="entr" presetSubtype="0" fill="hold" nodeType="withEffect">
+                                  <p:stCondLst>
+                                    <p:cond delay="0"/>
+                                  </p:stCondLst>
+                                  <p:childTnLst>
+                                    <p:set>
+                                      <p:cBhvr>
+                                        <p:cTn id="38" dur="1" fill="hold">
+                                          <p:stCondLst>
+                                            <p:cond delay="0"/>
+                                          </p:stCondLst>
+                                        </p:cTn>
+                                        <p:tgtEl>
+                                          <p:spTgt spid="49"/>
+                                        </p:tgtEl>
+                                        <p:attrNameLst>
+                                          <p:attrName>style.visibility</p:attrName>
+                                        </p:attrNameLst>
+                                      </p:cBhvr>
+                                      <p:to>
+                                        <p:strVal val="visible"/>
+                                      </p:to>
+                                    </p:set>
+                                  </p:childTnLst>
+                                </p:cTn>
+                              </p:par>
+                              <p:par>
+                                <p:cTn id="39" presetID="1" presetClass="entr" presetSubtype="0" fill="hold" grpId="0" nodeType="withEffect">
+                                  <p:stCondLst>
+                                    <p:cond delay="0"/>
+                                  </p:stCondLst>
+                                  <p:childTnLst>
+                                    <p:set>
+                                      <p:cBhvr>
+                                        <p:cTn id="40" dur="1" fill="hold">
+                                          <p:stCondLst>
+                                            <p:cond delay="0"/>
+                                          </p:stCondLst>
+                                        </p:cTn>
+                                        <p:tgtEl>
+                                          <p:spTgt spid="52"/>
+                                        </p:tgtEl>
+                                        <p:attrNameLst>
+                                          <p:attrName>style.visibility</p:attrName>
+                                        </p:attrNameLst>
+                                      </p:cBhvr>
+                                      <p:to>
+                                        <p:strVal val="visible"/>
+                                      </p:to>
+                                    </p:set>
+                                  </p:childTnLst>
+                                </p:cTn>
+                              </p:par>
+                              <p:par>
+                                <p:cTn id="41" presetID="1" presetClass="entr" presetSubtype="0" fill="hold" nodeType="withEffect">
+                                  <p:stCondLst>
+                                    <p:cond delay="0"/>
+                                  </p:stCondLst>
+                                  <p:childTnLst>
+                                    <p:set>
+                                      <p:cBhvr>
+                                        <p:cTn id="42" dur="1" fill="hold">
+                                          <p:stCondLst>
+                                            <p:cond delay="0"/>
+                                          </p:stCondLst>
+                                        </p:cTn>
+                                        <p:tgtEl>
+                                          <p:spTgt spid="93"/>
+                                        </p:tgtEl>
+                                        <p:attrNameLst>
+                                          <p:attrName>style.visibility</p:attrName>
+                                        </p:attrNameLst>
+                                      </p:cBhvr>
+                                      <p:to>
+                                        <p:strVal val="visible"/>
+                                      </p:to>
+                                    </p:set>
+                                  </p:childTnLst>
+                                </p:cTn>
+                              </p:par>
+                              <p:par>
+                                <p:cTn id="43" presetID="1" presetClass="entr" presetSubtype="0" fill="hold" grpId="0" nodeType="withEffect">
+                                  <p:stCondLst>
+                                    <p:cond delay="0"/>
+                                  </p:stCondLst>
+                                  <p:childTnLst>
+                                    <p:set>
+                                      <p:cBhvr>
+                                        <p:cTn id="44" dur="1" fill="hold">
+                                          <p:stCondLst>
+                                            <p:cond delay="0"/>
+                                          </p:stCondLst>
+                                        </p:cTn>
+                                        <p:tgtEl>
+                                          <p:spTgt spid="143"/>
+                                        </p:tgtEl>
+                                        <p:attrNameLst>
+                                          <p:attrName>style.visibility</p:attrName>
+                                        </p:attrNameLst>
+                                      </p:cBhvr>
+                                      <p:to>
+                                        <p:strVal val="visible"/>
+                                      </p:to>
+                                    </p:set>
+                                  </p:childTnLst>
+                                </p:cTn>
+                              </p:par>
+                              <p:par>
+                                <p:cTn id="45" presetID="1" presetClass="entr" presetSubtype="0" fill="hold" grpId="0" nodeType="withEffect">
+                                  <p:stCondLst>
+                                    <p:cond delay="0"/>
+                                  </p:stCondLst>
+                                  <p:childTnLst>
+                                    <p:set>
+                                      <p:cBhvr>
+                                        <p:cTn id="46" dur="1" fill="hold">
+                                          <p:stCondLst>
+                                            <p:cond delay="0"/>
+                                          </p:stCondLst>
+                                        </p:cTn>
+                                        <p:tgtEl>
+                                          <p:spTgt spid="2">
+                                            <p:txEl>
+                                              <p:pRg st="0" end="0"/>
+                                            </p:txEl>
+                                          </p:spTgt>
+                                        </p:tgtEl>
+                                        <p:attrNameLst>
+                                          <p:attrName>style.visibility</p:attrName>
+                                        </p:attrNameLst>
+                                      </p:cBhvr>
+                                      <p:to>
+                                        <p:strVal val="visible"/>
+                                      </p:to>
+                                    </p:set>
+                                  </p:childTnLst>
+                                </p:cTn>
+                              </p:par>
+                              <p:par>
+                                <p:cTn id="47" presetID="1" presetClass="entr" presetSubtype="0" fill="hold" grpId="0" nodeType="withEffect">
+                                  <p:stCondLst>
+                                    <p:cond delay="0"/>
+                                  </p:stCondLst>
+                                  <p:childTnLst>
+                                    <p:set>
+                                      <p:cBhvr>
+                                        <p:cTn id="48" dur="1" fill="hold">
+                                          <p:stCondLst>
+                                            <p:cond delay="0"/>
+                                          </p:stCondLst>
+                                        </p:cTn>
+                                        <p:tgtEl>
+                                          <p:spTgt spid="2">
+                                            <p:txEl>
+                                              <p:pRg st="1" end="1"/>
+                                            </p:txEl>
+                                          </p:spTgt>
+                                        </p:tgtEl>
+                                        <p:attrNameLst>
+                                          <p:attrName>style.visibility</p:attrName>
+                                        </p:attrNameLst>
+                                      </p:cBhvr>
+                                      <p:to>
+                                        <p:strVal val="visible"/>
+                                      </p:to>
+                                    </p:set>
+                                  </p:childTnLst>
+                                </p:cTn>
+                              </p:par>
+                            </p:childTnLst>
+                          </p:cTn>
+                        </p:par>
+                      </p:childTnLst>
+                    </p:cTn>
+                  </p:par>
+                  <p:par>
+                    <p:cTn id="49" fill="hold">
+                      <p:stCondLst>
+                        <p:cond delay="indefinite"/>
+                      </p:stCondLst>
+                      <p:childTnLst>
+                        <p:par>
+                          <p:cTn id="50" fill="hold">
+                            <p:stCondLst>
+                              <p:cond delay="0"/>
+                            </p:stCondLst>
+                            <p:childTnLst>
+                              <p:par>
+                                <p:cTn id="51" presetID="1" presetClass="entr" presetSubtype="0" fill="hold" nodeType="clickEffect">
+                                  <p:stCondLst>
+                                    <p:cond delay="0"/>
+                                  </p:stCondLst>
+                                  <p:childTnLst>
+                                    <p:set>
+                                      <p:cBhvr>
+                                        <p:cTn id="52" dur="1" fill="hold">
+                                          <p:stCondLst>
+                                            <p:cond delay="0"/>
+                                          </p:stCondLst>
+                                        </p:cTn>
+                                        <p:tgtEl>
+                                          <p:spTgt spid="75"/>
+                                        </p:tgtEl>
+                                        <p:attrNameLst>
+                                          <p:attrName>style.visibility</p:attrName>
+                                        </p:attrNameLst>
+                                      </p:cBhvr>
+                                      <p:to>
+                                        <p:strVal val="visible"/>
+                                      </p:to>
+                                    </p:set>
+                                  </p:childTnLst>
+                                </p:cTn>
+                              </p:par>
+                              <p:par>
+                                <p:cTn id="53" presetID="1" presetClass="entr" presetSubtype="0" fill="hold" grpId="0" nodeType="withEffect">
+                                  <p:stCondLst>
+                                    <p:cond delay="0"/>
+                                  </p:stCondLst>
+                                  <p:childTnLst>
+                                    <p:set>
+                                      <p:cBhvr>
+                                        <p:cTn id="54" dur="1" fill="hold">
+                                          <p:stCondLst>
+                                            <p:cond delay="0"/>
+                                          </p:stCondLst>
+                                        </p:cTn>
+                                        <p:tgtEl>
+                                          <p:spTgt spid="76"/>
+                                        </p:tgtEl>
+                                        <p:attrNameLst>
+                                          <p:attrName>style.visibility</p:attrName>
+                                        </p:attrNameLst>
+                                      </p:cBhvr>
+                                      <p:to>
+                                        <p:strVal val="visible"/>
+                                      </p:to>
+                                    </p:set>
+                                  </p:childTnLst>
+                                </p:cTn>
+                              </p:par>
+                              <p:par>
+                                <p:cTn id="55" presetID="1" presetClass="entr" presetSubtype="0" fill="hold" grpId="0" nodeType="withEffect">
+                                  <p:stCondLst>
+                                    <p:cond delay="0"/>
+                                  </p:stCondLst>
+                                  <p:childTnLst>
+                                    <p:set>
+                                      <p:cBhvr>
+                                        <p:cTn id="56" dur="1" fill="hold">
+                                          <p:stCondLst>
+                                            <p:cond delay="0"/>
+                                          </p:stCondLst>
+                                        </p:cTn>
+                                        <p:tgtEl>
+                                          <p:spTgt spid="77"/>
+                                        </p:tgtEl>
+                                        <p:attrNameLst>
+                                          <p:attrName>style.visibility</p:attrName>
+                                        </p:attrNameLst>
+                                      </p:cBhvr>
+                                      <p:to>
+                                        <p:strVal val="visible"/>
+                                      </p:to>
+                                    </p:set>
+                                  </p:childTnLst>
+                                </p:cTn>
+                              </p:par>
+                              <p:par>
+                                <p:cTn id="57" presetID="1" presetClass="entr" presetSubtype="0" fill="hold" grpId="0" nodeType="withEffect">
+                                  <p:stCondLst>
+                                    <p:cond delay="0"/>
+                                  </p:stCondLst>
+                                  <p:childTnLst>
+                                    <p:set>
+                                      <p:cBhvr>
+                                        <p:cTn id="58" dur="1" fill="hold">
+                                          <p:stCondLst>
+                                            <p:cond delay="0"/>
+                                          </p:stCondLst>
+                                        </p:cTn>
+                                        <p:tgtEl>
+                                          <p:spTgt spid="78"/>
+                                        </p:tgtEl>
+                                        <p:attrNameLst>
+                                          <p:attrName>style.visibility</p:attrName>
+                                        </p:attrNameLst>
+                                      </p:cBhvr>
+                                      <p:to>
+                                        <p:strVal val="visible"/>
+                                      </p:to>
+                                    </p:set>
+                                  </p:childTnLst>
+                                </p:cTn>
+                              </p:par>
+                              <p:par>
+                                <p:cTn id="59" presetID="1" presetClass="entr" presetSubtype="0" fill="hold" grpId="0" nodeType="withEffect">
+                                  <p:stCondLst>
+                                    <p:cond delay="0"/>
+                                  </p:stCondLst>
+                                  <p:childTnLst>
+                                    <p:set>
+                                      <p:cBhvr>
+                                        <p:cTn id="60" dur="1" fill="hold">
+                                          <p:stCondLst>
+                                            <p:cond delay="0"/>
+                                          </p:stCondLst>
+                                        </p:cTn>
+                                        <p:tgtEl>
+                                          <p:spTgt spid="79"/>
+                                        </p:tgtEl>
+                                        <p:attrNameLst>
+                                          <p:attrName>style.visibility</p:attrName>
+                                        </p:attrNameLst>
+                                      </p:cBhvr>
+                                      <p:to>
+                                        <p:strVal val="visible"/>
+                                      </p:to>
+                                    </p:set>
+                                  </p:childTnLst>
+                                </p:cTn>
+                              </p:par>
+                              <p:par>
+                                <p:cTn id="61" presetID="1" presetClass="entr" presetSubtype="0" fill="hold" nodeType="withEffect">
+                                  <p:stCondLst>
+                                    <p:cond delay="0"/>
+                                  </p:stCondLst>
+                                  <p:childTnLst>
+                                    <p:set>
+                                      <p:cBhvr>
+                                        <p:cTn id="62" dur="1" fill="hold">
+                                          <p:stCondLst>
+                                            <p:cond delay="0"/>
+                                          </p:stCondLst>
+                                        </p:cTn>
+                                        <p:tgtEl>
+                                          <p:spTgt spid="94"/>
+                                        </p:tgtEl>
+                                        <p:attrNameLst>
+                                          <p:attrName>style.visibility</p:attrName>
+                                        </p:attrNameLst>
+                                      </p:cBhvr>
+                                      <p:to>
+                                        <p:strVal val="visible"/>
+                                      </p:to>
+                                    </p:set>
+                                  </p:childTnLst>
+                                </p:cTn>
+                              </p:par>
+                              <p:par>
+                                <p:cTn id="63" presetID="1" presetClass="entr" presetSubtype="0" fill="hold" nodeType="withEffect">
+                                  <p:stCondLst>
+                                    <p:cond delay="0"/>
+                                  </p:stCondLst>
+                                  <p:childTnLst>
+                                    <p:set>
+                                      <p:cBhvr>
+                                        <p:cTn id="64" dur="1" fill="hold">
+                                          <p:stCondLst>
+                                            <p:cond delay="0"/>
+                                          </p:stCondLst>
+                                        </p:cTn>
+                                        <p:tgtEl>
+                                          <p:spTgt spid="95"/>
+                                        </p:tgtEl>
+                                        <p:attrNameLst>
+                                          <p:attrName>style.visibility</p:attrName>
+                                        </p:attrNameLst>
+                                      </p:cBhvr>
+                                      <p:to>
+                                        <p:strVal val="visible"/>
+                                      </p:to>
+                                    </p:set>
+                                  </p:childTnLst>
+                                </p:cTn>
+                              </p:par>
+                              <p:par>
+                                <p:cTn id="65" presetID="1" presetClass="entr" presetSubtype="0" fill="hold" nodeType="withEffect">
+                                  <p:stCondLst>
+                                    <p:cond delay="0"/>
+                                  </p:stCondLst>
+                                  <p:childTnLst>
+                                    <p:set>
+                                      <p:cBhvr>
+                                        <p:cTn id="66" dur="1" fill="hold">
+                                          <p:stCondLst>
+                                            <p:cond delay="0"/>
+                                          </p:stCondLst>
+                                        </p:cTn>
+                                        <p:tgtEl>
+                                          <p:spTgt spid="96"/>
+                                        </p:tgtEl>
+                                        <p:attrNameLst>
+                                          <p:attrName>style.visibility</p:attrName>
+                                        </p:attrNameLst>
+                                      </p:cBhvr>
+                                      <p:to>
+                                        <p:strVal val="visible"/>
+                                      </p:to>
+                                    </p:set>
+                                  </p:childTnLst>
+                                </p:cTn>
+                              </p:par>
+                              <p:par>
+                                <p:cTn id="67" presetID="1" presetClass="entr" presetSubtype="0" fill="hold" nodeType="withEffect">
+                                  <p:stCondLst>
+                                    <p:cond delay="0"/>
+                                  </p:stCondLst>
+                                  <p:childTnLst>
+                                    <p:set>
+                                      <p:cBhvr>
+                                        <p:cTn id="68" dur="1" fill="hold">
+                                          <p:stCondLst>
+                                            <p:cond delay="0"/>
+                                          </p:stCondLst>
+                                        </p:cTn>
+                                        <p:tgtEl>
+                                          <p:spTgt spid="101"/>
+                                        </p:tgtEl>
+                                        <p:attrNameLst>
+                                          <p:attrName>style.visibility</p:attrName>
+                                        </p:attrNameLst>
+                                      </p:cBhvr>
+                                      <p:to>
+                                        <p:strVal val="visible"/>
+                                      </p:to>
+                                    </p:set>
+                                  </p:childTnLst>
+                                </p:cTn>
+                              </p:par>
+                              <p:par>
+                                <p:cTn id="69" presetID="1" presetClass="entr" presetSubtype="0" fill="hold" nodeType="withEffect">
+                                  <p:stCondLst>
+                                    <p:cond delay="0"/>
+                                  </p:stCondLst>
+                                  <p:childTnLst>
+                                    <p:set>
+                                      <p:cBhvr>
+                                        <p:cTn id="70" dur="1" fill="hold">
+                                          <p:stCondLst>
+                                            <p:cond delay="0"/>
+                                          </p:stCondLst>
+                                        </p:cTn>
+                                        <p:tgtEl>
+                                          <p:spTgt spid="104"/>
+                                        </p:tgtEl>
+                                        <p:attrNameLst>
+                                          <p:attrName>style.visibility</p:attrName>
+                                        </p:attrNameLst>
+                                      </p:cBhvr>
+                                      <p:to>
+                                        <p:strVal val="visible"/>
+                                      </p:to>
+                                    </p:set>
+                                  </p:childTnLst>
+                                </p:cTn>
+                              </p:par>
+                              <p:par>
+                                <p:cTn id="71" presetID="1" presetClass="entr" presetSubtype="0" fill="hold" nodeType="withEffect">
+                                  <p:stCondLst>
+                                    <p:cond delay="0"/>
+                                  </p:stCondLst>
+                                  <p:childTnLst>
+                                    <p:set>
+                                      <p:cBhvr>
+                                        <p:cTn id="72" dur="1" fill="hold">
+                                          <p:stCondLst>
+                                            <p:cond delay="0"/>
+                                          </p:stCondLst>
+                                        </p:cTn>
+                                        <p:tgtEl>
+                                          <p:spTgt spid="107"/>
+                                        </p:tgtEl>
+                                        <p:attrNameLst>
+                                          <p:attrName>style.visibility</p:attrName>
+                                        </p:attrNameLst>
+                                      </p:cBhvr>
+                                      <p:to>
+                                        <p:strVal val="visible"/>
+                                      </p:to>
+                                    </p:set>
+                                  </p:childTnLst>
+                                </p:cTn>
+                              </p:par>
+                              <p:par>
+                                <p:cTn id="73" presetID="1" presetClass="entr" presetSubtype="0" fill="hold" nodeType="withEffect">
+                                  <p:stCondLst>
+                                    <p:cond delay="0"/>
+                                  </p:stCondLst>
+                                  <p:childTnLst>
+                                    <p:set>
+                                      <p:cBhvr>
+                                        <p:cTn id="74" dur="1" fill="hold">
+                                          <p:stCondLst>
+                                            <p:cond delay="0"/>
+                                          </p:stCondLst>
+                                        </p:cTn>
+                                        <p:tgtEl>
+                                          <p:spTgt spid="110"/>
+                                        </p:tgtEl>
+                                        <p:attrNameLst>
+                                          <p:attrName>style.visibility</p:attrName>
+                                        </p:attrNameLst>
+                                      </p:cBhvr>
+                                      <p:to>
+                                        <p:strVal val="visible"/>
+                                      </p:to>
+                                    </p:set>
+                                  </p:childTnLst>
+                                </p:cTn>
+                              </p:par>
+                              <p:par>
+                                <p:cTn id="75" presetID="1" presetClass="entr" presetSubtype="0" fill="hold" nodeType="withEffect">
+                                  <p:stCondLst>
+                                    <p:cond delay="0"/>
+                                  </p:stCondLst>
+                                  <p:childTnLst>
+                                    <p:set>
+                                      <p:cBhvr>
+                                        <p:cTn id="76" dur="1" fill="hold">
+                                          <p:stCondLst>
+                                            <p:cond delay="0"/>
+                                          </p:stCondLst>
+                                        </p:cTn>
+                                        <p:tgtEl>
+                                          <p:spTgt spid="113"/>
+                                        </p:tgtEl>
+                                        <p:attrNameLst>
+                                          <p:attrName>style.visibility</p:attrName>
+                                        </p:attrNameLst>
+                                      </p:cBhvr>
+                                      <p:to>
+                                        <p:strVal val="visible"/>
+                                      </p:to>
+                                    </p:set>
+                                  </p:childTnLst>
+                                </p:cTn>
+                              </p:par>
+                              <p:par>
+                                <p:cTn id="77" presetID="1" presetClass="entr" presetSubtype="0" fill="hold" nodeType="withEffect">
+                                  <p:stCondLst>
+                                    <p:cond delay="0"/>
+                                  </p:stCondLst>
+                                  <p:childTnLst>
+                                    <p:set>
+                                      <p:cBhvr>
+                                        <p:cTn id="78" dur="1" fill="hold">
+                                          <p:stCondLst>
+                                            <p:cond delay="0"/>
+                                          </p:stCondLst>
+                                        </p:cTn>
+                                        <p:tgtEl>
+                                          <p:spTgt spid="118"/>
+                                        </p:tgtEl>
+                                        <p:attrNameLst>
+                                          <p:attrName>style.visibility</p:attrName>
+                                        </p:attrNameLst>
+                                      </p:cBhvr>
+                                      <p:to>
+                                        <p:strVal val="visible"/>
+                                      </p:to>
+                                    </p:set>
+                                  </p:childTnLst>
+                                </p:cTn>
+                              </p:par>
+                              <p:par>
+                                <p:cTn id="79" presetID="1" presetClass="entr" presetSubtype="0" fill="hold" nodeType="withEffect">
+                                  <p:stCondLst>
+                                    <p:cond delay="0"/>
+                                  </p:stCondLst>
+                                  <p:childTnLst>
+                                    <p:set>
+                                      <p:cBhvr>
+                                        <p:cTn id="80" dur="1" fill="hold">
+                                          <p:stCondLst>
+                                            <p:cond delay="0"/>
+                                          </p:stCondLst>
+                                        </p:cTn>
+                                        <p:tgtEl>
+                                          <p:spTgt spid="121"/>
+                                        </p:tgtEl>
+                                        <p:attrNameLst>
+                                          <p:attrName>style.visibility</p:attrName>
+                                        </p:attrNameLst>
+                                      </p:cBhvr>
+                                      <p:to>
+                                        <p:strVal val="visible"/>
+                                      </p:to>
+                                    </p:set>
+                                  </p:childTnLst>
+                                </p:cTn>
+                              </p:par>
+                              <p:par>
+                                <p:cTn id="81" presetID="1" presetClass="entr" presetSubtype="0" fill="hold" nodeType="withEffect">
+                                  <p:stCondLst>
+                                    <p:cond delay="0"/>
+                                  </p:stCondLst>
+                                  <p:childTnLst>
+                                    <p:set>
+                                      <p:cBhvr>
+                                        <p:cTn id="82" dur="1" fill="hold">
+                                          <p:stCondLst>
+                                            <p:cond delay="0"/>
+                                          </p:stCondLst>
+                                        </p:cTn>
+                                        <p:tgtEl>
+                                          <p:spTgt spid="124"/>
+                                        </p:tgtEl>
+                                        <p:attrNameLst>
+                                          <p:attrName>style.visibility</p:attrName>
+                                        </p:attrNameLst>
+                                      </p:cBhvr>
+                                      <p:to>
+                                        <p:strVal val="visible"/>
+                                      </p:to>
+                                    </p:set>
+                                  </p:childTnLst>
+                                </p:cTn>
+                              </p:par>
+                              <p:par>
+                                <p:cTn id="83" presetID="1" presetClass="entr" presetSubtype="0" fill="hold" nodeType="withEffect">
+                                  <p:stCondLst>
+                                    <p:cond delay="0"/>
+                                  </p:stCondLst>
+                                  <p:childTnLst>
+                                    <p:set>
+                                      <p:cBhvr>
+                                        <p:cTn id="84" dur="1" fill="hold">
+                                          <p:stCondLst>
+                                            <p:cond delay="0"/>
+                                          </p:stCondLst>
+                                        </p:cTn>
+                                        <p:tgtEl>
+                                          <p:spTgt spid="127"/>
+                                        </p:tgtEl>
+                                        <p:attrNameLst>
+                                          <p:attrName>style.visibility</p:attrName>
+                                        </p:attrNameLst>
+                                      </p:cBhvr>
+                                      <p:to>
+                                        <p:strVal val="visible"/>
+                                      </p:to>
+                                    </p:set>
+                                  </p:childTnLst>
+                                </p:cTn>
+                              </p:par>
+                              <p:par>
+                                <p:cTn id="85" presetID="1" presetClass="entr" presetSubtype="0" fill="hold" nodeType="withEffect">
+                                  <p:stCondLst>
+                                    <p:cond delay="0"/>
+                                  </p:stCondLst>
+                                  <p:childTnLst>
+                                    <p:set>
+                                      <p:cBhvr>
+                                        <p:cTn id="86" dur="1" fill="hold">
+                                          <p:stCondLst>
+                                            <p:cond delay="0"/>
+                                          </p:stCondLst>
+                                        </p:cTn>
+                                        <p:tgtEl>
+                                          <p:spTgt spid="130"/>
+                                        </p:tgtEl>
+                                        <p:attrNameLst>
+                                          <p:attrName>style.visibility</p:attrName>
+                                        </p:attrNameLst>
+                                      </p:cBhvr>
+                                      <p:to>
+                                        <p:strVal val="visible"/>
+                                      </p:to>
+                                    </p:set>
+                                  </p:childTnLst>
+                                </p:cTn>
+                              </p:par>
+                              <p:par>
+                                <p:cTn id="87" presetID="1" presetClass="entr" presetSubtype="0" fill="hold" nodeType="withEffect">
+                                  <p:stCondLst>
+                                    <p:cond delay="0"/>
+                                  </p:stCondLst>
+                                  <p:childTnLst>
+                                    <p:set>
+                                      <p:cBhvr>
+                                        <p:cTn id="88" dur="1" fill="hold">
+                                          <p:stCondLst>
+                                            <p:cond delay="0"/>
+                                          </p:stCondLst>
+                                        </p:cTn>
+                                        <p:tgtEl>
+                                          <p:spTgt spid="133"/>
+                                        </p:tgtEl>
+                                        <p:attrNameLst>
+                                          <p:attrName>style.visibility</p:attrName>
+                                        </p:attrNameLst>
+                                      </p:cBhvr>
+                                      <p:to>
+                                        <p:strVal val="visible"/>
+                                      </p:to>
+                                    </p:set>
+                                  </p:childTnLst>
+                                </p:cTn>
+                              </p:par>
+                              <p:par>
+                                <p:cTn id="89" presetID="1" presetClass="entr" presetSubtype="0" fill="hold" nodeType="withEffect">
+                                  <p:stCondLst>
+                                    <p:cond delay="0"/>
+                                  </p:stCondLst>
+                                  <p:childTnLst>
+                                    <p:set>
+                                      <p:cBhvr>
+                                        <p:cTn id="90" dur="1" fill="hold">
+                                          <p:stCondLst>
+                                            <p:cond delay="0"/>
+                                          </p:stCondLst>
+                                        </p:cTn>
+                                        <p:tgtEl>
+                                          <p:spTgt spid="136"/>
+                                        </p:tgtEl>
+                                        <p:attrNameLst>
+                                          <p:attrName>style.visibility</p:attrName>
+                                        </p:attrNameLst>
+                                      </p:cBhvr>
+                                      <p:to>
+                                        <p:strVal val="visible"/>
+                                      </p:to>
+                                    </p:set>
+                                  </p:childTnLst>
+                                </p:cTn>
+                              </p:par>
+                              <p:par>
+                                <p:cTn id="91" presetID="1" presetClass="entr" presetSubtype="0" fill="hold" nodeType="withEffect">
+                                  <p:stCondLst>
+                                    <p:cond delay="0"/>
+                                  </p:stCondLst>
+                                  <p:childTnLst>
+                                    <p:set>
+                                      <p:cBhvr>
+                                        <p:cTn id="92" dur="1" fill="hold">
+                                          <p:stCondLst>
+                                            <p:cond delay="0"/>
+                                          </p:stCondLst>
+                                        </p:cTn>
+                                        <p:tgtEl>
+                                          <p:spTgt spid="139"/>
+                                        </p:tgtEl>
+                                        <p:attrNameLst>
+                                          <p:attrName>style.visibility</p:attrName>
+                                        </p:attrNameLst>
+                                      </p:cBhvr>
+                                      <p:to>
+                                        <p:strVal val="visible"/>
+                                      </p:to>
+                                    </p:set>
+                                  </p:childTnLst>
+                                </p:cTn>
+                              </p:par>
+                              <p:par>
+                                <p:cTn id="93" presetID="1" presetClass="entr" presetSubtype="0" fill="hold" grpId="0" nodeType="withEffect">
+                                  <p:stCondLst>
+                                    <p:cond delay="0"/>
+                                  </p:stCondLst>
+                                  <p:childTnLst>
+                                    <p:set>
+                                      <p:cBhvr>
+                                        <p:cTn id="94" dur="1" fill="hold">
+                                          <p:stCondLst>
+                                            <p:cond delay="0"/>
+                                          </p:stCondLst>
+                                        </p:cTn>
+                                        <p:tgtEl>
+                                          <p:spTgt spid="144"/>
+                                        </p:tgtEl>
+                                        <p:attrNameLst>
+                                          <p:attrName>style.visibility</p:attrName>
+                                        </p:attrNameLst>
+                                      </p:cBhvr>
+                                      <p:to>
+                                        <p:strVal val="visible"/>
+                                      </p:to>
+                                    </p:set>
+                                  </p:childTnLst>
+                                </p:cTn>
+                              </p:par>
+                              <p:par>
+                                <p:cTn id="95" presetID="1" presetClass="entr" presetSubtype="0" fill="hold" grpId="0" nodeType="withEffect">
+                                  <p:stCondLst>
+                                    <p:cond delay="0"/>
+                                  </p:stCondLst>
+                                  <p:childTnLst>
+                                    <p:set>
+                                      <p:cBhvr>
+                                        <p:cTn id="96" dur="1" fill="hold">
+                                          <p:stCondLst>
+                                            <p:cond delay="0"/>
+                                          </p:stCondLst>
+                                        </p:cTn>
+                                        <p:tgtEl>
+                                          <p:spTgt spid="3">
+                                            <p:txEl>
+                                              <p:pRg st="0" end="0"/>
+                                            </p:txEl>
+                                          </p:spTgt>
+                                        </p:tgtEl>
+                                        <p:attrNameLst>
+                                          <p:attrName>style.visibility</p:attrName>
+                                        </p:attrNameLst>
+                                      </p:cBhvr>
+                                      <p:to>
+                                        <p:strVal val="visible"/>
+                                      </p:to>
+                                    </p:set>
+                                  </p:childTnLst>
+                                </p:cTn>
+                              </p:par>
+                              <p:par>
+                                <p:cTn id="97" presetID="1" presetClass="entr" presetSubtype="0" fill="hold" grpId="0" nodeType="withEffect">
+                                  <p:stCondLst>
+                                    <p:cond delay="0"/>
+                                  </p:stCondLst>
+                                  <p:childTnLst>
+                                    <p:set>
+                                      <p:cBhvr>
+                                        <p:cTn id="98" dur="1" fill="hold">
+                                          <p:stCondLst>
+                                            <p:cond delay="0"/>
+                                          </p:stCondLst>
+                                        </p:cTn>
+                                        <p:tgtEl>
+                                          <p:spTgt spid="3">
+                                            <p:txEl>
+                                              <p:pRg st="1" end="1"/>
+                                            </p:txEl>
+                                          </p:spTgt>
+                                        </p:tgtEl>
+                                        <p:attrNameLst>
+                                          <p:attrName>style.visibility</p:attrName>
+                                        </p:attrNameLst>
+                                      </p:cBhvr>
+                                      <p:to>
+                                        <p:strVal val="visible"/>
+                                      </p:to>
+                                    </p:set>
+                                  </p:childTnLst>
+                                </p:cTn>
+                              </p:par>
+                            </p:childTnLst>
+                          </p:cTn>
+                        </p:par>
+                      </p:childTnLst>
+                    </p:cTn>
+                  </p:par>
+                </p:childTnLst>
+              </p:cTn>
+              <p:prevCondLst>
+                <p:cond evt="onPrev" delay="0">
+                  <p:tgtEl>
+                    <p:sldTgt/>
+                  </p:tgtEl>
+                </p:cond>
+              </p:prevCondLst>
+              <p:nextCondLst>
+                <p:cond evt="onNext" delay="0">
+                  <p:tgtEl>
+                    <p:sldTgt/>
+                  </p:tgtEl>
+                </p:cond>
+              </p:nextCondLst>
+            </p:seq>
+          </p:childTnLst>
+        </p:cTn>
+      </p:par>
+    </p:tnLst>
+    <p:bldLst>
+      <p:bldP spid="2" grpId="0" build="p"/>
+      <p:bldP spid="3" grpId="0" build="p"/>
+      <p:bldP spid="7" grpId="0" animBg="1"/>
+      <p:bldP spid="8" grpId="0" animBg="1"/>
+      <p:bldP spid="9" grpId="0" animBg="1"/>
+      <p:bldP spid="10" grpId="0" animBg="1"/>
+      <p:bldP spid="52" grpId="0"/>
+      <p:bldP spid="76" grpId="0" animBg="1"/>
+      <p:bldP spid="77" grpId="0" animBg="1"/>
+      <p:bldP spid="78" grpId="0" animBg="1"/>
+      <p:bldP spid="79" grpId="0" animBg="1"/>
+      <p:bldP spid="143" grpId="0"/>
+      <p:bldP spid="144" grpId="0"/>
+    </p:bldLst>
+  </p:timing>
 </p:sld>
 </file>
 
@@ -11987,6 +13008,13 @@
   <p:clrMapOvr>
     <a:masterClrMapping/>
   </p:clrMapOvr>
+  <p:timing>
+    <p:tnLst>
+      <p:par>
+        <p:cTn id="1" dur="indefinite" restart="never" nodeType="tmRoot"/>
+      </p:par>
+    </p:tnLst>
+  </p:timing>
 </p:sld>
 </file>
 
@@ -12096,6 +13124,13 @@
   <p:clrMapOvr>
     <a:masterClrMapping/>
   </p:clrMapOvr>
+  <p:timing>
+    <p:tnLst>
+      <p:par>
+        <p:cTn id="1" dur="indefinite" restart="never" nodeType="tmRoot"/>
+      </p:par>
+    </p:tnLst>
+  </p:timing>
 </p:sld>
 </file>
 
@@ -12335,6 +13370,13 @@
   <p:clrMapOvr>
     <a:masterClrMapping/>
   </p:clrMapOvr>
+  <p:timing>
+    <p:tnLst>
+      <p:par>
+        <p:cTn id="1" dur="indefinite" restart="never" nodeType="tmRoot"/>
+      </p:par>
+    </p:tnLst>
+  </p:timing>
 </p:sld>
 </file>
 
@@ -13384,6 +14426,13 @@
   <p:clrMapOvr>
     <a:masterClrMapping/>
   </p:clrMapOvr>
+  <p:timing>
+    <p:tnLst>
+      <p:par>
+        <p:cTn id="1" dur="indefinite" restart="never" nodeType="tmRoot"/>
+      </p:par>
+    </p:tnLst>
+  </p:timing>
 </p:sld>
 </file>
 
@@ -14554,6 +15603,13 @@
   <p:clrMapOvr>
     <a:masterClrMapping/>
   </p:clrMapOvr>
+  <p:timing>
+    <p:tnLst>
+      <p:par>
+        <p:cTn id="1" dur="indefinite" restart="never" nodeType="tmRoot"/>
+      </p:par>
+    </p:tnLst>
+  </p:timing>
 </p:sld>
 </file>
 
@@ -15640,49 +16696,49 @@
                 <a:gridCol w="292533">
                   <a:extLst>
                     <a:ext uri="{9D8B030D-6E8A-4147-A177-3AD203B41FA5}">
-                      <a16:colId xmlns:a16="http://schemas.microsoft.com/office/drawing/2014/main" val="2340640650"/>
+                      <a16:colId xmlns:a16="http://schemas.microsoft.com/office/drawing/2014/main" xmlns="" val="2340640650"/>
                     </a:ext>
                   </a:extLst>
                 </a:gridCol>
                 <a:gridCol w="292533">
                   <a:extLst>
                     <a:ext uri="{9D8B030D-6E8A-4147-A177-3AD203B41FA5}">
-                      <a16:colId xmlns:a16="http://schemas.microsoft.com/office/drawing/2014/main" val="3446830125"/>
+                      <a16:colId xmlns:a16="http://schemas.microsoft.com/office/drawing/2014/main" xmlns="" val="3446830125"/>
                     </a:ext>
                   </a:extLst>
                 </a:gridCol>
                 <a:gridCol w="292533">
                   <a:extLst>
                     <a:ext uri="{9D8B030D-6E8A-4147-A177-3AD203B41FA5}">
-                      <a16:colId xmlns:a16="http://schemas.microsoft.com/office/drawing/2014/main" val="3679236382"/>
+                      <a16:colId xmlns:a16="http://schemas.microsoft.com/office/drawing/2014/main" xmlns="" val="3679236382"/>
                     </a:ext>
                   </a:extLst>
                 </a:gridCol>
                 <a:gridCol w="292533">
                   <a:extLst>
                     <a:ext uri="{9D8B030D-6E8A-4147-A177-3AD203B41FA5}">
-                      <a16:colId xmlns:a16="http://schemas.microsoft.com/office/drawing/2014/main" val="2148225625"/>
+                      <a16:colId xmlns:a16="http://schemas.microsoft.com/office/drawing/2014/main" xmlns="" val="2148225625"/>
                     </a:ext>
                   </a:extLst>
                 </a:gridCol>
                 <a:gridCol w="292533">
                   <a:extLst>
                     <a:ext uri="{9D8B030D-6E8A-4147-A177-3AD203B41FA5}">
-                      <a16:colId xmlns:a16="http://schemas.microsoft.com/office/drawing/2014/main" val="1761354030"/>
+                      <a16:colId xmlns:a16="http://schemas.microsoft.com/office/drawing/2014/main" xmlns="" val="1761354030"/>
                     </a:ext>
                   </a:extLst>
                 </a:gridCol>
                 <a:gridCol w="292533">
                   <a:extLst>
                     <a:ext uri="{9D8B030D-6E8A-4147-A177-3AD203B41FA5}">
-                      <a16:colId xmlns:a16="http://schemas.microsoft.com/office/drawing/2014/main" val="1004052197"/>
+                      <a16:colId xmlns:a16="http://schemas.microsoft.com/office/drawing/2014/main" xmlns="" val="1004052197"/>
                     </a:ext>
                   </a:extLst>
                 </a:gridCol>
                 <a:gridCol w="292533">
                   <a:extLst>
                     <a:ext uri="{9D8B030D-6E8A-4147-A177-3AD203B41FA5}">
-                      <a16:colId xmlns:a16="http://schemas.microsoft.com/office/drawing/2014/main" val="94896908"/>
+                      <a16:colId xmlns:a16="http://schemas.microsoft.com/office/drawing/2014/main" xmlns="" val="94896908"/>
                     </a:ext>
                   </a:extLst>
                 </a:gridCol>
@@ -15788,7 +16844,7 @@
                 </a:tc>
                 <a:extLst>
                   <a:ext uri="{0D108BD9-81ED-4DB2-BD59-A6C34878D82A}">
-                    <a16:rowId xmlns:a16="http://schemas.microsoft.com/office/drawing/2014/main" val="3396641548"/>
+                    <a16:rowId xmlns:a16="http://schemas.microsoft.com/office/drawing/2014/main" xmlns="" val="3396641548"/>
                   </a:ext>
                 </a:extLst>
               </a:tr>
@@ -15893,7 +16949,7 @@
                 </a:tc>
                 <a:extLst>
                   <a:ext uri="{0D108BD9-81ED-4DB2-BD59-A6C34878D82A}">
-                    <a16:rowId xmlns:a16="http://schemas.microsoft.com/office/drawing/2014/main" val="1082419663"/>
+                    <a16:rowId xmlns:a16="http://schemas.microsoft.com/office/drawing/2014/main" xmlns="" val="1082419663"/>
                   </a:ext>
                 </a:extLst>
               </a:tr>
@@ -15998,7 +17054,7 @@
                 </a:tc>
                 <a:extLst>
                   <a:ext uri="{0D108BD9-81ED-4DB2-BD59-A6C34878D82A}">
-                    <a16:rowId xmlns:a16="http://schemas.microsoft.com/office/drawing/2014/main" val="2223444077"/>
+                    <a16:rowId xmlns:a16="http://schemas.microsoft.com/office/drawing/2014/main" xmlns="" val="2223444077"/>
                   </a:ext>
                 </a:extLst>
               </a:tr>
@@ -16103,7 +17159,7 @@
                 </a:tc>
                 <a:extLst>
                   <a:ext uri="{0D108BD9-81ED-4DB2-BD59-A6C34878D82A}">
-                    <a16:rowId xmlns:a16="http://schemas.microsoft.com/office/drawing/2014/main" val="1264693838"/>
+                    <a16:rowId xmlns:a16="http://schemas.microsoft.com/office/drawing/2014/main" xmlns="" val="1264693838"/>
                   </a:ext>
                 </a:extLst>
               </a:tr>
@@ -16220,7 +17276,7 @@
                 </a:tc>
                 <a:extLst>
                   <a:ext uri="{0D108BD9-81ED-4DB2-BD59-A6C34878D82A}">
-                    <a16:rowId xmlns:a16="http://schemas.microsoft.com/office/drawing/2014/main" val="393637278"/>
+                    <a16:rowId xmlns:a16="http://schemas.microsoft.com/office/drawing/2014/main" xmlns="" val="393637278"/>
                   </a:ext>
                 </a:extLst>
               </a:tr>
@@ -16403,7 +17459,7 @@
                 </a:tc>
                 <a:extLst>
                   <a:ext uri="{0D108BD9-81ED-4DB2-BD59-A6C34878D82A}">
-                    <a16:rowId xmlns:a16="http://schemas.microsoft.com/office/drawing/2014/main" val="3216019544"/>
+                    <a16:rowId xmlns:a16="http://schemas.microsoft.com/office/drawing/2014/main" xmlns="" val="3216019544"/>
                   </a:ext>
                 </a:extLst>
               </a:tr>
@@ -16613,7 +17669,7 @@
                 </a:tc>
                 <a:extLst>
                   <a:ext uri="{0D108BD9-81ED-4DB2-BD59-A6C34878D82A}">
-                    <a16:rowId xmlns:a16="http://schemas.microsoft.com/office/drawing/2014/main" val="2921895028"/>
+                    <a16:rowId xmlns:a16="http://schemas.microsoft.com/office/drawing/2014/main" xmlns="" val="2921895028"/>
                   </a:ext>
                 </a:extLst>
               </a:tr>
@@ -16649,21 +17705,21 @@
                 <a:gridCol w="292533">
                   <a:extLst>
                     <a:ext uri="{9D8B030D-6E8A-4147-A177-3AD203B41FA5}">
-                      <a16:colId xmlns:a16="http://schemas.microsoft.com/office/drawing/2014/main" val="2612979101"/>
+                      <a16:colId xmlns:a16="http://schemas.microsoft.com/office/drawing/2014/main" xmlns="" val="2612979101"/>
                     </a:ext>
                   </a:extLst>
                 </a:gridCol>
                 <a:gridCol w="292533">
                   <a:extLst>
                     <a:ext uri="{9D8B030D-6E8A-4147-A177-3AD203B41FA5}">
-                      <a16:colId xmlns:a16="http://schemas.microsoft.com/office/drawing/2014/main" val="79360699"/>
+                      <a16:colId xmlns:a16="http://schemas.microsoft.com/office/drawing/2014/main" xmlns="" val="79360699"/>
                     </a:ext>
                   </a:extLst>
                 </a:gridCol>
                 <a:gridCol w="292533">
                   <a:extLst>
                     <a:ext uri="{9D8B030D-6E8A-4147-A177-3AD203B41FA5}">
-                      <a16:colId xmlns:a16="http://schemas.microsoft.com/office/drawing/2014/main" val="388754227"/>
+                      <a16:colId xmlns:a16="http://schemas.microsoft.com/office/drawing/2014/main" xmlns="" val="388754227"/>
                     </a:ext>
                   </a:extLst>
                 </a:gridCol>
@@ -16713,7 +17769,7 @@
                 </a:tc>
                 <a:extLst>
                   <a:ext uri="{0D108BD9-81ED-4DB2-BD59-A6C34878D82A}">
-                    <a16:rowId xmlns:a16="http://schemas.microsoft.com/office/drawing/2014/main" val="1667766103"/>
+                    <a16:rowId xmlns:a16="http://schemas.microsoft.com/office/drawing/2014/main" xmlns="" val="1667766103"/>
                   </a:ext>
                 </a:extLst>
               </a:tr>
@@ -16762,7 +17818,7 @@
                 </a:tc>
                 <a:extLst>
                   <a:ext uri="{0D108BD9-81ED-4DB2-BD59-A6C34878D82A}">
-                    <a16:rowId xmlns:a16="http://schemas.microsoft.com/office/drawing/2014/main" val="369658073"/>
+                    <a16:rowId xmlns:a16="http://schemas.microsoft.com/office/drawing/2014/main" xmlns="" val="369658073"/>
                   </a:ext>
                 </a:extLst>
               </a:tr>
@@ -16811,7 +17867,7 @@
                 </a:tc>
                 <a:extLst>
                   <a:ext uri="{0D108BD9-81ED-4DB2-BD59-A6C34878D82A}">
-                    <a16:rowId xmlns:a16="http://schemas.microsoft.com/office/drawing/2014/main" val="3014617110"/>
+                    <a16:rowId xmlns:a16="http://schemas.microsoft.com/office/drawing/2014/main" xmlns="" val="3014617110"/>
                   </a:ext>
                 </a:extLst>
               </a:tr>
@@ -16847,7 +17903,7 @@
                 <a:gridCol w="292533">
                   <a:extLst>
                     <a:ext uri="{9D8B030D-6E8A-4147-A177-3AD203B41FA5}">
-                      <a16:colId xmlns:a16="http://schemas.microsoft.com/office/drawing/2014/main" val="2612979101"/>
+                      <a16:colId xmlns:a16="http://schemas.microsoft.com/office/drawing/2014/main" xmlns="" val="2612979101"/>
                     </a:ext>
                   </a:extLst>
                 </a:gridCol>
@@ -16869,7 +17925,7 @@
                 </a:tc>
                 <a:extLst>
                   <a:ext uri="{0D108BD9-81ED-4DB2-BD59-A6C34878D82A}">
-                    <a16:rowId xmlns:a16="http://schemas.microsoft.com/office/drawing/2014/main" val="1667766103"/>
+                    <a16:rowId xmlns:a16="http://schemas.microsoft.com/office/drawing/2014/main" xmlns="" val="1667766103"/>
                   </a:ext>
                 </a:extLst>
               </a:tr>
@@ -17076,7 +18132,7 @@
                 <a:gridCol w="292533">
                   <a:extLst>
                     <a:ext uri="{9D8B030D-6E8A-4147-A177-3AD203B41FA5}">
-                      <a16:colId xmlns:a16="http://schemas.microsoft.com/office/drawing/2014/main" val="2612979101"/>
+                      <a16:colId xmlns:a16="http://schemas.microsoft.com/office/drawing/2014/main" xmlns="" val="2612979101"/>
                     </a:ext>
                   </a:extLst>
                 </a:gridCol>
@@ -17098,7 +18154,7 @@
                 </a:tc>
                 <a:extLst>
                   <a:ext uri="{0D108BD9-81ED-4DB2-BD59-A6C34878D82A}">
-                    <a16:rowId xmlns:a16="http://schemas.microsoft.com/office/drawing/2014/main" val="1667766103"/>
+                    <a16:rowId xmlns:a16="http://schemas.microsoft.com/office/drawing/2014/main" xmlns="" val="1667766103"/>
                   </a:ext>
                 </a:extLst>
               </a:tr>
@@ -17300,6 +18356,13 @@
   <p:clrMapOvr>
     <a:masterClrMapping/>
   </p:clrMapOvr>
+  <p:timing>
+    <p:tnLst>
+      <p:par>
+        <p:cTn id="1" dur="indefinite" restart="never" nodeType="tmRoot"/>
+      </p:par>
+    </p:tnLst>
+  </p:timing>
 </p:sld>
 </file>
 
@@ -18486,49 +19549,49 @@
                 <a:gridCol w="292533">
                   <a:extLst>
                     <a:ext uri="{9D8B030D-6E8A-4147-A177-3AD203B41FA5}">
-                      <a16:colId xmlns:a16="http://schemas.microsoft.com/office/drawing/2014/main" val="2340640650"/>
+                      <a16:colId xmlns:a16="http://schemas.microsoft.com/office/drawing/2014/main" xmlns="" val="2340640650"/>
                     </a:ext>
                   </a:extLst>
                 </a:gridCol>
                 <a:gridCol w="292533">
                   <a:extLst>
                     <a:ext uri="{9D8B030D-6E8A-4147-A177-3AD203B41FA5}">
-                      <a16:colId xmlns:a16="http://schemas.microsoft.com/office/drawing/2014/main" val="3446830125"/>
+                      <a16:colId xmlns:a16="http://schemas.microsoft.com/office/drawing/2014/main" xmlns="" val="3446830125"/>
                     </a:ext>
                   </a:extLst>
                 </a:gridCol>
                 <a:gridCol w="292533">
                   <a:extLst>
                     <a:ext uri="{9D8B030D-6E8A-4147-A177-3AD203B41FA5}">
-                      <a16:colId xmlns:a16="http://schemas.microsoft.com/office/drawing/2014/main" val="3679236382"/>
+                      <a16:colId xmlns:a16="http://schemas.microsoft.com/office/drawing/2014/main" xmlns="" val="3679236382"/>
                     </a:ext>
                   </a:extLst>
                 </a:gridCol>
                 <a:gridCol w="292533">
                   <a:extLst>
                     <a:ext uri="{9D8B030D-6E8A-4147-A177-3AD203B41FA5}">
-                      <a16:colId xmlns:a16="http://schemas.microsoft.com/office/drawing/2014/main" val="2148225625"/>
+                      <a16:colId xmlns:a16="http://schemas.microsoft.com/office/drawing/2014/main" xmlns="" val="2148225625"/>
                     </a:ext>
                   </a:extLst>
                 </a:gridCol>
                 <a:gridCol w="292533">
                   <a:extLst>
                     <a:ext uri="{9D8B030D-6E8A-4147-A177-3AD203B41FA5}">
-                      <a16:colId xmlns:a16="http://schemas.microsoft.com/office/drawing/2014/main" val="1761354030"/>
+                      <a16:colId xmlns:a16="http://schemas.microsoft.com/office/drawing/2014/main" xmlns="" val="1761354030"/>
                     </a:ext>
                   </a:extLst>
                 </a:gridCol>
                 <a:gridCol w="292533">
                   <a:extLst>
                     <a:ext uri="{9D8B030D-6E8A-4147-A177-3AD203B41FA5}">
-                      <a16:colId xmlns:a16="http://schemas.microsoft.com/office/drawing/2014/main" val="1004052197"/>
+                      <a16:colId xmlns:a16="http://schemas.microsoft.com/office/drawing/2014/main" xmlns="" val="1004052197"/>
                     </a:ext>
                   </a:extLst>
                 </a:gridCol>
                 <a:gridCol w="292533">
                   <a:extLst>
                     <a:ext uri="{9D8B030D-6E8A-4147-A177-3AD203B41FA5}">
-                      <a16:colId xmlns:a16="http://schemas.microsoft.com/office/drawing/2014/main" val="94896908"/>
+                      <a16:colId xmlns:a16="http://schemas.microsoft.com/office/drawing/2014/main" xmlns="" val="94896908"/>
                     </a:ext>
                   </a:extLst>
                 </a:gridCol>
@@ -18634,7 +19697,7 @@
                 </a:tc>
                 <a:extLst>
                   <a:ext uri="{0D108BD9-81ED-4DB2-BD59-A6C34878D82A}">
-                    <a16:rowId xmlns:a16="http://schemas.microsoft.com/office/drawing/2014/main" val="3396641548"/>
+                    <a16:rowId xmlns:a16="http://schemas.microsoft.com/office/drawing/2014/main" xmlns="" val="3396641548"/>
                   </a:ext>
                 </a:extLst>
               </a:tr>
@@ -18739,7 +19802,7 @@
                 </a:tc>
                 <a:extLst>
                   <a:ext uri="{0D108BD9-81ED-4DB2-BD59-A6C34878D82A}">
-                    <a16:rowId xmlns:a16="http://schemas.microsoft.com/office/drawing/2014/main" val="1082419663"/>
+                    <a16:rowId xmlns:a16="http://schemas.microsoft.com/office/drawing/2014/main" xmlns="" val="1082419663"/>
                   </a:ext>
                 </a:extLst>
               </a:tr>
@@ -18844,7 +19907,7 @@
                 </a:tc>
                 <a:extLst>
                   <a:ext uri="{0D108BD9-81ED-4DB2-BD59-A6C34878D82A}">
-                    <a16:rowId xmlns:a16="http://schemas.microsoft.com/office/drawing/2014/main" val="2223444077"/>
+                    <a16:rowId xmlns:a16="http://schemas.microsoft.com/office/drawing/2014/main" xmlns="" val="2223444077"/>
                   </a:ext>
                 </a:extLst>
               </a:tr>
@@ -18949,7 +20012,7 @@
                 </a:tc>
                 <a:extLst>
                   <a:ext uri="{0D108BD9-81ED-4DB2-BD59-A6C34878D82A}">
-                    <a16:rowId xmlns:a16="http://schemas.microsoft.com/office/drawing/2014/main" val="1264693838"/>
+                    <a16:rowId xmlns:a16="http://schemas.microsoft.com/office/drawing/2014/main" xmlns="" val="1264693838"/>
                   </a:ext>
                 </a:extLst>
               </a:tr>
@@ -19066,7 +20129,7 @@
                 </a:tc>
                 <a:extLst>
                   <a:ext uri="{0D108BD9-81ED-4DB2-BD59-A6C34878D82A}">
-                    <a16:rowId xmlns:a16="http://schemas.microsoft.com/office/drawing/2014/main" val="393637278"/>
+                    <a16:rowId xmlns:a16="http://schemas.microsoft.com/office/drawing/2014/main" xmlns="" val="393637278"/>
                   </a:ext>
                 </a:extLst>
               </a:tr>
@@ -19249,7 +20312,7 @@
                 </a:tc>
                 <a:extLst>
                   <a:ext uri="{0D108BD9-81ED-4DB2-BD59-A6C34878D82A}">
-                    <a16:rowId xmlns:a16="http://schemas.microsoft.com/office/drawing/2014/main" val="3216019544"/>
+                    <a16:rowId xmlns:a16="http://schemas.microsoft.com/office/drawing/2014/main" xmlns="" val="3216019544"/>
                   </a:ext>
                 </a:extLst>
               </a:tr>
@@ -19459,7 +20522,7 @@
                 </a:tc>
                 <a:extLst>
                   <a:ext uri="{0D108BD9-81ED-4DB2-BD59-A6C34878D82A}">
-                    <a16:rowId xmlns:a16="http://schemas.microsoft.com/office/drawing/2014/main" val="2921895028"/>
+                    <a16:rowId xmlns:a16="http://schemas.microsoft.com/office/drawing/2014/main" xmlns="" val="2921895028"/>
                   </a:ext>
                 </a:extLst>
               </a:tr>
@@ -19495,21 +20558,21 @@
                 <a:gridCol w="292533">
                   <a:extLst>
                     <a:ext uri="{9D8B030D-6E8A-4147-A177-3AD203B41FA5}">
-                      <a16:colId xmlns:a16="http://schemas.microsoft.com/office/drawing/2014/main" val="2612979101"/>
+                      <a16:colId xmlns:a16="http://schemas.microsoft.com/office/drawing/2014/main" xmlns="" val="2612979101"/>
                     </a:ext>
                   </a:extLst>
                 </a:gridCol>
                 <a:gridCol w="292533">
                   <a:extLst>
                     <a:ext uri="{9D8B030D-6E8A-4147-A177-3AD203B41FA5}">
-                      <a16:colId xmlns:a16="http://schemas.microsoft.com/office/drawing/2014/main" val="79360699"/>
+                      <a16:colId xmlns:a16="http://schemas.microsoft.com/office/drawing/2014/main" xmlns="" val="79360699"/>
                     </a:ext>
                   </a:extLst>
                 </a:gridCol>
                 <a:gridCol w="292533">
                   <a:extLst>
                     <a:ext uri="{9D8B030D-6E8A-4147-A177-3AD203B41FA5}">
-                      <a16:colId xmlns:a16="http://schemas.microsoft.com/office/drawing/2014/main" val="388754227"/>
+                      <a16:colId xmlns:a16="http://schemas.microsoft.com/office/drawing/2014/main" xmlns="" val="388754227"/>
                     </a:ext>
                   </a:extLst>
                 </a:gridCol>
@@ -19559,7 +20622,7 @@
                 </a:tc>
                 <a:extLst>
                   <a:ext uri="{0D108BD9-81ED-4DB2-BD59-A6C34878D82A}">
-                    <a16:rowId xmlns:a16="http://schemas.microsoft.com/office/drawing/2014/main" val="1667766103"/>
+                    <a16:rowId xmlns:a16="http://schemas.microsoft.com/office/drawing/2014/main" xmlns="" val="1667766103"/>
                   </a:ext>
                 </a:extLst>
               </a:tr>
@@ -19608,7 +20671,7 @@
                 </a:tc>
                 <a:extLst>
                   <a:ext uri="{0D108BD9-81ED-4DB2-BD59-A6C34878D82A}">
-                    <a16:rowId xmlns:a16="http://schemas.microsoft.com/office/drawing/2014/main" val="369658073"/>
+                    <a16:rowId xmlns:a16="http://schemas.microsoft.com/office/drawing/2014/main" xmlns="" val="369658073"/>
                   </a:ext>
                 </a:extLst>
               </a:tr>
@@ -19657,7 +20720,7 @@
                 </a:tc>
                 <a:extLst>
                   <a:ext uri="{0D108BD9-81ED-4DB2-BD59-A6C34878D82A}">
-                    <a16:rowId xmlns:a16="http://schemas.microsoft.com/office/drawing/2014/main" val="3014617110"/>
+                    <a16:rowId xmlns:a16="http://schemas.microsoft.com/office/drawing/2014/main" xmlns="" val="3014617110"/>
                   </a:ext>
                 </a:extLst>
               </a:tr>
@@ -19889,6 +20952,13 @@
   <p:clrMapOvr>
     <a:masterClrMapping/>
   </p:clrMapOvr>
+  <p:timing>
+    <p:tnLst>
+      <p:par>
+        <p:cTn id="1" dur="indefinite" restart="never" nodeType="tmRoot"/>
+      </p:par>
+    </p:tnLst>
+  </p:timing>
 </p:sld>
 </file>
 
@@ -19909,1193 +20979,8 @@
           <a:chExt cx="0" cy="0"/>
         </a:xfrm>
       </p:grpSpPr>
-      <p:pic>
-        <p:nvPicPr>
-          <p:cNvPr id="32" name="Picture 6"/>
-          <p:cNvPicPr>
-            <a:picLocks noChangeAspect="1"/>
-          </p:cNvPicPr>
-          <p:nvPr/>
-        </p:nvPicPr>
-        <p:blipFill>
-          <a:blip r:embed="rId3">
-            <a:extLst>
-              <a:ext uri="{28A0092B-C50C-407E-A947-70E740481C1C}">
-                <a14:useLocalDpi xmlns:a14="http://schemas.microsoft.com/office/drawing/2010/main" val="0"/>
-              </a:ext>
-            </a:extLst>
-          </a:blip>
-          <a:stretch>
-            <a:fillRect/>
-          </a:stretch>
-        </p:blipFill>
-        <p:spPr>
-          <a:xfrm>
-            <a:off x="4354996" y="2160050"/>
-            <a:ext cx="4032448" cy="2172003"/>
-          </a:xfrm>
-          <a:prstGeom prst="rect">
-            <a:avLst/>
-          </a:prstGeom>
-        </p:spPr>
-      </p:pic>
-      <p:pic>
-        <p:nvPicPr>
-          <p:cNvPr id="33" name="Picture 5"/>
-          <p:cNvPicPr>
-            <a:picLocks noChangeAspect="1"/>
-          </p:cNvPicPr>
-          <p:nvPr/>
-        </p:nvPicPr>
-        <p:blipFill>
-          <a:blip r:embed="rId4">
-            <a:extLst>
-              <a:ext uri="{28A0092B-C50C-407E-A947-70E740481C1C}">
-                <a14:useLocalDpi xmlns:a14="http://schemas.microsoft.com/office/drawing/2010/main" val="0"/>
-              </a:ext>
-            </a:extLst>
-          </a:blip>
-          <a:stretch>
-            <a:fillRect/>
-          </a:stretch>
-        </p:blipFill>
-        <p:spPr>
-          <a:xfrm>
-            <a:off x="5679392" y="1221601"/>
-            <a:ext cx="2232248" cy="1133750"/>
-          </a:xfrm>
-          <a:prstGeom prst="rect">
-            <a:avLst/>
-          </a:prstGeom>
-        </p:spPr>
-      </p:pic>
-      <p:sp>
-        <p:nvSpPr>
-          <p:cNvPr id="2" name="Inhaltsplatzhalter 1"/>
-          <p:cNvSpPr>
-            <a:spLocks noGrp="1"/>
-          </p:cNvSpPr>
-          <p:nvPr>
-            <p:ph idx="1"/>
-          </p:nvPr>
-        </p:nvSpPr>
-        <p:spPr>
-          <a:xfrm>
-            <a:off x="479427" y="1283494"/>
-            <a:ext cx="4308598" cy="2800424"/>
-          </a:xfrm>
-        </p:spPr>
-        <p:txBody>
-          <a:bodyPr/>
-          <a:lstStyle/>
-          <a:p>
-            <a:r>
-              <a:rPr lang="en-GB" dirty="0"/>
-              <a:t>Sigmoid</a:t>
-            </a:r>
-          </a:p>
-          <a:p>
-            <a:pPr lvl="1"/>
-            <a:r>
-              <a:rPr lang="en-GB" dirty="0"/>
-              <a:t>Not telling in which direction should we move in.</a:t>
-            </a:r>
-          </a:p>
-          <a:p>
-            <a:pPr lvl="1"/>
-            <a:r>
-              <a:rPr lang="en-GB" dirty="0"/>
-              <a:t>Non-differentiability at certain points</a:t>
-            </a:r>
-          </a:p>
-          <a:p>
-            <a:endParaRPr lang="de-DE" dirty="0"/>
-          </a:p>
-        </p:txBody>
-      </p:sp>
-      <p:sp>
-        <p:nvSpPr>
-          <p:cNvPr id="3" name="Titel 2"/>
-          <p:cNvSpPr>
-            <a:spLocks noGrp="1"/>
-          </p:cNvSpPr>
-          <p:nvPr>
-            <p:ph type="title"/>
-          </p:nvPr>
-        </p:nvSpPr>
-        <p:spPr/>
-        <p:txBody>
-          <a:bodyPr/>
-          <a:lstStyle/>
-          <a:p>
-            <a:r>
-              <a:rPr lang="de-DE" dirty="0" err="1"/>
-              <a:t>Convolutional</a:t>
-            </a:r>
-            <a:r>
-              <a:rPr lang="de-DE" dirty="0"/>
-              <a:t> </a:t>
-            </a:r>
-            <a:r>
-              <a:rPr lang="de-DE" dirty="0" err="1"/>
-              <a:t>layer</a:t>
-            </a:r>
-            <a:r>
-              <a:rPr lang="de-DE" dirty="0"/>
-              <a:t> – </a:t>
-            </a:r>
-            <a:r>
-              <a:rPr lang="de-DE" dirty="0" err="1"/>
-              <a:t>Activation</a:t>
-            </a:r>
-            <a:r>
-              <a:rPr lang="de-DE" dirty="0"/>
-              <a:t> </a:t>
-            </a:r>
-            <a:r>
-              <a:rPr lang="de-DE" dirty="0" err="1"/>
-              <a:t>function</a:t>
-            </a:r>
-            <a:endParaRPr lang="de-DE" dirty="0"/>
-          </a:p>
-        </p:txBody>
-      </p:sp>
-      <p:grpSp>
-        <p:nvGrpSpPr>
-          <p:cNvPr id="23" name="Gruppieren 22"/>
-          <p:cNvGrpSpPr/>
-          <p:nvPr/>
-        </p:nvGrpSpPr>
-        <p:grpSpPr>
-          <a:xfrm>
-            <a:off x="611560" y="4155926"/>
-            <a:ext cx="7726264" cy="586570"/>
-            <a:chOff x="467544" y="1121532"/>
-            <a:chExt cx="7726264" cy="586570"/>
-          </a:xfrm>
-        </p:grpSpPr>
-        <p:sp>
-          <p:nvSpPr>
-            <p:cNvPr id="4" name="Rechteck 3"/>
-            <p:cNvSpPr/>
-            <p:nvPr/>
-          </p:nvSpPr>
-          <p:spPr>
-            <a:xfrm>
-              <a:off x="467544" y="1121532"/>
-              <a:ext cx="576064" cy="586122"/>
-            </a:xfrm>
-            <a:prstGeom prst="rect">
-              <a:avLst/>
-            </a:prstGeom>
-            <a:solidFill>
-              <a:schemeClr val="bg1"/>
-            </a:solidFill>
-            <a:ln w="12700">
-              <a:solidFill>
-                <a:schemeClr val="bg1">
-                  <a:lumMod val="65000"/>
-                </a:schemeClr>
-              </a:solidFill>
-            </a:ln>
-          </p:spPr>
-          <p:style>
-            <a:lnRef idx="2">
-              <a:schemeClr val="accent1">
-                <a:shade val="50000"/>
-              </a:schemeClr>
-            </a:lnRef>
-            <a:fillRef idx="1">
-              <a:schemeClr val="accent1"/>
-            </a:fillRef>
-            <a:effectRef idx="0">
-              <a:schemeClr val="accent1"/>
-            </a:effectRef>
-            <a:fontRef idx="minor">
-              <a:schemeClr val="lt1"/>
-            </a:fontRef>
-          </p:style>
-          <p:txBody>
-            <a:bodyPr rtlCol="0" anchor="ctr"/>
-            <a:lstStyle/>
-            <a:p>
-              <a:pPr algn="ctr"/>
-              <a:r>
-                <a:rPr lang="de-DE" sz="1400" dirty="0" err="1">
-                  <a:solidFill>
-                    <a:schemeClr val="bg1">
-                      <a:lumMod val="65000"/>
-                    </a:schemeClr>
-                  </a:solidFill>
-                </a:rPr>
-                <a:t>input</a:t>
-              </a:r>
-              <a:endParaRPr lang="de-DE" sz="1400" dirty="0">
-                <a:solidFill>
-                  <a:schemeClr val="bg1">
-                    <a:lumMod val="65000"/>
-                  </a:schemeClr>
-                </a:solidFill>
-              </a:endParaRPr>
-            </a:p>
-          </p:txBody>
-        </p:sp>
-        <p:sp>
-          <p:nvSpPr>
-            <p:cNvPr id="5" name="Rechteck 4"/>
-            <p:cNvSpPr/>
-            <p:nvPr/>
-          </p:nvSpPr>
-          <p:spPr>
-            <a:xfrm>
-              <a:off x="1259632" y="1121532"/>
-              <a:ext cx="576064" cy="586122"/>
-            </a:xfrm>
-            <a:prstGeom prst="rect">
-              <a:avLst/>
-            </a:prstGeom>
-            <a:solidFill>
-              <a:schemeClr val="bg1"/>
-            </a:solidFill>
-            <a:ln w="25400">
-              <a:solidFill>
-                <a:schemeClr val="tx1"/>
-              </a:solidFill>
-            </a:ln>
-          </p:spPr>
-          <p:style>
-            <a:lnRef idx="2">
-              <a:schemeClr val="accent1">
-                <a:shade val="50000"/>
-              </a:schemeClr>
-            </a:lnRef>
-            <a:fillRef idx="1">
-              <a:schemeClr val="accent1"/>
-            </a:fillRef>
-            <a:effectRef idx="0">
-              <a:schemeClr val="accent1"/>
-            </a:effectRef>
-            <a:fontRef idx="minor">
-              <a:schemeClr val="lt1"/>
-            </a:fontRef>
-          </p:style>
-          <p:txBody>
-            <a:bodyPr rtlCol="0" anchor="ctr"/>
-            <a:lstStyle/>
-            <a:p>
-              <a:pPr algn="ctr"/>
-              <a:r>
-                <a:rPr lang="de-DE" sz="1400" dirty="0" err="1">
-                  <a:solidFill>
-                    <a:schemeClr val="tx1"/>
-                  </a:solidFill>
-                </a:rPr>
-                <a:t>conv</a:t>
-              </a:r>
-              <a:endParaRPr lang="de-DE" sz="1400" dirty="0">
-                <a:solidFill>
-                  <a:schemeClr val="tx1"/>
-                </a:solidFill>
-              </a:endParaRPr>
-            </a:p>
-          </p:txBody>
-        </p:sp>
-        <p:sp>
-          <p:nvSpPr>
-            <p:cNvPr id="6" name="Rechteck 5"/>
-            <p:cNvSpPr/>
-            <p:nvPr/>
-          </p:nvSpPr>
-          <p:spPr>
-            <a:xfrm>
-              <a:off x="3643032" y="1121532"/>
-              <a:ext cx="576064" cy="586122"/>
-            </a:xfrm>
-            <a:prstGeom prst="rect">
-              <a:avLst/>
-            </a:prstGeom>
-            <a:solidFill>
-              <a:schemeClr val="bg1"/>
-            </a:solidFill>
-            <a:ln w="25400">
-              <a:solidFill>
-                <a:schemeClr val="tx1"/>
-              </a:solidFill>
-            </a:ln>
-          </p:spPr>
-          <p:style>
-            <a:lnRef idx="2">
-              <a:schemeClr val="accent1">
-                <a:shade val="50000"/>
-              </a:schemeClr>
-            </a:lnRef>
-            <a:fillRef idx="1">
-              <a:schemeClr val="accent1"/>
-            </a:fillRef>
-            <a:effectRef idx="0">
-              <a:schemeClr val="accent1"/>
-            </a:effectRef>
-            <a:fontRef idx="minor">
-              <a:schemeClr val="lt1"/>
-            </a:fontRef>
-          </p:style>
-          <p:txBody>
-            <a:bodyPr rtlCol="0" anchor="ctr"/>
-            <a:lstStyle/>
-            <a:p>
-              <a:pPr algn="ctr"/>
-              <a:r>
-                <a:rPr lang="de-DE" sz="1400" dirty="0" err="1">
-                  <a:solidFill>
-                    <a:schemeClr val="tx1"/>
-                  </a:solidFill>
-                </a:rPr>
-                <a:t>conv</a:t>
-              </a:r>
-              <a:endParaRPr lang="de-DE" sz="1400" dirty="0">
-                <a:solidFill>
-                  <a:schemeClr val="tx1"/>
-                </a:solidFill>
-              </a:endParaRPr>
-            </a:p>
-          </p:txBody>
-        </p:sp>
-        <p:sp>
-          <p:nvSpPr>
-            <p:cNvPr id="7" name="Rechteck 6"/>
-            <p:cNvSpPr/>
-            <p:nvPr/>
-          </p:nvSpPr>
-          <p:spPr>
-            <a:xfrm>
-              <a:off x="2051720" y="1121532"/>
-              <a:ext cx="576064" cy="586122"/>
-            </a:xfrm>
-            <a:prstGeom prst="rect">
-              <a:avLst/>
-            </a:prstGeom>
-            <a:solidFill>
-              <a:schemeClr val="bg1"/>
-            </a:solidFill>
-            <a:ln w="12700">
-              <a:solidFill>
-                <a:schemeClr val="bg1">
-                  <a:lumMod val="65000"/>
-                </a:schemeClr>
-              </a:solidFill>
-            </a:ln>
-          </p:spPr>
-          <p:style>
-            <a:lnRef idx="2">
-              <a:schemeClr val="accent1">
-                <a:shade val="50000"/>
-              </a:schemeClr>
-            </a:lnRef>
-            <a:fillRef idx="1">
-              <a:schemeClr val="accent1"/>
-            </a:fillRef>
-            <a:effectRef idx="0">
-              <a:schemeClr val="accent1"/>
-            </a:effectRef>
-            <a:fontRef idx="minor">
-              <a:schemeClr val="lt1"/>
-            </a:fontRef>
-          </p:style>
-          <p:txBody>
-            <a:bodyPr rtlCol="0" anchor="ctr"/>
-            <a:lstStyle/>
-            <a:p>
-              <a:pPr algn="ctr"/>
-              <a:r>
-                <a:rPr lang="de-DE" sz="1400" dirty="0" err="1">
-                  <a:solidFill>
-                    <a:schemeClr val="bg1">
-                      <a:lumMod val="65000"/>
-                    </a:schemeClr>
-                  </a:solidFill>
-                </a:rPr>
-                <a:t>pool</a:t>
-              </a:r>
-              <a:endParaRPr lang="de-DE" sz="1400" dirty="0">
-                <a:solidFill>
-                  <a:schemeClr val="bg1">
-                    <a:lumMod val="65000"/>
-                  </a:schemeClr>
-                </a:solidFill>
-              </a:endParaRPr>
-            </a:p>
-          </p:txBody>
-        </p:sp>
-        <p:sp>
-          <p:nvSpPr>
-            <p:cNvPr id="8" name="Rechteck 7"/>
-            <p:cNvSpPr/>
-            <p:nvPr/>
-          </p:nvSpPr>
-          <p:spPr>
-            <a:xfrm>
-              <a:off x="2847376" y="1121532"/>
-              <a:ext cx="576064" cy="586122"/>
-            </a:xfrm>
-            <a:prstGeom prst="rect">
-              <a:avLst/>
-            </a:prstGeom>
-            <a:solidFill>
-              <a:schemeClr val="bg1"/>
-            </a:solidFill>
-            <a:ln w="12700">
-              <a:solidFill>
-                <a:schemeClr val="bg1">
-                  <a:lumMod val="65000"/>
-                </a:schemeClr>
-              </a:solidFill>
-            </a:ln>
-          </p:spPr>
-          <p:style>
-            <a:lnRef idx="2">
-              <a:schemeClr val="accent1">
-                <a:shade val="50000"/>
-              </a:schemeClr>
-            </a:lnRef>
-            <a:fillRef idx="1">
-              <a:schemeClr val="accent1"/>
-            </a:fillRef>
-            <a:effectRef idx="0">
-              <a:schemeClr val="accent1"/>
-            </a:effectRef>
-            <a:fontRef idx="minor">
-              <a:schemeClr val="lt1"/>
-            </a:fontRef>
-          </p:style>
-          <p:txBody>
-            <a:bodyPr rtlCol="0" anchor="ctr"/>
-            <a:lstStyle/>
-            <a:p>
-              <a:pPr algn="ctr"/>
-              <a:r>
-                <a:rPr lang="de-DE" sz="1200" dirty="0">
-                  <a:solidFill>
-                    <a:schemeClr val="bg1">
-                      <a:lumMod val="65000"/>
-                    </a:schemeClr>
-                  </a:solidFill>
-                </a:rPr>
-                <a:t>norm</a:t>
-              </a:r>
-              <a:endParaRPr lang="de-DE" sz="1400" dirty="0">
-                <a:solidFill>
-                  <a:schemeClr val="bg1">
-                    <a:lumMod val="65000"/>
-                  </a:schemeClr>
-                </a:solidFill>
-              </a:endParaRPr>
-            </a:p>
-          </p:txBody>
-        </p:sp>
-        <p:sp>
-          <p:nvSpPr>
-            <p:cNvPr id="9" name="Rechteck 8"/>
-            <p:cNvSpPr/>
-            <p:nvPr/>
-          </p:nvSpPr>
-          <p:spPr>
-            <a:xfrm>
-              <a:off x="4438688" y="1121532"/>
-              <a:ext cx="576064" cy="586122"/>
-            </a:xfrm>
-            <a:prstGeom prst="rect">
-              <a:avLst/>
-            </a:prstGeom>
-            <a:solidFill>
-              <a:schemeClr val="bg1"/>
-            </a:solidFill>
-            <a:ln w="12700">
-              <a:solidFill>
-                <a:schemeClr val="bg1">
-                  <a:lumMod val="65000"/>
-                </a:schemeClr>
-              </a:solidFill>
-            </a:ln>
-          </p:spPr>
-          <p:style>
-            <a:lnRef idx="2">
-              <a:schemeClr val="accent1">
-                <a:shade val="50000"/>
-              </a:schemeClr>
-            </a:lnRef>
-            <a:fillRef idx="1">
-              <a:schemeClr val="accent1"/>
-            </a:fillRef>
-            <a:effectRef idx="0">
-              <a:schemeClr val="accent1"/>
-            </a:effectRef>
-            <a:fontRef idx="minor">
-              <a:schemeClr val="lt1"/>
-            </a:fontRef>
-          </p:style>
-          <p:txBody>
-            <a:bodyPr rtlCol="0" anchor="ctr"/>
-            <a:lstStyle/>
-            <a:p>
-              <a:pPr algn="ctr"/>
-              <a:r>
-                <a:rPr lang="de-DE" sz="1200" dirty="0">
-                  <a:solidFill>
-                    <a:schemeClr val="bg1">
-                      <a:lumMod val="65000"/>
-                    </a:schemeClr>
-                  </a:solidFill>
-                </a:rPr>
-                <a:t>norm</a:t>
-              </a:r>
-            </a:p>
-          </p:txBody>
-        </p:sp>
-        <p:sp>
-          <p:nvSpPr>
-            <p:cNvPr id="10" name="Rechteck 9"/>
-            <p:cNvSpPr/>
-            <p:nvPr/>
-          </p:nvSpPr>
-          <p:spPr>
-            <a:xfrm>
-              <a:off x="5234344" y="1121532"/>
-              <a:ext cx="576064" cy="586122"/>
-            </a:xfrm>
-            <a:prstGeom prst="rect">
-              <a:avLst/>
-            </a:prstGeom>
-            <a:solidFill>
-              <a:schemeClr val="bg1"/>
-            </a:solidFill>
-            <a:ln w="12700">
-              <a:solidFill>
-                <a:schemeClr val="bg1">
-                  <a:lumMod val="65000"/>
-                </a:schemeClr>
-              </a:solidFill>
-            </a:ln>
-          </p:spPr>
-          <p:style>
-            <a:lnRef idx="2">
-              <a:schemeClr val="accent1">
-                <a:shade val="50000"/>
-              </a:schemeClr>
-            </a:lnRef>
-            <a:fillRef idx="1">
-              <a:schemeClr val="accent1"/>
-            </a:fillRef>
-            <a:effectRef idx="0">
-              <a:schemeClr val="accent1"/>
-            </a:effectRef>
-            <a:fontRef idx="minor">
-              <a:schemeClr val="lt1"/>
-            </a:fontRef>
-          </p:style>
-          <p:txBody>
-            <a:bodyPr rtlCol="0" anchor="ctr"/>
-            <a:lstStyle/>
-            <a:p>
-              <a:pPr algn="ctr"/>
-              <a:r>
-                <a:rPr lang="de-DE" sz="1400" dirty="0" err="1">
-                  <a:solidFill>
-                    <a:schemeClr val="bg1">
-                      <a:lumMod val="65000"/>
-                    </a:schemeClr>
-                  </a:solidFill>
-                </a:rPr>
-                <a:t>pool</a:t>
-              </a:r>
-              <a:endParaRPr lang="de-DE" sz="1400" dirty="0">
-                <a:solidFill>
-                  <a:schemeClr val="bg1">
-                    <a:lumMod val="65000"/>
-                  </a:schemeClr>
-                </a:solidFill>
-              </a:endParaRPr>
-            </a:p>
-          </p:txBody>
-        </p:sp>
-        <p:sp>
-          <p:nvSpPr>
-            <p:cNvPr id="11" name="Rechteck 10"/>
-            <p:cNvSpPr/>
-            <p:nvPr/>
-          </p:nvSpPr>
-          <p:spPr>
-            <a:xfrm>
-              <a:off x="6030000" y="1121532"/>
-              <a:ext cx="576064" cy="586122"/>
-            </a:xfrm>
-            <a:prstGeom prst="rect">
-              <a:avLst/>
-            </a:prstGeom>
-            <a:solidFill>
-              <a:schemeClr val="bg1"/>
-            </a:solidFill>
-            <a:ln w="12700">
-              <a:solidFill>
-                <a:schemeClr val="bg1">
-                  <a:lumMod val="65000"/>
-                </a:schemeClr>
-              </a:solidFill>
-            </a:ln>
-          </p:spPr>
-          <p:style>
-            <a:lnRef idx="2">
-              <a:schemeClr val="accent1">
-                <a:shade val="50000"/>
-              </a:schemeClr>
-            </a:lnRef>
-            <a:fillRef idx="1">
-              <a:schemeClr val="accent1"/>
-            </a:fillRef>
-            <a:effectRef idx="0">
-              <a:schemeClr val="accent1"/>
-            </a:effectRef>
-            <a:fontRef idx="minor">
-              <a:schemeClr val="lt1"/>
-            </a:fontRef>
-          </p:style>
-          <p:txBody>
-            <a:bodyPr rtlCol="0" anchor="ctr"/>
-            <a:lstStyle/>
-            <a:p>
-              <a:pPr algn="ctr"/>
-              <a:r>
-                <a:rPr lang="de-DE" sz="1400" dirty="0" err="1">
-                  <a:solidFill>
-                    <a:schemeClr val="bg1">
-                      <a:lumMod val="65000"/>
-                    </a:schemeClr>
-                  </a:solidFill>
-                </a:rPr>
-                <a:t>local</a:t>
-              </a:r>
-              <a:endParaRPr lang="de-DE" sz="1400" dirty="0">
-                <a:solidFill>
-                  <a:schemeClr val="bg1">
-                    <a:lumMod val="65000"/>
-                  </a:schemeClr>
-                </a:solidFill>
-              </a:endParaRPr>
-            </a:p>
-          </p:txBody>
-        </p:sp>
-        <p:sp>
-          <p:nvSpPr>
-            <p:cNvPr id="12" name="Rechteck 11"/>
-            <p:cNvSpPr/>
-            <p:nvPr/>
-          </p:nvSpPr>
-          <p:spPr>
-            <a:xfrm>
-              <a:off x="6825656" y="1121980"/>
-              <a:ext cx="576064" cy="586122"/>
-            </a:xfrm>
-            <a:prstGeom prst="rect">
-              <a:avLst/>
-            </a:prstGeom>
-            <a:solidFill>
-              <a:schemeClr val="bg1"/>
-            </a:solidFill>
-            <a:ln w="12700">
-              <a:solidFill>
-                <a:schemeClr val="bg1">
-                  <a:lumMod val="65000"/>
-                </a:schemeClr>
-              </a:solidFill>
-            </a:ln>
-          </p:spPr>
-          <p:style>
-            <a:lnRef idx="2">
-              <a:schemeClr val="accent1">
-                <a:shade val="50000"/>
-              </a:schemeClr>
-            </a:lnRef>
-            <a:fillRef idx="1">
-              <a:schemeClr val="accent1"/>
-            </a:fillRef>
-            <a:effectRef idx="0">
-              <a:schemeClr val="accent1"/>
-            </a:effectRef>
-            <a:fontRef idx="minor">
-              <a:schemeClr val="lt1"/>
-            </a:fontRef>
-          </p:style>
-          <p:txBody>
-            <a:bodyPr rtlCol="0" anchor="ctr"/>
-            <a:lstStyle/>
-            <a:p>
-              <a:pPr algn="ctr"/>
-              <a:r>
-                <a:rPr lang="de-DE" sz="1400" dirty="0" err="1">
-                  <a:solidFill>
-                    <a:schemeClr val="bg1">
-                      <a:lumMod val="65000"/>
-                    </a:schemeClr>
-                  </a:solidFill>
-                </a:rPr>
-                <a:t>local</a:t>
-              </a:r>
-              <a:endParaRPr lang="de-DE" sz="1400" dirty="0">
-                <a:solidFill>
-                  <a:schemeClr val="bg1">
-                    <a:lumMod val="65000"/>
-                  </a:schemeClr>
-                </a:solidFill>
-              </a:endParaRPr>
-            </a:p>
-          </p:txBody>
-        </p:sp>
-        <p:sp>
-          <p:nvSpPr>
-            <p:cNvPr id="13" name="Rechteck 12"/>
-            <p:cNvSpPr/>
-            <p:nvPr/>
-          </p:nvSpPr>
-          <p:spPr>
-            <a:xfrm>
-              <a:off x="7617744" y="1121532"/>
-              <a:ext cx="576064" cy="586122"/>
-            </a:xfrm>
-            <a:prstGeom prst="rect">
-              <a:avLst/>
-            </a:prstGeom>
-            <a:solidFill>
-              <a:schemeClr val="bg1"/>
-            </a:solidFill>
-            <a:ln w="12700">
-              <a:solidFill>
-                <a:schemeClr val="bg1">
-                  <a:lumMod val="65000"/>
-                </a:schemeClr>
-              </a:solidFill>
-            </a:ln>
-          </p:spPr>
-          <p:style>
-            <a:lnRef idx="2">
-              <a:schemeClr val="accent1">
-                <a:shade val="50000"/>
-              </a:schemeClr>
-            </a:lnRef>
-            <a:fillRef idx="1">
-              <a:schemeClr val="accent1"/>
-            </a:fillRef>
-            <a:effectRef idx="0">
-              <a:schemeClr val="accent1"/>
-            </a:effectRef>
-            <a:fontRef idx="minor">
-              <a:schemeClr val="lt1"/>
-            </a:fontRef>
-          </p:style>
-          <p:txBody>
-            <a:bodyPr rtlCol="0" anchor="ctr"/>
-            <a:lstStyle/>
-            <a:p>
-              <a:pPr algn="ctr"/>
-              <a:r>
-                <a:rPr lang="de-DE" sz="800" dirty="0" err="1">
-                  <a:solidFill>
-                    <a:schemeClr val="bg1">
-                      <a:lumMod val="65000"/>
-                    </a:schemeClr>
-                  </a:solidFill>
-                </a:rPr>
-                <a:t>Softmax</a:t>
-              </a:r>
-              <a:r>
-                <a:rPr lang="de-DE" sz="800" dirty="0">
-                  <a:solidFill>
-                    <a:schemeClr val="bg1">
-                      <a:lumMod val="65000"/>
-                    </a:schemeClr>
-                  </a:solidFill>
-                </a:rPr>
-                <a:t> linear</a:t>
-              </a:r>
-            </a:p>
-          </p:txBody>
-        </p:sp>
-        <p:cxnSp>
-          <p:nvCxnSpPr>
-            <p:cNvPr id="14" name="Gerade Verbindung mit Pfeil 13"/>
-            <p:cNvCxnSpPr>
-              <a:stCxn id="4" idx="3"/>
-              <a:endCxn id="5" idx="1"/>
-            </p:cNvCxnSpPr>
-            <p:nvPr/>
-          </p:nvCxnSpPr>
-          <p:spPr>
-            <a:xfrm>
-              <a:off x="1043608" y="1414593"/>
-              <a:ext cx="216024" cy="0"/>
-            </a:xfrm>
-            <a:prstGeom prst="straightConnector1">
-              <a:avLst/>
-            </a:prstGeom>
-            <a:ln>
-              <a:solidFill>
-                <a:schemeClr val="bg1">
-                  <a:lumMod val="65000"/>
-                </a:schemeClr>
-              </a:solidFill>
-              <a:tailEnd type="triangle"/>
-            </a:ln>
-          </p:spPr>
-          <p:style>
-            <a:lnRef idx="1">
-              <a:schemeClr val="accent1"/>
-            </a:lnRef>
-            <a:fillRef idx="0">
-              <a:schemeClr val="accent1"/>
-            </a:fillRef>
-            <a:effectRef idx="0">
-              <a:schemeClr val="accent1"/>
-            </a:effectRef>
-            <a:fontRef idx="minor">
-              <a:schemeClr val="tx1"/>
-            </a:fontRef>
-          </p:style>
-        </p:cxnSp>
-        <p:cxnSp>
-          <p:nvCxnSpPr>
-            <p:cNvPr id="15" name="Gerade Verbindung mit Pfeil 14"/>
-            <p:cNvCxnSpPr/>
-            <p:nvPr/>
-          </p:nvCxnSpPr>
-          <p:spPr>
-            <a:xfrm>
-              <a:off x="1835696" y="1412278"/>
-              <a:ext cx="216024" cy="0"/>
-            </a:xfrm>
-            <a:prstGeom prst="straightConnector1">
-              <a:avLst/>
-            </a:prstGeom>
-            <a:ln>
-              <a:solidFill>
-                <a:schemeClr val="bg1">
-                  <a:lumMod val="65000"/>
-                </a:schemeClr>
-              </a:solidFill>
-              <a:tailEnd type="triangle"/>
-            </a:ln>
-          </p:spPr>
-          <p:style>
-            <a:lnRef idx="1">
-              <a:schemeClr val="accent1"/>
-            </a:lnRef>
-            <a:fillRef idx="0">
-              <a:schemeClr val="accent1"/>
-            </a:fillRef>
-            <a:effectRef idx="0">
-              <a:schemeClr val="accent1"/>
-            </a:effectRef>
-            <a:fontRef idx="minor">
-              <a:schemeClr val="tx1"/>
-            </a:fontRef>
-          </p:style>
-        </p:cxnSp>
-        <p:cxnSp>
-          <p:nvCxnSpPr>
-            <p:cNvPr id="16" name="Gerade Verbindung mit Pfeil 15"/>
-            <p:cNvCxnSpPr/>
-            <p:nvPr/>
-          </p:nvCxnSpPr>
-          <p:spPr>
-            <a:xfrm>
-              <a:off x="2631352" y="1416141"/>
-              <a:ext cx="216024" cy="0"/>
-            </a:xfrm>
-            <a:prstGeom prst="straightConnector1">
-              <a:avLst/>
-            </a:prstGeom>
-            <a:ln>
-              <a:solidFill>
-                <a:schemeClr val="bg1">
-                  <a:lumMod val="65000"/>
-                </a:schemeClr>
-              </a:solidFill>
-              <a:tailEnd type="triangle"/>
-            </a:ln>
-          </p:spPr>
-          <p:style>
-            <a:lnRef idx="1">
-              <a:schemeClr val="accent1"/>
-            </a:lnRef>
-            <a:fillRef idx="0">
-              <a:schemeClr val="accent1"/>
-            </a:fillRef>
-            <a:effectRef idx="0">
-              <a:schemeClr val="accent1"/>
-            </a:effectRef>
-            <a:fontRef idx="minor">
-              <a:schemeClr val="tx1"/>
-            </a:fontRef>
-          </p:style>
-        </p:cxnSp>
-        <p:cxnSp>
-          <p:nvCxnSpPr>
-            <p:cNvPr id="17" name="Gerade Verbindung mit Pfeil 16"/>
-            <p:cNvCxnSpPr/>
-            <p:nvPr/>
-          </p:nvCxnSpPr>
-          <p:spPr>
-            <a:xfrm>
-              <a:off x="3423440" y="1412278"/>
-              <a:ext cx="216024" cy="0"/>
-            </a:xfrm>
-            <a:prstGeom prst="straightConnector1">
-              <a:avLst/>
-            </a:prstGeom>
-            <a:ln>
-              <a:solidFill>
-                <a:schemeClr val="bg1">
-                  <a:lumMod val="65000"/>
-                </a:schemeClr>
-              </a:solidFill>
-              <a:tailEnd type="triangle"/>
-            </a:ln>
-          </p:spPr>
-          <p:style>
-            <a:lnRef idx="1">
-              <a:schemeClr val="accent1"/>
-            </a:lnRef>
-            <a:fillRef idx="0">
-              <a:schemeClr val="accent1"/>
-            </a:fillRef>
-            <a:effectRef idx="0">
-              <a:schemeClr val="accent1"/>
-            </a:effectRef>
-            <a:fontRef idx="minor">
-              <a:schemeClr val="tx1"/>
-            </a:fontRef>
-          </p:style>
-        </p:cxnSp>
-        <p:cxnSp>
-          <p:nvCxnSpPr>
-            <p:cNvPr id="18" name="Gerade Verbindung mit Pfeil 17"/>
-            <p:cNvCxnSpPr/>
-            <p:nvPr/>
-          </p:nvCxnSpPr>
-          <p:spPr>
-            <a:xfrm>
-              <a:off x="4222664" y="1422320"/>
-              <a:ext cx="216024" cy="0"/>
-            </a:xfrm>
-            <a:prstGeom prst="straightConnector1">
-              <a:avLst/>
-            </a:prstGeom>
-            <a:ln>
-              <a:solidFill>
-                <a:schemeClr val="bg1">
-                  <a:lumMod val="65000"/>
-                </a:schemeClr>
-              </a:solidFill>
-              <a:tailEnd type="triangle"/>
-            </a:ln>
-          </p:spPr>
-          <p:style>
-            <a:lnRef idx="1">
-              <a:schemeClr val="accent1"/>
-            </a:lnRef>
-            <a:fillRef idx="0">
-              <a:schemeClr val="accent1"/>
-            </a:fillRef>
-            <a:effectRef idx="0">
-              <a:schemeClr val="accent1"/>
-            </a:effectRef>
-            <a:fontRef idx="minor">
-              <a:schemeClr val="tx1"/>
-            </a:fontRef>
-          </p:style>
-        </p:cxnSp>
-        <p:cxnSp>
-          <p:nvCxnSpPr>
-            <p:cNvPr id="19" name="Gerade Verbindung mit Pfeil 18"/>
-            <p:cNvCxnSpPr/>
-            <p:nvPr/>
-          </p:nvCxnSpPr>
-          <p:spPr>
-            <a:xfrm>
-              <a:off x="5018320" y="1432362"/>
-              <a:ext cx="216024" cy="0"/>
-            </a:xfrm>
-            <a:prstGeom prst="straightConnector1">
-              <a:avLst/>
-            </a:prstGeom>
-            <a:ln>
-              <a:solidFill>
-                <a:schemeClr val="bg1">
-                  <a:lumMod val="65000"/>
-                </a:schemeClr>
-              </a:solidFill>
-              <a:tailEnd type="triangle"/>
-            </a:ln>
-          </p:spPr>
-          <p:style>
-            <a:lnRef idx="1">
-              <a:schemeClr val="accent1"/>
-            </a:lnRef>
-            <a:fillRef idx="0">
-              <a:schemeClr val="accent1"/>
-            </a:fillRef>
-            <a:effectRef idx="0">
-              <a:schemeClr val="accent1"/>
-            </a:effectRef>
-            <a:fontRef idx="minor">
-              <a:schemeClr val="tx1"/>
-            </a:fontRef>
-          </p:style>
-        </p:cxnSp>
-        <p:cxnSp>
-          <p:nvCxnSpPr>
-            <p:cNvPr id="20" name="Gerade Verbindung mit Pfeil 19"/>
-            <p:cNvCxnSpPr/>
-            <p:nvPr/>
-          </p:nvCxnSpPr>
-          <p:spPr>
-            <a:xfrm>
-              <a:off x="5810408" y="1422320"/>
-              <a:ext cx="216024" cy="0"/>
-            </a:xfrm>
-            <a:prstGeom prst="straightConnector1">
-              <a:avLst/>
-            </a:prstGeom>
-            <a:ln>
-              <a:solidFill>
-                <a:schemeClr val="bg1">
-                  <a:lumMod val="65000"/>
-                </a:schemeClr>
-              </a:solidFill>
-              <a:tailEnd type="triangle"/>
-            </a:ln>
-          </p:spPr>
-          <p:style>
-            <a:lnRef idx="1">
-              <a:schemeClr val="accent1"/>
-            </a:lnRef>
-            <a:fillRef idx="0">
-              <a:schemeClr val="accent1"/>
-            </a:fillRef>
-            <a:effectRef idx="0">
-              <a:schemeClr val="accent1"/>
-            </a:effectRef>
-            <a:fontRef idx="minor">
-              <a:schemeClr val="tx1"/>
-            </a:fontRef>
-          </p:style>
-        </p:cxnSp>
-        <p:cxnSp>
-          <p:nvCxnSpPr>
-            <p:cNvPr id="21" name="Gerade Verbindung mit Pfeil 20"/>
-            <p:cNvCxnSpPr/>
-            <p:nvPr/>
-          </p:nvCxnSpPr>
-          <p:spPr>
-            <a:xfrm>
-              <a:off x="6609632" y="1432362"/>
-              <a:ext cx="216024" cy="0"/>
-            </a:xfrm>
-            <a:prstGeom prst="straightConnector1">
-              <a:avLst/>
-            </a:prstGeom>
-            <a:ln>
-              <a:solidFill>
-                <a:schemeClr val="bg1">
-                  <a:lumMod val="65000"/>
-                </a:schemeClr>
-              </a:solidFill>
-              <a:tailEnd type="triangle"/>
-            </a:ln>
-          </p:spPr>
-          <p:style>
-            <a:lnRef idx="1">
-              <a:schemeClr val="accent1"/>
-            </a:lnRef>
-            <a:fillRef idx="0">
-              <a:schemeClr val="accent1"/>
-            </a:fillRef>
-            <a:effectRef idx="0">
-              <a:schemeClr val="accent1"/>
-            </a:effectRef>
-            <a:fontRef idx="minor">
-              <a:schemeClr val="tx1"/>
-            </a:fontRef>
-          </p:style>
-        </p:cxnSp>
-        <p:cxnSp>
-          <p:nvCxnSpPr>
-            <p:cNvPr id="22" name="Gerade Verbindung mit Pfeil 21"/>
-            <p:cNvCxnSpPr/>
-            <p:nvPr/>
-          </p:nvCxnSpPr>
-          <p:spPr>
-            <a:xfrm>
-              <a:off x="7401720" y="1432362"/>
-              <a:ext cx="216024" cy="0"/>
-            </a:xfrm>
-            <a:prstGeom prst="straightConnector1">
-              <a:avLst/>
-            </a:prstGeom>
-            <a:ln>
-              <a:solidFill>
-                <a:schemeClr val="bg1">
-                  <a:lumMod val="65000"/>
-                </a:schemeClr>
-              </a:solidFill>
-              <a:tailEnd type="triangle"/>
-            </a:ln>
-          </p:spPr>
-          <p:style>
-            <a:lnRef idx="1">
-              <a:schemeClr val="accent1"/>
-            </a:lnRef>
-            <a:fillRef idx="0">
-              <a:schemeClr val="accent1"/>
-            </a:fillRef>
-            <a:effectRef idx="0">
-              <a:schemeClr val="accent1"/>
-            </a:effectRef>
-            <a:fontRef idx="minor">
-              <a:schemeClr val="tx1"/>
-            </a:fontRef>
-          </p:style>
-        </p:cxnSp>
-      </p:grpSp>
-    </p:spTree>
-    <p:extLst>
-      <p:ext uri="{BB962C8B-B14F-4D97-AF65-F5344CB8AC3E}">
-        <p14:creationId xmlns:p14="http://schemas.microsoft.com/office/powerpoint/2010/main" val="2732290965"/>
-      </p:ext>
-    </p:extLst>
-  </p:cSld>
-  <p:clrMapOvr>
-    <a:masterClrMapping/>
-  </p:clrMapOvr>
-</p:sld>
-</file>
-
-<file path=ppt/slides/slide19.xml><?xml version="1.0" encoding="utf-8"?>
-<p:sld xmlns:a="http://schemas.openxmlformats.org/drawingml/2006/main" xmlns:r="http://schemas.openxmlformats.org/officeDocument/2006/relationships" xmlns:p="http://schemas.openxmlformats.org/presentationml/2006/main">
-  <p:cSld>
-    <p:spTree>
-      <p:nvGrpSpPr>
-        <p:cNvPr id="1" name=""/>
-        <p:cNvGrpSpPr/>
-        <p:nvPr/>
-      </p:nvGrpSpPr>
-      <p:grpSpPr>
-        <a:xfrm>
-          <a:off x="0" y="0"/>
-          <a:ext cx="0" cy="0"/>
-          <a:chOff x="0" y="0"/>
-          <a:chExt cx="0" cy="0"/>
-        </a:xfrm>
-      </p:grpSpPr>
-      <mc:AlternateContent xmlns:mc="http://schemas.openxmlformats.org/markup-compatibility/2006">
-        <mc:Choice xmlns:a14="http://schemas.microsoft.com/office/drawing/2010/main" Requires="a14">
+      <mc:AlternateContent xmlns:mc="http://schemas.openxmlformats.org/markup-compatibility/2006" xmlns:a14="http://schemas.microsoft.com/office/drawing/2010/main">
+        <mc:Choice Requires="a14">
           <p:sp>
             <p:nvSpPr>
               <p:cNvPr id="2" name="Inhaltsplatzhalter 1"/>
@@ -21216,7 +21101,7 @@
             </p:txBody>
           </p:sp>
         </mc:Choice>
-        <mc:Fallback>
+        <mc:Fallback xmlns="">
           <p:sp>
             <p:nvSpPr>
               <p:cNvPr id="2" name="Inhaltsplatzhalter 1"/>
@@ -22315,120 +22200,17 @@
   <p:clrMapOvr>
     <a:masterClrMapping/>
   </p:clrMapOvr>
+  <p:timing>
+    <p:tnLst>
+      <p:par>
+        <p:cTn id="1" dur="indefinite" restart="never" nodeType="tmRoot"/>
+      </p:par>
+    </p:tnLst>
+  </p:timing>
 </p:sld>
 </file>
 
-<file path=ppt/slides/slide2.xml><?xml version="1.0" encoding="utf-8"?>
-<p:sld xmlns:a="http://schemas.openxmlformats.org/drawingml/2006/main" xmlns:r="http://schemas.openxmlformats.org/officeDocument/2006/relationships" xmlns:p="http://schemas.openxmlformats.org/presentationml/2006/main">
-  <p:cSld>
-    <p:spTree>
-      <p:nvGrpSpPr>
-        <p:cNvPr id="1" name=""/>
-        <p:cNvGrpSpPr/>
-        <p:nvPr/>
-      </p:nvGrpSpPr>
-      <p:grpSpPr>
-        <a:xfrm>
-          <a:off x="0" y="0"/>
-          <a:ext cx="0" cy="0"/>
-          <a:chOff x="0" y="0"/>
-          <a:chExt cx="0" cy="0"/>
-        </a:xfrm>
-      </p:grpSpPr>
-      <p:sp>
-        <p:nvSpPr>
-          <p:cNvPr id="2" name="Inhaltsplatzhalter 1"/>
-          <p:cNvSpPr>
-            <a:spLocks noGrp="1"/>
-          </p:cNvSpPr>
-          <p:nvPr>
-            <p:ph idx="1"/>
-          </p:nvPr>
-        </p:nvSpPr>
-        <p:spPr/>
-        <p:txBody>
-          <a:bodyPr/>
-          <a:lstStyle/>
-          <a:p>
-            <a:r>
-              <a:rPr lang="de-DE" dirty="0" err="1"/>
-              <a:t>Neural</a:t>
-            </a:r>
-            <a:r>
-              <a:rPr lang="de-DE" dirty="0"/>
-              <a:t> Nets (NN)</a:t>
-            </a:r>
-          </a:p>
-          <a:p>
-            <a:r>
-              <a:rPr lang="de-DE" dirty="0" err="1"/>
-              <a:t>Convolution</a:t>
-            </a:r>
-            <a:r>
-              <a:rPr lang="de-DE" dirty="0"/>
-              <a:t> NN (CNN)</a:t>
-            </a:r>
-          </a:p>
-          <a:p>
-            <a:r>
-              <a:rPr lang="de-DE" dirty="0"/>
-              <a:t>Hyperparameters</a:t>
-            </a:r>
-          </a:p>
-          <a:p>
-            <a:r>
-              <a:rPr lang="de-DE" dirty="0"/>
-              <a:t>Problem</a:t>
-            </a:r>
-          </a:p>
-          <a:p>
-            <a:r>
-              <a:rPr lang="de-DE" dirty="0"/>
-              <a:t>Evaluation</a:t>
-            </a:r>
-          </a:p>
-          <a:p>
-            <a:endParaRPr lang="de-DE" dirty="0"/>
-          </a:p>
-        </p:txBody>
-      </p:sp>
-      <p:sp>
-        <p:nvSpPr>
-          <p:cNvPr id="3" name="Titel 2"/>
-          <p:cNvSpPr>
-            <a:spLocks noGrp="1"/>
-          </p:cNvSpPr>
-          <p:nvPr>
-            <p:ph type="title"/>
-          </p:nvPr>
-        </p:nvSpPr>
-        <p:spPr/>
-        <p:txBody>
-          <a:bodyPr/>
-          <a:lstStyle/>
-          <a:p>
-            <a:r>
-              <a:rPr lang="de-DE" dirty="0" err="1"/>
-              <a:t>Structure</a:t>
-            </a:r>
-            <a:endParaRPr lang="de-DE" dirty="0"/>
-          </a:p>
-        </p:txBody>
-      </p:sp>
-    </p:spTree>
-    <p:extLst>
-      <p:ext uri="{BB962C8B-B14F-4D97-AF65-F5344CB8AC3E}">
-        <p14:creationId xmlns:p14="http://schemas.microsoft.com/office/powerpoint/2010/main" val="3718926478"/>
-      </p:ext>
-    </p:extLst>
-  </p:cSld>
-  <p:clrMapOvr>
-    <a:masterClrMapping/>
-  </p:clrMapOvr>
-</p:sld>
-</file>
-
-<file path=ppt/slides/slide20.xml><?xml version="1.0" encoding="utf-8"?>
+<file path=ppt/slides/slide19.xml><?xml version="1.0" encoding="utf-8"?>
 <p:sld xmlns:a="http://schemas.openxmlformats.org/drawingml/2006/main" xmlns:r="http://schemas.openxmlformats.org/officeDocument/2006/relationships" xmlns:p="http://schemas.openxmlformats.org/presentationml/2006/main">
   <p:cSld>
     <p:spTree>
@@ -23512,28 +23294,28 @@
                 <a:gridCol w="463401">
                   <a:extLst>
                     <a:ext uri="{9D8B030D-6E8A-4147-A177-3AD203B41FA5}">
-                      <a16:colId xmlns:a16="http://schemas.microsoft.com/office/drawing/2014/main" val="1315853969"/>
+                      <a16:colId xmlns:a16="http://schemas.microsoft.com/office/drawing/2014/main" xmlns="" val="1315853969"/>
                     </a:ext>
                   </a:extLst>
                 </a:gridCol>
                 <a:gridCol w="463401">
                   <a:extLst>
                     <a:ext uri="{9D8B030D-6E8A-4147-A177-3AD203B41FA5}">
-                      <a16:colId xmlns:a16="http://schemas.microsoft.com/office/drawing/2014/main" val="2704368736"/>
+                      <a16:colId xmlns:a16="http://schemas.microsoft.com/office/drawing/2014/main" xmlns="" val="2704368736"/>
                     </a:ext>
                   </a:extLst>
                 </a:gridCol>
                 <a:gridCol w="463401">
                   <a:extLst>
                     <a:ext uri="{9D8B030D-6E8A-4147-A177-3AD203B41FA5}">
-                      <a16:colId xmlns:a16="http://schemas.microsoft.com/office/drawing/2014/main" val="581167327"/>
+                      <a16:colId xmlns:a16="http://schemas.microsoft.com/office/drawing/2014/main" xmlns="" val="581167327"/>
                     </a:ext>
                   </a:extLst>
                 </a:gridCol>
                 <a:gridCol w="463401">
                   <a:extLst>
                     <a:ext uri="{9D8B030D-6E8A-4147-A177-3AD203B41FA5}">
-                      <a16:colId xmlns:a16="http://schemas.microsoft.com/office/drawing/2014/main" val="398809108"/>
+                      <a16:colId xmlns:a16="http://schemas.microsoft.com/office/drawing/2014/main" xmlns="" val="398809108"/>
                     </a:ext>
                   </a:extLst>
                 </a:gridCol>
@@ -23597,7 +23379,7 @@
                 </a:tc>
                 <a:extLst>
                   <a:ext uri="{0D108BD9-81ED-4DB2-BD59-A6C34878D82A}">
-                    <a16:rowId xmlns:a16="http://schemas.microsoft.com/office/drawing/2014/main" val="626965300"/>
+                    <a16:rowId xmlns:a16="http://schemas.microsoft.com/office/drawing/2014/main" xmlns="" val="626965300"/>
                   </a:ext>
                 </a:extLst>
               </a:tr>
@@ -23660,7 +23442,7 @@
                 </a:tc>
                 <a:extLst>
                   <a:ext uri="{0D108BD9-81ED-4DB2-BD59-A6C34878D82A}">
-                    <a16:rowId xmlns:a16="http://schemas.microsoft.com/office/drawing/2014/main" val="2359931059"/>
+                    <a16:rowId xmlns:a16="http://schemas.microsoft.com/office/drawing/2014/main" xmlns="" val="2359931059"/>
                   </a:ext>
                 </a:extLst>
               </a:tr>
@@ -23723,7 +23505,7 @@
                 </a:tc>
                 <a:extLst>
                   <a:ext uri="{0D108BD9-81ED-4DB2-BD59-A6C34878D82A}">
-                    <a16:rowId xmlns:a16="http://schemas.microsoft.com/office/drawing/2014/main" val="1895507255"/>
+                    <a16:rowId xmlns:a16="http://schemas.microsoft.com/office/drawing/2014/main" xmlns="" val="1895507255"/>
                   </a:ext>
                 </a:extLst>
               </a:tr>
@@ -23786,7 +23568,7 @@
                 </a:tc>
                 <a:extLst>
                   <a:ext uri="{0D108BD9-81ED-4DB2-BD59-A6C34878D82A}">
-                    <a16:rowId xmlns:a16="http://schemas.microsoft.com/office/drawing/2014/main" val="1750681758"/>
+                    <a16:rowId xmlns:a16="http://schemas.microsoft.com/office/drawing/2014/main" xmlns="" val="1750681758"/>
                   </a:ext>
                 </a:extLst>
               </a:tr>
@@ -23822,14 +23604,14 @@
                 <a:gridCol w="463401">
                   <a:extLst>
                     <a:ext uri="{9D8B030D-6E8A-4147-A177-3AD203B41FA5}">
-                      <a16:colId xmlns:a16="http://schemas.microsoft.com/office/drawing/2014/main" val="2593313714"/>
+                      <a16:colId xmlns:a16="http://schemas.microsoft.com/office/drawing/2014/main" xmlns="" val="2593313714"/>
                     </a:ext>
                   </a:extLst>
                 </a:gridCol>
                 <a:gridCol w="463401">
                   <a:extLst>
                     <a:ext uri="{9D8B030D-6E8A-4147-A177-3AD203B41FA5}">
-                      <a16:colId xmlns:a16="http://schemas.microsoft.com/office/drawing/2014/main" val="2220839097"/>
+                      <a16:colId xmlns:a16="http://schemas.microsoft.com/office/drawing/2014/main" xmlns="" val="2220839097"/>
                     </a:ext>
                   </a:extLst>
                 </a:gridCol>
@@ -23865,7 +23647,7 @@
                 </a:tc>
                 <a:extLst>
                   <a:ext uri="{0D108BD9-81ED-4DB2-BD59-A6C34878D82A}">
-                    <a16:rowId xmlns:a16="http://schemas.microsoft.com/office/drawing/2014/main" val="507255841"/>
+                    <a16:rowId xmlns:a16="http://schemas.microsoft.com/office/drawing/2014/main" xmlns="" val="507255841"/>
                   </a:ext>
                 </a:extLst>
               </a:tr>
@@ -23900,7 +23682,7 @@
                 </a:tc>
                 <a:extLst>
                   <a:ext uri="{0D108BD9-81ED-4DB2-BD59-A6C34878D82A}">
-                    <a16:rowId xmlns:a16="http://schemas.microsoft.com/office/drawing/2014/main" val="786806740"/>
+                    <a16:rowId xmlns:a16="http://schemas.microsoft.com/office/drawing/2014/main" xmlns="" val="786806740"/>
                   </a:ext>
                 </a:extLst>
               </a:tr>
@@ -24170,10 +23952,127 @@
   <p:clrMapOvr>
     <a:masterClrMapping/>
   </p:clrMapOvr>
+  <p:timing>
+    <p:tnLst>
+      <p:par>
+        <p:cTn id="1" dur="indefinite" restart="never" nodeType="tmRoot"/>
+      </p:par>
+    </p:tnLst>
+  </p:timing>
 </p:sld>
 </file>
 
-<file path=ppt/slides/slide21.xml><?xml version="1.0" encoding="utf-8"?>
+<file path=ppt/slides/slide2.xml><?xml version="1.0" encoding="utf-8"?>
+<p:sld xmlns:a="http://schemas.openxmlformats.org/drawingml/2006/main" xmlns:r="http://schemas.openxmlformats.org/officeDocument/2006/relationships" xmlns:p="http://schemas.openxmlformats.org/presentationml/2006/main">
+  <p:cSld>
+    <p:spTree>
+      <p:nvGrpSpPr>
+        <p:cNvPr id="1" name=""/>
+        <p:cNvGrpSpPr/>
+        <p:nvPr/>
+      </p:nvGrpSpPr>
+      <p:grpSpPr>
+        <a:xfrm>
+          <a:off x="0" y="0"/>
+          <a:ext cx="0" cy="0"/>
+          <a:chOff x="0" y="0"/>
+          <a:chExt cx="0" cy="0"/>
+        </a:xfrm>
+      </p:grpSpPr>
+      <p:sp>
+        <p:nvSpPr>
+          <p:cNvPr id="2" name="Inhaltsplatzhalter 1"/>
+          <p:cNvSpPr>
+            <a:spLocks noGrp="1"/>
+          </p:cNvSpPr>
+          <p:nvPr>
+            <p:ph idx="1"/>
+          </p:nvPr>
+        </p:nvSpPr>
+        <p:spPr/>
+        <p:txBody>
+          <a:bodyPr/>
+          <a:lstStyle/>
+          <a:p>
+            <a:r>
+              <a:rPr lang="de-DE" dirty="0" err="1"/>
+              <a:t>Neural</a:t>
+            </a:r>
+            <a:r>
+              <a:rPr lang="de-DE" dirty="0"/>
+              <a:t> Nets (NN)</a:t>
+            </a:r>
+          </a:p>
+          <a:p>
+            <a:r>
+              <a:rPr lang="de-DE" dirty="0" err="1"/>
+              <a:t>Convolution</a:t>
+            </a:r>
+            <a:r>
+              <a:rPr lang="de-DE" dirty="0"/>
+              <a:t> NN (CNN)</a:t>
+            </a:r>
+          </a:p>
+          <a:p>
+            <a:r>
+              <a:rPr lang="de-DE" dirty="0"/>
+              <a:t>Hyperparameters</a:t>
+            </a:r>
+          </a:p>
+          <a:p>
+            <a:r>
+              <a:rPr lang="de-DE" dirty="0"/>
+              <a:t>Problem</a:t>
+            </a:r>
+          </a:p>
+          <a:p>
+            <a:r>
+              <a:rPr lang="de-DE" dirty="0"/>
+              <a:t>Evaluation</a:t>
+            </a:r>
+          </a:p>
+          <a:p>
+            <a:endParaRPr lang="de-DE" dirty="0"/>
+          </a:p>
+        </p:txBody>
+      </p:sp>
+      <p:sp>
+        <p:nvSpPr>
+          <p:cNvPr id="3" name="Titel 2"/>
+          <p:cNvSpPr>
+            <a:spLocks noGrp="1"/>
+          </p:cNvSpPr>
+          <p:nvPr>
+            <p:ph type="title"/>
+          </p:nvPr>
+        </p:nvSpPr>
+        <p:spPr/>
+        <p:txBody>
+          <a:bodyPr/>
+          <a:lstStyle/>
+          <a:p>
+            <a:r>
+              <a:rPr lang="de-DE" dirty="0" err="1"/>
+              <a:t>Structure</a:t>
+            </a:r>
+            <a:endParaRPr lang="de-DE" dirty="0"/>
+          </a:p>
+        </p:txBody>
+      </p:sp>
+    </p:spTree>
+    <p:extLst>
+      <p:ext uri="{BB962C8B-B14F-4D97-AF65-F5344CB8AC3E}">
+        <p14:creationId xmlns:p14="http://schemas.microsoft.com/office/powerpoint/2010/main" val="3718926478"/>
+      </p:ext>
+    </p:extLst>
+  </p:cSld>
+  <p:clrMapOvr>
+    <a:masterClrMapping/>
+  </p:clrMapOvr>
+</p:sld>
+</file>
+
+<file path=ppt/slides/slide20.xml><?xml version="1.0" encoding="utf-8"?>
 <p:sld xmlns:a="http://schemas.openxmlformats.org/drawingml/2006/main" xmlns:r="http://schemas.openxmlformats.org/officeDocument/2006/relationships" xmlns:p="http://schemas.openxmlformats.org/presentationml/2006/main">
   <p:cSld>
     <p:spTree>
@@ -25517,28 +25416,28 @@
                 <a:gridCol w="458240">
                   <a:extLst>
                     <a:ext uri="{9D8B030D-6E8A-4147-A177-3AD203B41FA5}">
-                      <a16:colId xmlns:a16="http://schemas.microsoft.com/office/drawing/2014/main" val="2080106785"/>
+                      <a16:colId xmlns:a16="http://schemas.microsoft.com/office/drawing/2014/main" xmlns="" val="2080106785"/>
                     </a:ext>
                   </a:extLst>
                 </a:gridCol>
                 <a:gridCol w="458240">
                   <a:extLst>
                     <a:ext uri="{9D8B030D-6E8A-4147-A177-3AD203B41FA5}">
-                      <a16:colId xmlns:a16="http://schemas.microsoft.com/office/drawing/2014/main" val="2984649935"/>
+                      <a16:colId xmlns:a16="http://schemas.microsoft.com/office/drawing/2014/main" xmlns="" val="2984649935"/>
                     </a:ext>
                   </a:extLst>
                 </a:gridCol>
                 <a:gridCol w="458240">
                   <a:extLst>
                     <a:ext uri="{9D8B030D-6E8A-4147-A177-3AD203B41FA5}">
-                      <a16:colId xmlns:a16="http://schemas.microsoft.com/office/drawing/2014/main" val="4058437995"/>
+                      <a16:colId xmlns:a16="http://schemas.microsoft.com/office/drawing/2014/main" xmlns="" val="4058437995"/>
                     </a:ext>
                   </a:extLst>
                 </a:gridCol>
                 <a:gridCol w="458240">
                   <a:extLst>
                     <a:ext uri="{9D8B030D-6E8A-4147-A177-3AD203B41FA5}">
-                      <a16:colId xmlns:a16="http://schemas.microsoft.com/office/drawing/2014/main" val="3942788012"/>
+                      <a16:colId xmlns:a16="http://schemas.microsoft.com/office/drawing/2014/main" xmlns="" val="3942788012"/>
                     </a:ext>
                   </a:extLst>
                 </a:gridCol>
@@ -25689,7 +25588,7 @@
                 </a:tc>
                 <a:extLst>
                   <a:ext uri="{0D108BD9-81ED-4DB2-BD59-A6C34878D82A}">
-                    <a16:rowId xmlns:a16="http://schemas.microsoft.com/office/drawing/2014/main" val="3844140614"/>
+                    <a16:rowId xmlns:a16="http://schemas.microsoft.com/office/drawing/2014/main" xmlns="" val="3844140614"/>
                   </a:ext>
                 </a:extLst>
               </a:tr>
@@ -25737,10 +25636,17 @@
   <p:clrMapOvr>
     <a:masterClrMapping/>
   </p:clrMapOvr>
+  <p:timing>
+    <p:tnLst>
+      <p:par>
+        <p:cTn id="1" dur="indefinite" restart="never" nodeType="tmRoot"/>
+      </p:par>
+    </p:tnLst>
+  </p:timing>
 </p:sld>
 </file>
 
-<file path=ppt/slides/slide22.xml><?xml version="1.0" encoding="utf-8"?>
+<file path=ppt/slides/slide21.xml><?xml version="1.0" encoding="utf-8"?>
 <p:sld xmlns:a="http://schemas.openxmlformats.org/drawingml/2006/main" xmlns:r="http://schemas.openxmlformats.org/officeDocument/2006/relationships" xmlns:p="http://schemas.openxmlformats.org/presentationml/2006/main">
   <p:cSld>
     <p:spTree>
@@ -27058,28 +26964,28 @@
                 <a:gridCol w="458240">
                   <a:extLst>
                     <a:ext uri="{9D8B030D-6E8A-4147-A177-3AD203B41FA5}">
-                      <a16:colId xmlns:a16="http://schemas.microsoft.com/office/drawing/2014/main" val="2080106785"/>
+                      <a16:colId xmlns:a16="http://schemas.microsoft.com/office/drawing/2014/main" xmlns="" val="2080106785"/>
                     </a:ext>
                   </a:extLst>
                 </a:gridCol>
                 <a:gridCol w="458240">
                   <a:extLst>
                     <a:ext uri="{9D8B030D-6E8A-4147-A177-3AD203B41FA5}">
-                      <a16:colId xmlns:a16="http://schemas.microsoft.com/office/drawing/2014/main" val="2984649935"/>
+                      <a16:colId xmlns:a16="http://schemas.microsoft.com/office/drawing/2014/main" xmlns="" val="2984649935"/>
                     </a:ext>
                   </a:extLst>
                 </a:gridCol>
                 <a:gridCol w="458240">
                   <a:extLst>
                     <a:ext uri="{9D8B030D-6E8A-4147-A177-3AD203B41FA5}">
-                      <a16:colId xmlns:a16="http://schemas.microsoft.com/office/drawing/2014/main" val="4058437995"/>
+                      <a16:colId xmlns:a16="http://schemas.microsoft.com/office/drawing/2014/main" xmlns="" val="4058437995"/>
                     </a:ext>
                   </a:extLst>
                 </a:gridCol>
                 <a:gridCol w="458240">
                   <a:extLst>
                     <a:ext uri="{9D8B030D-6E8A-4147-A177-3AD203B41FA5}">
-                      <a16:colId xmlns:a16="http://schemas.microsoft.com/office/drawing/2014/main" val="3942788012"/>
+                      <a16:colId xmlns:a16="http://schemas.microsoft.com/office/drawing/2014/main" xmlns="" val="3942788012"/>
                     </a:ext>
                   </a:extLst>
                 </a:gridCol>
@@ -27230,7 +27136,7 @@
                 </a:tc>
                 <a:extLst>
                   <a:ext uri="{0D108BD9-81ED-4DB2-BD59-A6C34878D82A}">
-                    <a16:rowId xmlns:a16="http://schemas.microsoft.com/office/drawing/2014/main" val="3844140614"/>
+                    <a16:rowId xmlns:a16="http://schemas.microsoft.com/office/drawing/2014/main" xmlns="" val="3844140614"/>
                   </a:ext>
                 </a:extLst>
               </a:tr>
@@ -27358,8 +27264,8 @@
           </a:p>
         </p:txBody>
       </p:sp>
-      <mc:AlternateContent xmlns:mc="http://schemas.openxmlformats.org/markup-compatibility/2006">
-        <mc:Choice xmlns:a14="http://schemas.microsoft.com/office/drawing/2010/main" Requires="a14">
+      <mc:AlternateContent xmlns:mc="http://schemas.openxmlformats.org/markup-compatibility/2006" xmlns:a14="http://schemas.microsoft.com/office/drawing/2010/main">
+        <mc:Choice Requires="a14">
           <p:sp>
             <p:nvSpPr>
               <p:cNvPr id="27" name="Textfeld 26"/>
@@ -27406,7 +27312,7 @@
                       <m:dPr>
                         <m:ctrlPr>
                           <a:rPr lang="en-US" i="1" smtClean="0">
-                            <a:latin typeface="Cambria Math" panose="02040503050406030204" pitchFamily="18" charset="0"/>
+                            <a:latin typeface="Cambria Math" charset="0"/>
                           </a:rPr>
                         </m:ctrlPr>
                       </m:dPr>
@@ -27415,7 +27321,7 @@
                           <m:dPr>
                             <m:ctrlPr>
                               <a:rPr lang="de-DE" i="1">
-                                <a:latin typeface="Cambria Math" panose="02040503050406030204" pitchFamily="18" charset="0"/>
+                                <a:latin typeface="Cambria Math" charset="0"/>
                               </a:rPr>
                             </m:ctrlPr>
                           </m:dPr>
@@ -27424,7 +27330,7 @@
                               <m:fPr>
                                 <m:ctrlPr>
                                   <a:rPr lang="en-US" i="1">
-                                    <a:latin typeface="Cambria Math" panose="02040503050406030204" pitchFamily="18" charset="0"/>
+                                    <a:latin typeface="Cambria Math" charset="0"/>
                                   </a:rPr>
                                 </m:ctrlPr>
                               </m:fPr>
@@ -27442,7 +27348,7 @@
                                     <m:degHide m:val="on"/>
                                     <m:ctrlPr>
                                       <a:rPr lang="en-US" i="1">
-                                        <a:latin typeface="Cambria Math" panose="02040503050406030204" pitchFamily="18" charset="0"/>
+                                        <a:latin typeface="Cambria Math" charset="0"/>
                                       </a:rPr>
                                     </m:ctrlPr>
                                   </m:radPr>
@@ -27452,7 +27358,7 @@
                                       <m:sSupPr>
                                         <m:ctrlPr>
                                           <a:rPr lang="en-US" i="1">
-                                            <a:latin typeface="Cambria Math" panose="02040503050406030204" pitchFamily="18" charset="0"/>
+                                            <a:latin typeface="Cambria Math" charset="0"/>
                                           </a:rPr>
                                         </m:ctrlPr>
                                       </m:sSupPr>
@@ -27483,7 +27389,7 @@
                                       <m:sSupPr>
                                         <m:ctrlPr>
                                           <a:rPr lang="en-US" i="1">
-                                            <a:latin typeface="Cambria Math" panose="02040503050406030204" pitchFamily="18" charset="0"/>
+                                            <a:latin typeface="Cambria Math" charset="0"/>
                                           </a:rPr>
                                         </m:ctrlPr>
                                       </m:sSupPr>
@@ -27514,7 +27420,7 @@
                                       <m:sSupPr>
                                         <m:ctrlPr>
                                           <a:rPr lang="en-US" i="1">
-                                            <a:latin typeface="Cambria Math" panose="02040503050406030204" pitchFamily="18" charset="0"/>
+                                            <a:latin typeface="Cambria Math" charset="0"/>
                                           </a:rPr>
                                         </m:ctrlPr>
                                       </m:sSupPr>
@@ -27551,7 +27457,7 @@
                           <m:dPr>
                             <m:ctrlPr>
                               <a:rPr lang="de-DE" i="1">
-                                <a:latin typeface="Cambria Math" panose="02040503050406030204" pitchFamily="18" charset="0"/>
+                                <a:latin typeface="Cambria Math" charset="0"/>
                               </a:rPr>
                             </m:ctrlPr>
                           </m:dPr>
@@ -27560,7 +27466,7 @@
                               <m:fPr>
                                 <m:ctrlPr>
                                   <a:rPr lang="en-US" i="1">
-                                    <a:latin typeface="Cambria Math" panose="02040503050406030204" pitchFamily="18" charset="0"/>
+                                    <a:latin typeface="Cambria Math" charset="0"/>
                                   </a:rPr>
                                 </m:ctrlPr>
                               </m:fPr>
@@ -27578,7 +27484,7 @@
                                     <m:degHide m:val="on"/>
                                     <m:ctrlPr>
                                       <a:rPr lang="en-US" i="1">
-                                        <a:latin typeface="Cambria Math" panose="02040503050406030204" pitchFamily="18" charset="0"/>
+                                        <a:latin typeface="Cambria Math" charset="0"/>
                                       </a:rPr>
                                     </m:ctrlPr>
                                   </m:radPr>
@@ -27588,7 +27494,7 @@
                                       <m:sSupPr>
                                         <m:ctrlPr>
                                           <a:rPr lang="en-US" i="1">
-                                            <a:latin typeface="Cambria Math" panose="02040503050406030204" pitchFamily="18" charset="0"/>
+                                            <a:latin typeface="Cambria Math" charset="0"/>
                                           </a:rPr>
                                         </m:ctrlPr>
                                       </m:sSupPr>
@@ -27619,7 +27525,7 @@
                                       <m:sSupPr>
                                         <m:ctrlPr>
                                           <a:rPr lang="en-US" i="1">
-                                            <a:latin typeface="Cambria Math" panose="02040503050406030204" pitchFamily="18" charset="0"/>
+                                            <a:latin typeface="Cambria Math" charset="0"/>
                                           </a:rPr>
                                         </m:ctrlPr>
                                       </m:sSupPr>
@@ -27650,7 +27556,7 @@
                                       <m:sSupPr>
                                         <m:ctrlPr>
                                           <a:rPr lang="en-US" i="1">
-                                            <a:latin typeface="Cambria Math" panose="02040503050406030204" pitchFamily="18" charset="0"/>
+                                            <a:latin typeface="Cambria Math" charset="0"/>
                                           </a:rPr>
                                         </m:ctrlPr>
                                       </m:sSupPr>
@@ -27688,7 +27594,7 @@
                           <m:dPr>
                             <m:ctrlPr>
                               <a:rPr lang="de-DE" i="1">
-                                <a:latin typeface="Cambria Math" panose="02040503050406030204" pitchFamily="18" charset="0"/>
+                                <a:latin typeface="Cambria Math" charset="0"/>
                               </a:rPr>
                             </m:ctrlPr>
                           </m:dPr>
@@ -27697,7 +27603,7 @@
                               <m:fPr>
                                 <m:ctrlPr>
                                   <a:rPr lang="en-US" i="1">
-                                    <a:latin typeface="Cambria Math" panose="02040503050406030204" pitchFamily="18" charset="0"/>
+                                    <a:latin typeface="Cambria Math" charset="0"/>
                                   </a:rPr>
                                 </m:ctrlPr>
                               </m:fPr>
@@ -27715,7 +27621,7 @@
                                     <m:degHide m:val="on"/>
                                     <m:ctrlPr>
                                       <a:rPr lang="en-US" i="1">
-                                        <a:latin typeface="Cambria Math" panose="02040503050406030204" pitchFamily="18" charset="0"/>
+                                        <a:latin typeface="Cambria Math" charset="0"/>
                                       </a:rPr>
                                     </m:ctrlPr>
                                   </m:radPr>
@@ -27725,7 +27631,7 @@
                                       <m:sSupPr>
                                         <m:ctrlPr>
                                           <a:rPr lang="en-US" i="1">
-                                            <a:latin typeface="Cambria Math" panose="02040503050406030204" pitchFamily="18" charset="0"/>
+                                            <a:latin typeface="Cambria Math" charset="0"/>
                                           </a:rPr>
                                         </m:ctrlPr>
                                       </m:sSupPr>
@@ -27756,7 +27662,7 @@
                                       <m:sSupPr>
                                         <m:ctrlPr>
                                           <a:rPr lang="en-US" i="1">
-                                            <a:latin typeface="Cambria Math" panose="02040503050406030204" pitchFamily="18" charset="0"/>
+                                            <a:latin typeface="Cambria Math" charset="0"/>
                                           </a:rPr>
                                         </m:ctrlPr>
                                       </m:sSupPr>
@@ -27787,7 +27693,7 @@
                                       <m:sSupPr>
                                         <m:ctrlPr>
                                           <a:rPr lang="en-US" i="1">
-                                            <a:latin typeface="Cambria Math" panose="02040503050406030204" pitchFamily="18" charset="0"/>
+                                            <a:latin typeface="Cambria Math" charset="0"/>
                                           </a:rPr>
                                         </m:ctrlPr>
                                       </m:sSupPr>
@@ -27823,7 +27729,7 @@
             </p:txBody>
           </p:sp>
         </mc:Choice>
-        <mc:Fallback>
+        <mc:Fallback xmlns="">
           <p:sp>
             <p:nvSpPr>
               <p:cNvPr id="27" name="Textfeld 26"/>
@@ -27872,10 +27778,17 @@
   <p:clrMapOvr>
     <a:masterClrMapping/>
   </p:clrMapOvr>
+  <p:timing>
+    <p:tnLst>
+      <p:par>
+        <p:cTn id="1" dur="indefinite" restart="never" nodeType="tmRoot"/>
+      </p:par>
+    </p:tnLst>
+  </p:timing>
 </p:sld>
 </file>
 
-<file path=ppt/slides/slide23.xml><?xml version="1.0" encoding="utf-8"?>
+<file path=ppt/slides/slide22.xml><?xml version="1.0" encoding="utf-8"?>
 <p:sld xmlns:a="http://schemas.openxmlformats.org/drawingml/2006/main" xmlns:r="http://schemas.openxmlformats.org/officeDocument/2006/relationships" xmlns:p="http://schemas.openxmlformats.org/presentationml/2006/main">
   <p:cSld>
     <p:spTree>
@@ -28991,7 +28904,7 @@
                 <a:gridCol w="292533">
                   <a:extLst>
                     <a:ext uri="{9D8B030D-6E8A-4147-A177-3AD203B41FA5}">
-                      <a16:colId xmlns:a16="http://schemas.microsoft.com/office/drawing/2014/main" val="3678911628"/>
+                      <a16:colId xmlns:a16="http://schemas.microsoft.com/office/drawing/2014/main" xmlns="" val="3678911628"/>
                     </a:ext>
                   </a:extLst>
                 </a:gridCol>
@@ -29017,7 +28930,7 @@
                 </a:tc>
                 <a:extLst>
                   <a:ext uri="{0D108BD9-81ED-4DB2-BD59-A6C34878D82A}">
-                    <a16:rowId xmlns:a16="http://schemas.microsoft.com/office/drawing/2014/main" val="3786496154"/>
+                    <a16:rowId xmlns:a16="http://schemas.microsoft.com/office/drawing/2014/main" xmlns="" val="3786496154"/>
                   </a:ext>
                 </a:extLst>
               </a:tr>
@@ -29067,7 +28980,7 @@
                 </a:tc>
                 <a:extLst>
                   <a:ext uri="{0D108BD9-81ED-4DB2-BD59-A6C34878D82A}">
-                    <a16:rowId xmlns:a16="http://schemas.microsoft.com/office/drawing/2014/main" val="1539824931"/>
+                    <a16:rowId xmlns:a16="http://schemas.microsoft.com/office/drawing/2014/main" xmlns="" val="1539824931"/>
                   </a:ext>
                 </a:extLst>
               </a:tr>
@@ -29117,7 +29030,7 @@
                 </a:tc>
                 <a:extLst>
                   <a:ext uri="{0D108BD9-81ED-4DB2-BD59-A6C34878D82A}">
-                    <a16:rowId xmlns:a16="http://schemas.microsoft.com/office/drawing/2014/main" val="3982339619"/>
+                    <a16:rowId xmlns:a16="http://schemas.microsoft.com/office/drawing/2014/main" xmlns="" val="3982339619"/>
                   </a:ext>
                 </a:extLst>
               </a:tr>
@@ -29142,7 +29055,7 @@
                 </a:tc>
                 <a:extLst>
                   <a:ext uri="{0D108BD9-81ED-4DB2-BD59-A6C34878D82A}">
-                    <a16:rowId xmlns:a16="http://schemas.microsoft.com/office/drawing/2014/main" val="202465259"/>
+                    <a16:rowId xmlns:a16="http://schemas.microsoft.com/office/drawing/2014/main" xmlns="" val="202465259"/>
                   </a:ext>
                 </a:extLst>
               </a:tr>
@@ -29192,7 +29105,7 @@
                 </a:tc>
                 <a:extLst>
                   <a:ext uri="{0D108BD9-81ED-4DB2-BD59-A6C34878D82A}">
-                    <a16:rowId xmlns:a16="http://schemas.microsoft.com/office/drawing/2014/main" val="3684460613"/>
+                    <a16:rowId xmlns:a16="http://schemas.microsoft.com/office/drawing/2014/main" xmlns="" val="3684460613"/>
                   </a:ext>
                 </a:extLst>
               </a:tr>
@@ -29242,7 +29155,7 @@
                 </a:tc>
                 <a:extLst>
                   <a:ext uri="{0D108BD9-81ED-4DB2-BD59-A6C34878D82A}">
-                    <a16:rowId xmlns:a16="http://schemas.microsoft.com/office/drawing/2014/main" val="2486496764"/>
+                    <a16:rowId xmlns:a16="http://schemas.microsoft.com/office/drawing/2014/main" xmlns="" val="2486496764"/>
                   </a:ext>
                 </a:extLst>
               </a:tr>
@@ -29267,7 +29180,7 @@
                 </a:tc>
                 <a:extLst>
                   <a:ext uri="{0D108BD9-81ED-4DB2-BD59-A6C34878D82A}">
-                    <a16:rowId xmlns:a16="http://schemas.microsoft.com/office/drawing/2014/main" val="510055380"/>
+                    <a16:rowId xmlns:a16="http://schemas.microsoft.com/office/drawing/2014/main" xmlns="" val="510055380"/>
                   </a:ext>
                 </a:extLst>
               </a:tr>
@@ -29317,7 +29230,7 @@
                 </a:tc>
                 <a:extLst>
                   <a:ext uri="{0D108BD9-81ED-4DB2-BD59-A6C34878D82A}">
-                    <a16:rowId xmlns:a16="http://schemas.microsoft.com/office/drawing/2014/main" val="1295892773"/>
+                    <a16:rowId xmlns:a16="http://schemas.microsoft.com/office/drawing/2014/main" xmlns="" val="1295892773"/>
                   </a:ext>
                 </a:extLst>
               </a:tr>
@@ -29367,7 +29280,7 @@
                 </a:tc>
                 <a:extLst>
                   <a:ext uri="{0D108BD9-81ED-4DB2-BD59-A6C34878D82A}">
-                    <a16:rowId xmlns:a16="http://schemas.microsoft.com/office/drawing/2014/main" val="79844242"/>
+                    <a16:rowId xmlns:a16="http://schemas.microsoft.com/office/drawing/2014/main" xmlns="" val="79844242"/>
                   </a:ext>
                 </a:extLst>
               </a:tr>
@@ -30079,21 +29992,21 @@
                 <a:gridCol w="292533">
                   <a:extLst>
                     <a:ext uri="{9D8B030D-6E8A-4147-A177-3AD203B41FA5}">
-                      <a16:colId xmlns:a16="http://schemas.microsoft.com/office/drawing/2014/main" val="3289671414"/>
+                      <a16:colId xmlns:a16="http://schemas.microsoft.com/office/drawing/2014/main" xmlns="" val="3289671414"/>
                     </a:ext>
                   </a:extLst>
                 </a:gridCol>
                 <a:gridCol w="292533">
                   <a:extLst>
                     <a:ext uri="{9D8B030D-6E8A-4147-A177-3AD203B41FA5}">
-                      <a16:colId xmlns:a16="http://schemas.microsoft.com/office/drawing/2014/main" val="3129106852"/>
+                      <a16:colId xmlns:a16="http://schemas.microsoft.com/office/drawing/2014/main" xmlns="" val="3129106852"/>
                     </a:ext>
                   </a:extLst>
                 </a:gridCol>
                 <a:gridCol w="292533">
                   <a:extLst>
                     <a:ext uri="{9D8B030D-6E8A-4147-A177-3AD203B41FA5}">
-                      <a16:colId xmlns:a16="http://schemas.microsoft.com/office/drawing/2014/main" val="3382257012"/>
+                      <a16:colId xmlns:a16="http://schemas.microsoft.com/office/drawing/2014/main" xmlns="" val="3382257012"/>
                     </a:ext>
                   </a:extLst>
                 </a:gridCol>
@@ -30205,7 +30118,7 @@
                 </a:tc>
                 <a:extLst>
                   <a:ext uri="{0D108BD9-81ED-4DB2-BD59-A6C34878D82A}">
-                    <a16:rowId xmlns:a16="http://schemas.microsoft.com/office/drawing/2014/main" val="3181698656"/>
+                    <a16:rowId xmlns:a16="http://schemas.microsoft.com/office/drawing/2014/main" xmlns="" val="3181698656"/>
                   </a:ext>
                 </a:extLst>
               </a:tr>
@@ -30341,7 +30254,7 @@
                 </a:tc>
                 <a:extLst>
                   <a:ext uri="{0D108BD9-81ED-4DB2-BD59-A6C34878D82A}">
-                    <a16:rowId xmlns:a16="http://schemas.microsoft.com/office/drawing/2014/main" val="1486785032"/>
+                    <a16:rowId xmlns:a16="http://schemas.microsoft.com/office/drawing/2014/main" xmlns="" val="1486785032"/>
                   </a:ext>
                 </a:extLst>
               </a:tr>
@@ -30477,7 +30390,7 @@
                 </a:tc>
                 <a:extLst>
                   <a:ext uri="{0D108BD9-81ED-4DB2-BD59-A6C34878D82A}">
-                    <a16:rowId xmlns:a16="http://schemas.microsoft.com/office/drawing/2014/main" val="2189309893"/>
+                    <a16:rowId xmlns:a16="http://schemas.microsoft.com/office/drawing/2014/main" xmlns="" val="2189309893"/>
                   </a:ext>
                 </a:extLst>
               </a:tr>
@@ -30495,10 +30408,17 @@
   <p:clrMapOvr>
     <a:masterClrMapping/>
   </p:clrMapOvr>
+  <p:timing>
+    <p:tnLst>
+      <p:par>
+        <p:cTn id="1" dur="indefinite" restart="never" nodeType="tmRoot"/>
+      </p:par>
+    </p:tnLst>
+  </p:timing>
 </p:sld>
 </file>
 
-<file path=ppt/slides/slide24.xml><?xml version="1.0" encoding="utf-8"?>
+<file path=ppt/slides/slide23.xml><?xml version="1.0" encoding="utf-8"?>
 <p:sld xmlns:a="http://schemas.openxmlformats.org/drawingml/2006/main" xmlns:r="http://schemas.openxmlformats.org/officeDocument/2006/relationships" xmlns:p="http://schemas.openxmlformats.org/presentationml/2006/main">
   <p:cSld>
     <p:spTree>
@@ -31641,10 +31561,17 @@
   <p:clrMapOvr>
     <a:masterClrMapping/>
   </p:clrMapOvr>
+  <p:timing>
+    <p:tnLst>
+      <p:par>
+        <p:cTn id="1" dur="indefinite" restart="never" nodeType="tmRoot"/>
+      </p:par>
+    </p:tnLst>
+  </p:timing>
 </p:sld>
 </file>
 
-<file path=ppt/slides/slide25.xml><?xml version="1.0" encoding="utf-8"?>
+<file path=ppt/slides/slide24.xml><?xml version="1.0" encoding="utf-8"?>
 <p:sld xmlns:a="http://schemas.openxmlformats.org/drawingml/2006/main" xmlns:r="http://schemas.openxmlformats.org/officeDocument/2006/relationships" xmlns:p="http://schemas.openxmlformats.org/presentationml/2006/main">
   <p:cSld>
     <p:spTree>
@@ -31661,8 +31588,8 @@
           <a:chExt cx="0" cy="0"/>
         </a:xfrm>
       </p:grpSpPr>
-      <mc:AlternateContent xmlns:mc="http://schemas.openxmlformats.org/markup-compatibility/2006">
-        <mc:Choice xmlns:a14="http://schemas.microsoft.com/office/drawing/2010/main" Requires="a14">
+      <mc:AlternateContent xmlns:mc="http://schemas.openxmlformats.org/markup-compatibility/2006" xmlns:a14="http://schemas.microsoft.com/office/drawing/2010/main">
+        <mc:Choice Requires="a14">
           <p:sp>
             <p:nvSpPr>
               <p:cNvPr id="2" name="Inhaltsplatzhalter 1"/>
@@ -31708,7 +31635,7 @@
                         <m:supHide m:val="on"/>
                         <m:ctrlPr>
                           <a:rPr lang="en-GB" i="1">
-                            <a:latin typeface="Cambria Math" panose="02040503050406030204" pitchFamily="18" charset="0"/>
+                            <a:latin typeface="Cambria Math" charset="0"/>
                           </a:rPr>
                         </m:ctrlPr>
                       </m:naryPr>
@@ -31778,7 +31705,7 @@
             </p:txBody>
           </p:sp>
         </mc:Choice>
-        <mc:Fallback>
+        <mc:Fallback xmlns="">
           <p:sp>
             <p:nvSpPr>
               <p:cNvPr id="2" name="Inhaltsplatzhalter 1"/>
@@ -32865,8 +32792,8 @@
           </p:style>
         </p:cxnSp>
       </p:grpSp>
-      <mc:AlternateContent xmlns:mc="http://schemas.openxmlformats.org/markup-compatibility/2006">
-        <mc:Choice xmlns:a14="http://schemas.microsoft.com/office/drawing/2010/main" Requires="a14">
+      <mc:AlternateContent xmlns:mc="http://schemas.openxmlformats.org/markup-compatibility/2006" xmlns:a14="http://schemas.microsoft.com/office/drawing/2010/main">
+        <mc:Choice Requires="a14">
           <p:sp>
             <p:nvSpPr>
               <p:cNvPr id="25" name="TextBox 21"/>
@@ -32900,7 +32827,7 @@
                         <m:sSubPr>
                           <m:ctrlPr>
                             <a:rPr lang="en-US" sz="4000" i="1" smtClean="0">
-                              <a:latin typeface="Cambria Math" panose="02040503050406030204" pitchFamily="18" charset="0"/>
+                              <a:latin typeface="Cambria Math" charset="0"/>
                             </a:rPr>
                           </m:ctrlPr>
                         </m:sSubPr>
@@ -32931,7 +32858,7 @@
                         <m:fPr>
                           <m:ctrlPr>
                             <a:rPr lang="mr-IN" sz="4000" b="0" i="1" smtClean="0">
-                              <a:latin typeface="Cambria Math" panose="02040503050406030204" pitchFamily="18" charset="0"/>
+                              <a:latin typeface="Cambria Math" charset="0"/>
                             </a:rPr>
                           </m:ctrlPr>
                         </m:fPr>
@@ -32940,7 +32867,7 @@
                             <m:sSupPr>
                               <m:ctrlPr>
                                 <a:rPr lang="mr-IN" sz="4000" b="0" i="1" smtClean="0">
-                                  <a:latin typeface="Cambria Math" panose="02040503050406030204" pitchFamily="18" charset="0"/>
+                                  <a:latin typeface="Cambria Math" charset="0"/>
                                 </a:rPr>
                               </m:ctrlPr>
                             </m:sSupPr>
@@ -32957,7 +32884,7 @@
                                 <m:sSubSupPr>
                                   <m:ctrlPr>
                                     <a:rPr lang="en-US" sz="4000" b="0" i="1" smtClean="0">
-                                      <a:latin typeface="Cambria Math" panose="02040503050406030204" pitchFamily="18" charset="0"/>
+                                      <a:latin typeface="Cambria Math" charset="0"/>
                                     </a:rPr>
                                   </m:ctrlPr>
                                 </m:sSubSupPr>
@@ -32995,7 +32922,7 @@
                               <m:chr m:val="∑"/>
                               <m:ctrlPr>
                                 <a:rPr lang="is-IS" sz="4000" b="0" i="1" smtClean="0">
-                                  <a:latin typeface="Cambria Math" panose="02040503050406030204" pitchFamily="18" charset="0"/>
+                                  <a:latin typeface="Cambria Math" charset="0"/>
                                 </a:rPr>
                               </m:ctrlPr>
                             </m:naryPr>
@@ -33037,7 +32964,7 @@
                                 <m:sSupPr>
                                   <m:ctrlPr>
                                     <a:rPr lang="is-IS" sz="4000" b="0" i="1" smtClean="0">
-                                      <a:latin typeface="Cambria Math" panose="02040503050406030204" pitchFamily="18" charset="0"/>
+                                      <a:latin typeface="Cambria Math" charset="0"/>
                                     </a:rPr>
                                   </m:ctrlPr>
                                 </m:sSupPr>
@@ -33054,7 +32981,7 @@
                                     <m:sSubPr>
                                       <m:ctrlPr>
                                         <a:rPr lang="en-US" sz="4000" b="0" i="1" smtClean="0">
-                                          <a:latin typeface="Cambria Math" panose="02040503050406030204" pitchFamily="18" charset="0"/>
+                                          <a:latin typeface="Cambria Math" charset="0"/>
                                         </a:rPr>
                                       </m:ctrlPr>
                                     </m:sSubPr>
@@ -33089,7 +33016,7 @@
             </p:txBody>
           </p:sp>
         </mc:Choice>
-        <mc:Fallback>
+        <mc:Fallback xmlns="">
           <p:sp>
             <p:nvSpPr>
               <p:cNvPr id="25" name="TextBox 21"/>
@@ -33243,8 +33170,8 @@
           </a:fontRef>
         </p:style>
       </p:cxnSp>
-      <mc:AlternateContent xmlns:mc="http://schemas.openxmlformats.org/markup-compatibility/2006">
-        <mc:Choice xmlns:a14="http://schemas.microsoft.com/office/drawing/2010/main" Requires="a14">
+      <mc:AlternateContent xmlns:mc="http://schemas.openxmlformats.org/markup-compatibility/2006" xmlns:a14="http://schemas.microsoft.com/office/drawing/2010/main">
+        <mc:Choice Requires="a14">
           <p:sp>
             <p:nvSpPr>
               <p:cNvPr id="32" name="TextBox 19"/>
@@ -33278,7 +33205,7 @@
                         <m:sSubPr>
                           <m:ctrlPr>
                             <a:rPr lang="en-US" sz="4000" i="1" smtClean="0">
-                              <a:latin typeface="Cambria Math" panose="02040503050406030204" pitchFamily="18" charset="0"/>
+                              <a:latin typeface="Cambria Math" charset="0"/>
                             </a:rPr>
                           </m:ctrlPr>
                         </m:sSubPr>
@@ -33307,7 +33234,7 @@
             </p:txBody>
           </p:sp>
         </mc:Choice>
-        <mc:Fallback>
+        <mc:Fallback xmlns="">
           <p:sp>
             <p:nvSpPr>
               <p:cNvPr id="32" name="TextBox 19"/>
@@ -33346,8 +33273,8 @@
           </p:sp>
         </mc:Fallback>
       </mc:AlternateContent>
-      <mc:AlternateContent xmlns:mc="http://schemas.openxmlformats.org/markup-compatibility/2006">
-        <mc:Choice xmlns:a14="http://schemas.microsoft.com/office/drawing/2010/main" Requires="a14">
+      <mc:AlternateContent xmlns:mc="http://schemas.openxmlformats.org/markup-compatibility/2006" xmlns:a14="http://schemas.microsoft.com/office/drawing/2010/main">
+        <mc:Choice Requires="a14">
           <p:sp>
             <p:nvSpPr>
               <p:cNvPr id="33" name="TextBox 20"/>
@@ -33381,7 +33308,7 @@
                         <m:sSubPr>
                           <m:ctrlPr>
                             <a:rPr lang="en-US" sz="4000" i="1" smtClean="0">
-                              <a:latin typeface="Cambria Math" panose="02040503050406030204" pitchFamily="18" charset="0"/>
+                              <a:latin typeface="Cambria Math" charset="0"/>
                             </a:rPr>
                           </m:ctrlPr>
                         </m:sSubPr>
@@ -33410,7 +33337,7 @@
             </p:txBody>
           </p:sp>
         </mc:Choice>
-        <mc:Fallback>
+        <mc:Fallback xmlns="">
           <p:sp>
             <p:nvSpPr>
               <p:cNvPr id="33" name="TextBox 20"/>
@@ -33459,10 +33386,17 @@
   <p:clrMapOvr>
     <a:masterClrMapping/>
   </p:clrMapOvr>
+  <p:timing>
+    <p:tnLst>
+      <p:par>
+        <p:cTn id="1" dur="indefinite" restart="never" nodeType="tmRoot"/>
+      </p:par>
+    </p:tnLst>
+  </p:timing>
 </p:sld>
 </file>
 
-<file path=ppt/slides/slide26.xml><?xml version="1.0" encoding="utf-8"?>
+<file path=ppt/slides/slide25.xml><?xml version="1.0" encoding="utf-8"?>
 <p:sld xmlns:a="http://schemas.openxmlformats.org/drawingml/2006/main" xmlns:r="http://schemas.openxmlformats.org/officeDocument/2006/relationships" xmlns:p="http://schemas.openxmlformats.org/presentationml/2006/main">
   <p:cSld>
     <p:spTree>
@@ -33506,8 +33440,8 @@
                     <m:f>
                       <m:fPr>
                         <m:ctrlPr>
-                          <a:rPr lang="mr-IN" sz="2400" i="1">
-                            <a:latin typeface="Cambria Math" panose="02040503050406030204" pitchFamily="18" charset="0"/>
+                          <a:rPr lang="mr-IN" sz="2400" i="1" smtClean="0">
+                            <a:latin typeface="Cambria Math" charset="0"/>
                           </a:rPr>
                         </m:ctrlPr>
                       </m:fPr>
@@ -33522,7 +33456,7 @@
                           <m:sSubPr>
                             <m:ctrlPr>
                               <a:rPr lang="en-US" sz="2400" i="1">
-                                <a:latin typeface="Cambria Math" panose="02040503050406030204" pitchFamily="18" charset="0"/>
+                                <a:latin typeface="Cambria Math" charset="0"/>
                               </a:rPr>
                             </m:ctrlPr>
                           </m:sSubPr>
@@ -33555,7 +33489,7 @@
                           <m:sSubPr>
                             <m:ctrlPr>
                               <a:rPr lang="en-US" sz="2400" i="1">
-                                <a:latin typeface="Cambria Math" panose="02040503050406030204" pitchFamily="18" charset="0"/>
+                                <a:latin typeface="Cambria Math" charset="0"/>
                               </a:rPr>
                             </m:ctrlPr>
                           </m:sSubPr>
@@ -33588,7 +33522,7 @@
                       <m:sSubPr>
                         <m:ctrlPr>
                           <a:rPr lang="en-US" sz="2400" i="1">
-                            <a:latin typeface="Cambria Math" panose="02040503050406030204" pitchFamily="18" charset="0"/>
+                            <a:latin typeface="Cambria Math" charset="0"/>
                           </a:rPr>
                         </m:ctrlPr>
                       </m:sSubPr>
@@ -33625,7 +33559,7 @@
                       <m:sSubPr>
                         <m:ctrlPr>
                           <a:rPr lang="en-US" sz="2400" i="1">
-                            <a:latin typeface="Cambria Math" panose="02040503050406030204" pitchFamily="18" charset="0"/>
+                            <a:latin typeface="Cambria Math" charset="0"/>
                           </a:rPr>
                         </m:ctrlPr>
                       </m:sSubPr>
@@ -33679,7 +33613,7 @@
                       <m:sSubPr>
                         <m:ctrlPr>
                           <a:rPr lang="en-US" sz="2400" i="1">
-                            <a:latin typeface="Cambria Math" panose="02040503050406030204" pitchFamily="18" charset="0"/>
+                            <a:latin typeface="Cambria Math" charset="0"/>
                           </a:rPr>
                         </m:ctrlPr>
                       </m:sSubPr>
@@ -33718,7 +33652,7 @@
                       <m:sSubPr>
                         <m:ctrlPr>
                           <a:rPr lang="en-US" sz="2400" i="1">
-                            <a:latin typeface="Cambria Math" panose="02040503050406030204" pitchFamily="18" charset="0"/>
+                            <a:latin typeface="Cambria Math" charset="0"/>
                           </a:rPr>
                         </m:ctrlPr>
                       </m:sSubPr>
@@ -33768,12 +33702,29 @@
                   <a:rPr lang="en-GB" sz="2000" dirty="0"/>
                   <a:t>for an individual neuron </a:t>
                 </a:r>
+                <a:endParaRPr lang="en-GB" sz="2000" dirty="0" smtClean="0"/>
               </a:p>
               <a:p>
                 <a:pPr lvl="2"/>
                 <a:r>
                   <a:rPr lang="en-GB" sz="2000" dirty="0"/>
-                  <a:t>of an I/P in respect to O/P is just </a:t>
+                  <a:t>of an </a:t>
+                </a:r>
+                <a:r>
+                  <a:rPr lang="en-GB" sz="2000" dirty="0" smtClean="0"/>
+                  <a:t>O/P </a:t>
+                </a:r>
+                <a:r>
+                  <a:rPr lang="en-GB" sz="2000" dirty="0"/>
+                  <a:t>in respect to </a:t>
+                </a:r>
+                <a:r>
+                  <a:rPr lang="en-GB" sz="2000" dirty="0" smtClean="0"/>
+                  <a:t>I/P </a:t>
+                </a:r>
+                <a:r>
+                  <a:rPr lang="en-GB" sz="2000" dirty="0"/>
+                  <a:t>is just </a:t>
                 </a:r>
                 <a14:m>
                   <m:oMath xmlns:m="http://schemas.openxmlformats.org/officeDocument/2006/math">
@@ -33781,7 +33732,7 @@
                       <m:sSubPr>
                         <m:ctrlPr>
                           <a:rPr lang="en-US" sz="2000" i="1">
-                            <a:latin typeface="Cambria Math" panose="02040503050406030204" pitchFamily="18" charset="0"/>
+                            <a:latin typeface="Cambria Math" charset="0"/>
                           </a:rPr>
                         </m:ctrlPr>
                       </m:sSubPr>
@@ -33818,7 +33769,7 @@
                       <m:sSubPr>
                         <m:ctrlPr>
                           <a:rPr lang="en-US" sz="2000" i="1">
-                            <a:latin typeface="Cambria Math" panose="02040503050406030204" pitchFamily="18" charset="0"/>
+                            <a:latin typeface="Cambria Math" charset="0"/>
                           </a:rPr>
                         </m:ctrlPr>
                       </m:sSubPr>
@@ -33847,7 +33798,7 @@
                     </m:r>
                   </m:oMath>
                 </a14:m>
-                <a:endParaRPr lang="en-GB" sz="2000" dirty="0"/>
+                <a:endParaRPr lang="en-GB" sz="2000" dirty="0" smtClean="0"/>
               </a:p>
             </p:txBody>
           </p:sp>
@@ -33868,10 +33819,10 @@
                 <a:off x="479426" y="1283494"/>
                 <a:ext cx="7923213" cy="2800424"/>
               </a:xfrm>
-              <a:blipFill>
+              <a:blipFill rotWithShape="0">
                 <a:blip r:embed="rId3"/>
                 <a:stretch>
-                  <a:fillRect l="-1232" b="-2614"/>
+                  <a:fillRect l="-1232" b="-16558"/>
                 </a:stretch>
               </a:blipFill>
             </p:spPr>
@@ -33880,7 +33831,7 @@
               <a:lstStyle/>
               <a:p>
                 <a:r>
-                  <a:rPr lang="de-DE">
+                  <a:rPr lang="en-GB">
                     <a:noFill/>
                   </a:rPr>
                   <a:t> </a:t>
@@ -34939,6 +34890,323 @@
           </p:style>
         </p:cxnSp>
       </p:grpSp>
+      <p:sp>
+        <p:nvSpPr>
+          <p:cNvPr id="24" name="Ellipse 14"/>
+          <p:cNvSpPr/>
+          <p:nvPr/>
+        </p:nvSpPr>
+        <p:spPr>
+          <a:xfrm>
+            <a:off x="7028665" y="2256954"/>
+            <a:ext cx="416711" cy="416711"/>
+          </a:xfrm>
+          <a:prstGeom prst="ellipse">
+            <a:avLst/>
+          </a:prstGeom>
+          <a:noFill/>
+          <a:ln w="12700"/>
+        </p:spPr>
+        <p:style>
+          <a:lnRef idx="2">
+            <a:schemeClr val="dk1"/>
+          </a:lnRef>
+          <a:fillRef idx="1">
+            <a:schemeClr val="lt1"/>
+          </a:fillRef>
+          <a:effectRef idx="0">
+            <a:schemeClr val="dk1"/>
+          </a:effectRef>
+          <a:fontRef idx="minor">
+            <a:schemeClr val="dk1"/>
+          </a:fontRef>
+        </p:style>
+        <p:txBody>
+          <a:bodyPr rtlCol="0" anchor="ctr"/>
+          <a:lstStyle/>
+          <a:p>
+            <a:pPr algn="ctr"/>
+            <a:endParaRPr lang="de-DE"/>
+          </a:p>
+        </p:txBody>
+      </p:sp>
+      <p:cxnSp>
+        <p:nvCxnSpPr>
+          <p:cNvPr id="25" name="Gerade Verbindung mit Pfeil 27"/>
+          <p:cNvCxnSpPr/>
+          <p:nvPr/>
+        </p:nvCxnSpPr>
+        <p:spPr>
+          <a:xfrm>
+            <a:off x="6104320" y="2465309"/>
+            <a:ext cx="924345" cy="1"/>
+          </a:xfrm>
+          <a:prstGeom prst="straightConnector1">
+            <a:avLst/>
+          </a:prstGeom>
+          <a:ln>
+            <a:solidFill>
+              <a:schemeClr val="tx1"/>
+            </a:solidFill>
+            <a:tailEnd type="triangle"/>
+          </a:ln>
+        </p:spPr>
+        <p:style>
+          <a:lnRef idx="1">
+            <a:schemeClr val="accent1"/>
+          </a:lnRef>
+          <a:fillRef idx="0">
+            <a:schemeClr val="accent1"/>
+          </a:fillRef>
+          <a:effectRef idx="0">
+            <a:schemeClr val="accent1"/>
+          </a:effectRef>
+          <a:fontRef idx="minor">
+            <a:schemeClr val="tx1"/>
+          </a:fontRef>
+        </p:style>
+      </p:cxnSp>
+      <p:cxnSp>
+        <p:nvCxnSpPr>
+          <p:cNvPr id="26" name="Gerader Verbinder 30"/>
+          <p:cNvCxnSpPr/>
+          <p:nvPr/>
+        </p:nvCxnSpPr>
+        <p:spPr>
+          <a:xfrm flipV="1">
+            <a:off x="7445376" y="2465309"/>
+            <a:ext cx="606728" cy="1"/>
+          </a:xfrm>
+          <a:prstGeom prst="line">
+            <a:avLst/>
+          </a:prstGeom>
+          <a:ln>
+            <a:solidFill>
+              <a:schemeClr val="tx1"/>
+            </a:solidFill>
+          </a:ln>
+        </p:spPr>
+        <p:style>
+          <a:lnRef idx="1">
+            <a:schemeClr val="accent1"/>
+          </a:lnRef>
+          <a:fillRef idx="0">
+            <a:schemeClr val="accent1"/>
+          </a:fillRef>
+          <a:effectRef idx="0">
+            <a:schemeClr val="accent1"/>
+          </a:effectRef>
+          <a:fontRef idx="minor">
+            <a:schemeClr val="tx1"/>
+          </a:fontRef>
+        </p:style>
+      </p:cxnSp>
+      <mc:AlternateContent xmlns:mc="http://schemas.openxmlformats.org/markup-compatibility/2006">
+        <mc:Choice xmlns:a14="http://schemas.microsoft.com/office/drawing/2010/main" Requires="a14">
+          <p:sp>
+            <p:nvSpPr>
+              <p:cNvPr id="27" name="TextBox 19"/>
+              <p:cNvSpPr txBox="1"/>
+              <p:nvPr/>
+            </p:nvSpPr>
+            <p:spPr>
+              <a:xfrm>
+                <a:off x="5954424" y="2355726"/>
+                <a:ext cx="1224136" cy="707886"/>
+              </a:xfrm>
+              <a:prstGeom prst="rect">
+                <a:avLst/>
+              </a:prstGeom>
+              <a:noFill/>
+            </p:spPr>
+            <p:txBody>
+              <a:bodyPr wrap="square" rtlCol="0">
+                <a:spAutoFit/>
+              </a:bodyPr>
+              <a:lstStyle/>
+              <a:p>
+                <a:pPr/>
+                <a14:m>
+                  <m:oMathPara xmlns:m="http://schemas.openxmlformats.org/officeDocument/2006/math">
+                    <m:oMathParaPr>
+                      <m:jc m:val="centerGroup"/>
+                    </m:oMathParaPr>
+                    <m:oMath xmlns:m="http://schemas.openxmlformats.org/officeDocument/2006/math">
+                      <m:sSub>
+                        <m:sSubPr>
+                          <m:ctrlPr>
+                            <a:rPr lang="en-US" sz="4000" i="1" smtClean="0">
+                              <a:latin typeface="Cambria Math" charset="0"/>
+                            </a:rPr>
+                          </m:ctrlPr>
+                        </m:sSubPr>
+                        <m:e>
+                          <m:r>
+                            <a:rPr lang="en-US" sz="4000" b="0" i="1" smtClean="0">
+                              <a:latin typeface="Cambria Math" charset="0"/>
+                            </a:rPr>
+                            <m:t>𝑍</m:t>
+                          </m:r>
+                        </m:e>
+                        <m:sub>
+                          <m:r>
+                            <a:rPr lang="en-US" sz="4000" b="0" i="1" smtClean="0">
+                              <a:latin typeface="Cambria Math" charset="0"/>
+                            </a:rPr>
+                            <m:t>𝑖</m:t>
+                          </m:r>
+                        </m:sub>
+                      </m:sSub>
+                    </m:oMath>
+                  </m:oMathPara>
+                </a14:m>
+                <a:endParaRPr lang="en-GB" sz="4000" dirty="0"/>
+              </a:p>
+            </p:txBody>
+          </p:sp>
+        </mc:Choice>
+        <mc:Fallback>
+          <p:sp>
+            <p:nvSpPr>
+              <p:cNvPr id="27" name="TextBox 19"/>
+              <p:cNvSpPr txBox="1">
+                <a:spLocks noRot="1" noChangeAspect="1" noMove="1" noResize="1" noEditPoints="1" noAdjustHandles="1" noChangeArrowheads="1" noChangeShapeType="1" noTextEdit="1"/>
+              </p:cNvSpPr>
+              <p:nvPr/>
+            </p:nvSpPr>
+            <p:spPr>
+              <a:xfrm>
+                <a:off x="5954424" y="2355726"/>
+                <a:ext cx="1224136" cy="707886"/>
+              </a:xfrm>
+              <a:prstGeom prst="rect">
+                <a:avLst/>
+              </a:prstGeom>
+              <a:blipFill rotWithShape="0">
+                <a:blip r:embed="rId4"/>
+                <a:stretch>
+                  <a:fillRect/>
+                </a:stretch>
+              </a:blipFill>
+            </p:spPr>
+            <p:txBody>
+              <a:bodyPr/>
+              <a:lstStyle/>
+              <a:p>
+                <a:r>
+                  <a:rPr lang="en-GB">
+                    <a:noFill/>
+                  </a:rPr>
+                  <a:t> </a:t>
+                </a:r>
+              </a:p>
+            </p:txBody>
+          </p:sp>
+        </mc:Fallback>
+      </mc:AlternateContent>
+      <mc:AlternateContent xmlns:mc="http://schemas.openxmlformats.org/markup-compatibility/2006">
+        <mc:Choice xmlns:a14="http://schemas.microsoft.com/office/drawing/2010/main" Requires="a14">
+          <p:sp>
+            <p:nvSpPr>
+              <p:cNvPr id="28" name="TextBox 20"/>
+              <p:cNvSpPr txBox="1"/>
+              <p:nvPr/>
+            </p:nvSpPr>
+            <p:spPr>
+              <a:xfrm>
+                <a:off x="7464599" y="2355726"/>
+                <a:ext cx="606823" cy="707886"/>
+              </a:xfrm>
+              <a:prstGeom prst="rect">
+                <a:avLst/>
+              </a:prstGeom>
+              <a:noFill/>
+            </p:spPr>
+            <p:txBody>
+              <a:bodyPr wrap="square" rtlCol="0">
+                <a:spAutoFit/>
+              </a:bodyPr>
+              <a:lstStyle/>
+              <a:p>
+                <a:pPr/>
+                <a14:m>
+                  <m:oMathPara xmlns:m="http://schemas.openxmlformats.org/officeDocument/2006/math">
+                    <m:oMathParaPr>
+                      <m:jc m:val="centerGroup"/>
+                    </m:oMathParaPr>
+                    <m:oMath xmlns:m="http://schemas.openxmlformats.org/officeDocument/2006/math">
+                      <m:sSub>
+                        <m:sSubPr>
+                          <m:ctrlPr>
+                            <a:rPr lang="en-US" sz="4000" i="1" smtClean="0">
+                              <a:latin typeface="Cambria Math" charset="0"/>
+                            </a:rPr>
+                          </m:ctrlPr>
+                        </m:sSubPr>
+                        <m:e>
+                          <m:r>
+                            <a:rPr lang="en-US" sz="4000" b="0" i="1" smtClean="0">
+                              <a:latin typeface="Cambria Math" charset="0"/>
+                            </a:rPr>
+                            <m:t>𝑌</m:t>
+                          </m:r>
+                        </m:e>
+                        <m:sub>
+                          <m:r>
+                            <a:rPr lang="en-US" sz="4000" b="0" i="1" smtClean="0">
+                              <a:latin typeface="Cambria Math" charset="0"/>
+                            </a:rPr>
+                            <m:t>𝑖</m:t>
+                          </m:r>
+                        </m:sub>
+                      </m:sSub>
+                    </m:oMath>
+                  </m:oMathPara>
+                </a14:m>
+                <a:endParaRPr lang="en-GB" sz="4000" dirty="0"/>
+              </a:p>
+            </p:txBody>
+          </p:sp>
+        </mc:Choice>
+        <mc:Fallback>
+          <p:sp>
+            <p:nvSpPr>
+              <p:cNvPr id="28" name="TextBox 20"/>
+              <p:cNvSpPr txBox="1">
+                <a:spLocks noRot="1" noChangeAspect="1" noMove="1" noResize="1" noEditPoints="1" noAdjustHandles="1" noChangeArrowheads="1" noChangeShapeType="1" noTextEdit="1"/>
+              </p:cNvSpPr>
+              <p:nvPr/>
+            </p:nvSpPr>
+            <p:spPr>
+              <a:xfrm>
+                <a:off x="7464599" y="2355726"/>
+                <a:ext cx="606823" cy="707886"/>
+              </a:xfrm>
+              <a:prstGeom prst="rect">
+                <a:avLst/>
+              </a:prstGeom>
+              <a:blipFill rotWithShape="0">
+                <a:blip r:embed="rId5"/>
+                <a:stretch>
+                  <a:fillRect/>
+                </a:stretch>
+              </a:blipFill>
+            </p:spPr>
+            <p:txBody>
+              <a:bodyPr/>
+              <a:lstStyle/>
+              <a:p>
+                <a:r>
+                  <a:rPr lang="en-GB">
+                    <a:noFill/>
+                  </a:rPr>
+                  <a:t> </a:t>
+                </a:r>
+              </a:p>
+            </p:txBody>
+          </p:sp>
+        </mc:Fallback>
+      </mc:AlternateContent>
     </p:spTree>
     <p:extLst>
       <p:ext uri="{BB962C8B-B14F-4D97-AF65-F5344CB8AC3E}">
@@ -34949,10 +35217,17 @@
   <p:clrMapOvr>
     <a:masterClrMapping/>
   </p:clrMapOvr>
+  <p:timing>
+    <p:tnLst>
+      <p:par>
+        <p:cTn id="1" dur="indefinite" restart="never" nodeType="tmRoot"/>
+      </p:par>
+    </p:tnLst>
+  </p:timing>
 </p:sld>
 </file>
 
-<file path=ppt/slides/slide27.xml><?xml version="1.0" encoding="utf-8"?>
+<file path=ppt/slides/slide26.xml><?xml version="1.0" encoding="utf-8"?>
 <p:sld xmlns:a="http://schemas.openxmlformats.org/drawingml/2006/main" xmlns:r="http://schemas.openxmlformats.org/officeDocument/2006/relationships" xmlns:p="http://schemas.openxmlformats.org/presentationml/2006/main">
   <p:cSld>
     <p:spTree>
@@ -34991,16 +35266,30 @@
               <a:bodyPr/>
               <a:lstStyle/>
               <a:p>
+                <a:r>
+                  <a:rPr lang="en-US" sz="2000" dirty="0"/>
+                  <a:t>Cross entropy cost </a:t>
+                </a:r>
+                <a:r>
+                  <a:rPr lang="en-US" sz="2000" dirty="0" smtClean="0"/>
+                  <a:t>function</a:t>
+                </a:r>
+                <a:endParaRPr lang="en-US" sz="2000" i="1" dirty="0" smtClean="0">
+                  <a:latin typeface="Cambria Math" charset="0"/>
+                </a:endParaRPr>
+              </a:p>
+              <a:p>
+                <a:pPr lvl="1"/>
                 <a14:m>
                   <m:oMath xmlns:m="http://schemas.openxmlformats.org/officeDocument/2006/math">
                     <m:r>
-                      <a:rPr lang="en-US" i="1">
+                      <a:rPr lang="en-US" sz="2000" i="1">
                         <a:latin typeface="Cambria Math" charset="0"/>
                       </a:rPr>
                       <m:t>𝐶</m:t>
                     </m:r>
                     <m:r>
-                      <a:rPr lang="en-US" i="1">
+                      <a:rPr lang="en-US" sz="2000" i="1">
                         <a:latin typeface="Cambria Math" charset="0"/>
                       </a:rPr>
                       <m:t>=−</m:t>
@@ -35009,8 +35298,8 @@
                       <m:naryPr>
                         <m:chr m:val="∑"/>
                         <m:ctrlPr>
-                          <a:rPr lang="is-IS" i="1">
-                            <a:latin typeface="Cambria Math" panose="02040503050406030204" pitchFamily="18" charset="0"/>
+                          <a:rPr lang="is-IS" sz="2000" i="1">
+                            <a:latin typeface="Cambria Math" charset="0"/>
                           </a:rPr>
                         </m:ctrlPr>
                       </m:naryPr>
@@ -35019,7 +35308,7 @@
                           <m:rPr>
                             <m:brk m:alnAt="23"/>
                           </m:rPr>
-                          <a:rPr lang="en-US" i="1">
+                          <a:rPr lang="en-US" sz="2000" i="1">
                             <a:latin typeface="Cambria Math" charset="0"/>
                           </a:rPr>
                           <m:t>𝑗</m:t>
@@ -35027,7 +35316,7 @@
                       </m:sub>
                       <m:sup>
                         <m:r>
-                          <a:rPr lang="en-US" i="1">
+                          <a:rPr lang="en-US" sz="2000" i="1">
                             <a:latin typeface="Cambria Math" charset="0"/>
                           </a:rPr>
                           <m:t> </m:t>
@@ -35037,14 +35326,14 @@
                         <m:sSub>
                           <m:sSubPr>
                             <m:ctrlPr>
-                              <a:rPr lang="en-US" i="1">
-                                <a:latin typeface="Cambria Math" panose="02040503050406030204" pitchFamily="18" charset="0"/>
+                              <a:rPr lang="en-US" sz="2000" i="1">
+                                <a:latin typeface="Cambria Math" charset="0"/>
                               </a:rPr>
                             </m:ctrlPr>
                           </m:sSubPr>
                           <m:e>
                             <m:r>
-                              <a:rPr lang="en-US" i="1">
+                              <a:rPr lang="en-US" sz="2000" i="1">
                                 <a:latin typeface="Cambria Math" charset="0"/>
                               </a:rPr>
                               <m:t>𝑡</m:t>
@@ -35052,7 +35341,7 @@
                           </m:e>
                           <m:sub>
                             <m:r>
-                              <a:rPr lang="en-US" i="1">
+                              <a:rPr lang="en-US" sz="2000" i="1">
                                 <a:latin typeface="Cambria Math" charset="0"/>
                               </a:rPr>
                               <m:t>𝑗</m:t>
@@ -35064,8 +35353,8 @@
                     <m:func>
                       <m:funcPr>
                         <m:ctrlPr>
-                          <a:rPr lang="mr-IN" i="1">
-                            <a:latin typeface="Cambria Math" panose="02040503050406030204" pitchFamily="18" charset="0"/>
+                          <a:rPr lang="mr-IN" sz="2000" i="1">
+                            <a:latin typeface="Cambria Math" charset="0"/>
                           </a:rPr>
                         </m:ctrlPr>
                       </m:funcPr>
@@ -35073,8 +35362,8 @@
                         <m:sSub>
                           <m:sSubPr>
                             <m:ctrlPr>
-                              <a:rPr lang="mr-IN" i="1">
-                                <a:latin typeface="Cambria Math" panose="02040503050406030204" pitchFamily="18" charset="0"/>
+                              <a:rPr lang="mr-IN" sz="2000" i="1">
+                                <a:latin typeface="Cambria Math" charset="0"/>
                               </a:rPr>
                             </m:ctrlPr>
                           </m:sSubPr>
@@ -35083,7 +35372,7 @@
                               <m:rPr>
                                 <m:sty m:val="p"/>
                               </m:rPr>
-                              <a:rPr lang="mr-IN">
+                              <a:rPr lang="mr-IN" sz="2000">
                                 <a:latin typeface="Cambria Math" charset="0"/>
                               </a:rPr>
                               <m:t>log</m:t>
@@ -35091,7 +35380,7 @@
                           </m:e>
                           <m:sub>
                             <m:r>
-                              <a:rPr lang="en-US" i="1">
+                              <a:rPr lang="en-US" sz="2000" i="1">
                                 <a:latin typeface="Cambria Math" charset="0"/>
                               </a:rPr>
                               <m:t> </m:t>
@@ -35103,14 +35392,14 @@
                         <m:sSub>
                           <m:sSubPr>
                             <m:ctrlPr>
-                              <a:rPr lang="en-US" i="1">
-                                <a:latin typeface="Cambria Math" panose="02040503050406030204" pitchFamily="18" charset="0"/>
+                              <a:rPr lang="en-US" sz="2000" i="1">
+                                <a:latin typeface="Cambria Math" charset="0"/>
                               </a:rPr>
                             </m:ctrlPr>
                           </m:sSubPr>
                           <m:e>
                             <m:r>
-                              <a:rPr lang="en-US" i="1">
+                              <a:rPr lang="en-US" sz="2000" i="1">
                                 <a:latin typeface="Cambria Math" charset="0"/>
                               </a:rPr>
                               <m:t>𝑌</m:t>
@@ -35118,13 +35407,13 @@
                           </m:e>
                           <m:sub>
                             <m:r>
-                              <a:rPr lang="en-US" i="1">
+                              <a:rPr lang="en-US" sz="2000" i="1">
                                 <a:latin typeface="Cambria Math" charset="0"/>
                               </a:rPr>
                               <m:t>𝑗</m:t>
                             </m:r>
                             <m:r>
-                              <a:rPr lang="en-US" i="1">
+                              <a:rPr lang="en-US" sz="2000" i="1">
                                 <a:latin typeface="Cambria Math" charset="0"/>
                               </a:rPr>
                               <m:t> </m:t>
@@ -35135,20 +35424,185 @@
                     </m:func>
                   </m:oMath>
                 </a14:m>
-                <a:endParaRPr lang="en-US" dirty="0"/>
+                <a:r>
+                  <a:rPr lang="en-US" sz="2000" dirty="0" smtClean="0"/>
+                  <a:t> </a:t>
+                </a:r>
+                <a:endParaRPr lang="en-US" sz="2000" dirty="0"/>
+              </a:p>
+              <a:p>
+                <a:pPr lvl="2"/>
+                <a:r>
+                  <a:rPr lang="en-GB" sz="1800" dirty="0" smtClean="0"/>
+                  <a:t>Negative </a:t>
+                </a:r>
+                <a:r>
+                  <a:rPr lang="en-GB" sz="1800" dirty="0"/>
+                  <a:t>log probability of correct answer</a:t>
+                </a:r>
               </a:p>
               <a:p>
                 <a:pPr lvl="1"/>
                 <a:r>
-                  <a:rPr lang="en-GB" dirty="0"/>
-                  <a:t>Negative log probability of correct answer</a:t>
+                  <a:rPr lang="en-GB" sz="2000" dirty="0"/>
+                  <a:t>Maximise the log probability of getting answer </a:t>
+                </a:r>
+                <a:r>
+                  <a:rPr lang="en-GB" sz="2000" dirty="0" smtClean="0"/>
+                  <a:t>right</a:t>
                 </a:r>
               </a:p>
               <a:p>
+                <a:pPr lvl="1"/>
                 <a:r>
-                  <a:rPr lang="en-GB" dirty="0"/>
-                  <a:t>Maximise the log probability of getting answer right</a:t>
+                  <a:rPr lang="en-GB" sz="2000" dirty="0" smtClean="0"/>
+                  <a:t>Very big gradient when O/P is 1 and target is 0</a:t>
                 </a:r>
+              </a:p>
+              <a:p>
+                <a14:m>
+                  <m:oMath xmlns:m="http://schemas.openxmlformats.org/officeDocument/2006/math">
+                    <m:f>
+                      <m:fPr>
+                        <m:ctrlPr>
+                          <a:rPr lang="mr-IN" sz="1800" i="1">
+                            <a:latin typeface="Cambria Math" charset="0"/>
+                          </a:rPr>
+                        </m:ctrlPr>
+                      </m:fPr>
+                      <m:num>
+                        <m:r>
+                          <a:rPr lang="mr-IN" sz="1800" i="1">
+                            <a:latin typeface="Cambria Math" charset="0"/>
+                          </a:rPr>
+                          <m:t>𝛿</m:t>
+                        </m:r>
+                        <m:r>
+                          <a:rPr lang="en-US" sz="1800" i="1">
+                            <a:latin typeface="Cambria Math" charset="0"/>
+                          </a:rPr>
+                          <m:t>𝐶</m:t>
+                        </m:r>
+                      </m:num>
+                      <m:den>
+                        <m:r>
+                          <a:rPr lang="mr-IN" sz="1800" i="1">
+                            <a:latin typeface="Cambria Math" charset="0"/>
+                          </a:rPr>
+                          <m:t>𝛿</m:t>
+                        </m:r>
+                        <m:sSub>
+                          <m:sSubPr>
+                            <m:ctrlPr>
+                              <a:rPr lang="en-US" sz="1800" i="1">
+                                <a:latin typeface="Cambria Math" charset="0"/>
+                              </a:rPr>
+                            </m:ctrlPr>
+                          </m:sSubPr>
+                          <m:e>
+                            <m:r>
+                              <a:rPr lang="en-US" sz="1800" i="1">
+                                <a:latin typeface="Cambria Math" charset="0"/>
+                              </a:rPr>
+                              <m:t>𝑍</m:t>
+                            </m:r>
+                          </m:e>
+                          <m:sub>
+                            <m:r>
+                              <a:rPr lang="en-US" sz="1800" i="1">
+                                <a:latin typeface="Cambria Math" charset="0"/>
+                              </a:rPr>
+                              <m:t>𝑖</m:t>
+                            </m:r>
+                          </m:sub>
+                        </m:sSub>
+                      </m:den>
+                    </m:f>
+                    <m:r>
+                      <a:rPr lang="en-US" sz="1800" i="1">
+                        <a:latin typeface="Cambria Math" charset="0"/>
+                      </a:rPr>
+                      <m:t>= </m:t>
+                    </m:r>
+                    <m:sSub>
+                      <m:sSubPr>
+                        <m:ctrlPr>
+                          <a:rPr lang="en-US" sz="1800" i="1">
+                            <a:latin typeface="Cambria Math" charset="0"/>
+                          </a:rPr>
+                        </m:ctrlPr>
+                      </m:sSubPr>
+                      <m:e>
+                        <m:r>
+                          <a:rPr lang="en-US" sz="1800" i="1">
+                            <a:latin typeface="Cambria Math" charset="0"/>
+                          </a:rPr>
+                          <m:t>𝑌</m:t>
+                        </m:r>
+                      </m:e>
+                      <m:sub>
+                        <m:r>
+                          <a:rPr lang="en-US" sz="1800" i="1">
+                            <a:latin typeface="Cambria Math" charset="0"/>
+                          </a:rPr>
+                          <m:t>𝑖</m:t>
+                        </m:r>
+                      </m:sub>
+                    </m:sSub>
+                    <m:sSub>
+                      <m:sSubPr>
+                        <m:ctrlPr>
+                          <a:rPr lang="en-US" sz="1800" i="1">
+                            <a:latin typeface="Cambria Math" charset="0"/>
+                          </a:rPr>
+                        </m:ctrlPr>
+                      </m:sSubPr>
+                      <m:e>
+                        <m:r>
+                          <a:rPr lang="en-US" sz="1800" i="1">
+                            <a:latin typeface="Cambria Math" charset="0"/>
+                          </a:rPr>
+                          <m:t> −</m:t>
+                        </m:r>
+                        <m:r>
+                          <a:rPr lang="en-US" sz="1800" i="1">
+                            <a:latin typeface="Cambria Math" charset="0"/>
+                          </a:rPr>
+                          <m:t>𝑇</m:t>
+                        </m:r>
+                      </m:e>
+                      <m:sub>
+                        <m:r>
+                          <a:rPr lang="en-US" sz="1800" i="1">
+                            <a:latin typeface="Cambria Math" charset="0"/>
+                          </a:rPr>
+                          <m:t>𝑖</m:t>
+                        </m:r>
+                      </m:sub>
+                    </m:sSub>
+                  </m:oMath>
+                </a14:m>
+                <a:endParaRPr lang="en-US" sz="1800" dirty="0"/>
+              </a:p>
+              <a:p>
+                <a:pPr lvl="1"/>
+                <a:r>
+                  <a:rPr lang="en-GB" sz="1600" dirty="0"/>
+                  <a:t>Slope is -1 when target values and actual value is opposite</a:t>
+                </a:r>
+                <a:endParaRPr lang="en-GB" sz="1600" dirty="0"/>
+              </a:p>
+              <a:p>
+                <a:pPr lvl="1"/>
+                <a:endParaRPr lang="en-GB" sz="2000" dirty="0" smtClean="0"/>
+              </a:p>
+              <a:p>
+                <a:pPr lvl="1"/>
+                <a:endParaRPr lang="en-GB" dirty="0" smtClean="0"/>
+              </a:p>
+              <a:p>
+                <a:pPr lvl="2"/>
+                <a:endParaRPr lang="en-GB" dirty="0"/>
               </a:p>
             </p:txBody>
           </p:sp>
@@ -35169,10 +35623,10 @@
                 <a:off x="479426" y="1283494"/>
                 <a:ext cx="7923213" cy="2800424"/>
               </a:xfrm>
-              <a:blipFill>
+              <a:blipFill rotWithShape="0">
                 <a:blip r:embed="rId3"/>
                 <a:stretch>
-                  <a:fillRect l="-1694"/>
+                  <a:fillRect l="-847" t="-3922" b="-1961"/>
                 </a:stretch>
               </a:blipFill>
             </p:spPr>
@@ -35181,7 +35635,7 @@
               <a:lstStyle/>
               <a:p>
                 <a:r>
-                  <a:rPr lang="de-DE">
+                  <a:rPr lang="en-GB">
                     <a:noFill/>
                   </a:rPr>
                   <a:t> </a:t>
@@ -36258,10 +36712,17 @@
   <p:clrMapOvr>
     <a:masterClrMapping/>
   </p:clrMapOvr>
+  <p:timing>
+    <p:tnLst>
+      <p:par>
+        <p:cTn id="1" dur="indefinite" restart="never" nodeType="tmRoot"/>
+      </p:par>
+    </p:tnLst>
+  </p:timing>
 </p:sld>
 </file>
 
-<file path=ppt/slides/slide28.xml><?xml version="1.0" encoding="utf-8"?>
+<file path=ppt/slides/slide27.xml><?xml version="1.0" encoding="utf-8"?>
 <p:sld xmlns:a="http://schemas.openxmlformats.org/drawingml/2006/main" xmlns:r="http://schemas.openxmlformats.org/officeDocument/2006/relationships" xmlns:p="http://schemas.openxmlformats.org/presentationml/2006/main">
   <p:cSld>
     <p:spTree>
@@ -36329,10 +36790,17 @@
   <p:clrMapOvr>
     <a:masterClrMapping/>
   </p:clrMapOvr>
+  <p:timing>
+    <p:tnLst>
+      <p:par>
+        <p:cTn id="1" dur="indefinite" restart="never" nodeType="tmRoot"/>
+      </p:par>
+    </p:tnLst>
+  </p:timing>
 </p:sld>
 </file>
 
-<file path=ppt/slides/slide29.xml><?xml version="1.0" encoding="utf-8"?>
+<file path=ppt/slides/slide28.xml><?xml version="1.0" encoding="utf-8"?>
 <p:sld xmlns:a="http://schemas.openxmlformats.org/drawingml/2006/main" xmlns:r="http://schemas.openxmlformats.org/officeDocument/2006/relationships" xmlns:p="http://schemas.openxmlformats.org/presentationml/2006/main">
   <p:cSld>
     <p:spTree>
@@ -36435,6 +36903,141 @@
   <p:clrMapOvr>
     <a:masterClrMapping/>
   </p:clrMapOvr>
+  <p:timing>
+    <p:tnLst>
+      <p:par>
+        <p:cTn id="1" dur="indefinite" restart="never" nodeType="tmRoot"/>
+      </p:par>
+    </p:tnLst>
+  </p:timing>
+</p:sld>
+</file>
+
+<file path=ppt/slides/slide29.xml><?xml version="1.0" encoding="utf-8"?>
+<p:sld xmlns:a="http://schemas.openxmlformats.org/drawingml/2006/main" xmlns:r="http://schemas.openxmlformats.org/officeDocument/2006/relationships" xmlns:p="http://schemas.openxmlformats.org/presentationml/2006/main">
+  <p:cSld>
+    <p:spTree>
+      <p:nvGrpSpPr>
+        <p:cNvPr id="1" name=""/>
+        <p:cNvGrpSpPr/>
+        <p:nvPr/>
+      </p:nvGrpSpPr>
+      <p:grpSpPr>
+        <a:xfrm>
+          <a:off x="0" y="0"/>
+          <a:ext cx="0" cy="0"/>
+          <a:chOff x="0" y="0"/>
+          <a:chExt cx="0" cy="0"/>
+        </a:xfrm>
+      </p:grpSpPr>
+      <p:sp>
+        <p:nvSpPr>
+          <p:cNvPr id="2" name="Content Placeholder 1"/>
+          <p:cNvSpPr>
+            <a:spLocks noGrp="1"/>
+          </p:cNvSpPr>
+          <p:nvPr>
+            <p:ph idx="1"/>
+          </p:nvPr>
+        </p:nvSpPr>
+        <p:spPr>
+          <a:xfrm>
+            <a:off x="482600" y="1419622"/>
+            <a:ext cx="8049840" cy="3232472"/>
+          </a:xfrm>
+        </p:spPr>
+        <p:txBody>
+          <a:bodyPr/>
+          <a:lstStyle/>
+          <a:p>
+            <a:r>
+              <a:rPr lang="en-US" sz="2000" dirty="0"/>
+              <a:t>Learning rate decay means the learning rate decreases over time</a:t>
+            </a:r>
+          </a:p>
+          <a:p>
+            <a:pPr lvl="1"/>
+            <a:r>
+              <a:rPr lang="en-US" sz="2000" dirty="0"/>
+              <a:t>higher learning rate is well suited to get close to the global minimum</a:t>
+            </a:r>
+          </a:p>
+          <a:p>
+            <a:pPr lvl="1"/>
+            <a:r>
+              <a:rPr lang="en-US" sz="2000" dirty="0"/>
+              <a:t>small learning rate is better at fine tuning the global minimum</a:t>
+            </a:r>
+          </a:p>
+          <a:p>
+            <a:r>
+              <a:rPr lang="en-US" sz="2000" dirty="0"/>
+              <a:t>Several way</a:t>
+            </a:r>
+          </a:p>
+          <a:p>
+            <a:pPr lvl="1"/>
+            <a:r>
+              <a:rPr lang="en-US" sz="2000" dirty="0"/>
+              <a:t>Exponential decay, reduction by factor of </a:t>
+            </a:r>
+            <a:r>
+              <a:rPr lang="en-US" sz="2000" i="1" dirty="0"/>
+              <a:t>n </a:t>
+            </a:r>
+          </a:p>
+          <a:p>
+            <a:pPr lvl="1"/>
+            <a:r>
+              <a:rPr lang="en-US" sz="2000" dirty="0" smtClean="0"/>
+              <a:t>Function </a:t>
+            </a:r>
+            <a:r>
+              <a:rPr lang="en-US" sz="2000" dirty="0"/>
+              <a:t>to decrease the learning rate by 4%</a:t>
+            </a:r>
+          </a:p>
+        </p:txBody>
+      </p:sp>
+      <p:sp>
+        <p:nvSpPr>
+          <p:cNvPr id="3" name="Title 2"/>
+          <p:cNvSpPr>
+            <a:spLocks noGrp="1"/>
+          </p:cNvSpPr>
+          <p:nvPr>
+            <p:ph type="title"/>
+          </p:nvPr>
+        </p:nvSpPr>
+        <p:spPr/>
+        <p:txBody>
+          <a:bodyPr/>
+          <a:lstStyle/>
+          <a:p>
+            <a:r>
+              <a:rPr lang="en-GB" dirty="0"/>
+              <a:t>Learning Rate decay</a:t>
+            </a:r>
+          </a:p>
+        </p:txBody>
+      </p:sp>
+    </p:spTree>
+    <p:extLst>
+      <p:ext uri="{BB962C8B-B14F-4D97-AF65-F5344CB8AC3E}">
+        <p14:creationId xmlns:p14="http://schemas.microsoft.com/office/powerpoint/2010/main" val="1460162361"/>
+      </p:ext>
+    </p:extLst>
+  </p:cSld>
+  <p:clrMapOvr>
+    <a:masterClrMapping/>
+  </p:clrMapOvr>
+  <p:timing>
+    <p:tnLst>
+      <p:par>
+        <p:cTn id="1" dur="indefinite" restart="never" nodeType="tmRoot"/>
+      </p:par>
+    </p:tnLst>
+  </p:timing>
 </p:sld>
 </file>
 
@@ -36514,127 +37117,6 @@
 </file>
 
 <file path=ppt/slides/slide30.xml><?xml version="1.0" encoding="utf-8"?>
-<p:sld xmlns:a="http://schemas.openxmlformats.org/drawingml/2006/main" xmlns:r="http://schemas.openxmlformats.org/officeDocument/2006/relationships" xmlns:p="http://schemas.openxmlformats.org/presentationml/2006/main">
-  <p:cSld>
-    <p:spTree>
-      <p:nvGrpSpPr>
-        <p:cNvPr id="1" name=""/>
-        <p:cNvGrpSpPr/>
-        <p:nvPr/>
-      </p:nvGrpSpPr>
-      <p:grpSpPr>
-        <a:xfrm>
-          <a:off x="0" y="0"/>
-          <a:ext cx="0" cy="0"/>
-          <a:chOff x="0" y="0"/>
-          <a:chExt cx="0" cy="0"/>
-        </a:xfrm>
-      </p:grpSpPr>
-      <p:sp>
-        <p:nvSpPr>
-          <p:cNvPr id="2" name="Content Placeholder 1"/>
-          <p:cNvSpPr>
-            <a:spLocks noGrp="1"/>
-          </p:cNvSpPr>
-          <p:nvPr>
-            <p:ph idx="1"/>
-          </p:nvPr>
-        </p:nvSpPr>
-        <p:spPr>
-          <a:xfrm>
-            <a:off x="482600" y="1419622"/>
-            <a:ext cx="8049840" cy="3232472"/>
-          </a:xfrm>
-        </p:spPr>
-        <p:txBody>
-          <a:bodyPr/>
-          <a:lstStyle/>
-          <a:p>
-            <a:r>
-              <a:rPr lang="en-US" sz="2000" dirty="0"/>
-              <a:t>Learning rate decay means the learning rate decreases over time</a:t>
-            </a:r>
-          </a:p>
-          <a:p>
-            <a:pPr lvl="1"/>
-            <a:r>
-              <a:rPr lang="en-US" sz="2000" dirty="0"/>
-              <a:t>higher learning rate is well suited to get close to the global minimum</a:t>
-            </a:r>
-          </a:p>
-          <a:p>
-            <a:pPr lvl="1"/>
-            <a:r>
-              <a:rPr lang="en-US" sz="2000" dirty="0"/>
-              <a:t>small learning rate is better at fine tuning the global minimum</a:t>
-            </a:r>
-          </a:p>
-          <a:p>
-            <a:r>
-              <a:rPr lang="en-US" sz="2000" dirty="0"/>
-              <a:t>Several way</a:t>
-            </a:r>
-          </a:p>
-          <a:p>
-            <a:pPr lvl="1"/>
-            <a:r>
-              <a:rPr lang="en-US" sz="2000" dirty="0"/>
-              <a:t>Exponential decay, reduction by factor of </a:t>
-            </a:r>
-            <a:r>
-              <a:rPr lang="en-US" sz="2000" i="1" dirty="0"/>
-              <a:t>n </a:t>
-            </a:r>
-          </a:p>
-          <a:p>
-            <a:pPr lvl="1"/>
-            <a:r>
-              <a:rPr lang="en-US" sz="2000" dirty="0" err="1"/>
-              <a:t>GoogleNet</a:t>
-            </a:r>
-            <a:r>
-              <a:rPr lang="en-US" sz="2000" dirty="0"/>
-              <a:t>: Function to decrease the learning rate by 4%</a:t>
-            </a:r>
-          </a:p>
-        </p:txBody>
-      </p:sp>
-      <p:sp>
-        <p:nvSpPr>
-          <p:cNvPr id="3" name="Title 2"/>
-          <p:cNvSpPr>
-            <a:spLocks noGrp="1"/>
-          </p:cNvSpPr>
-          <p:nvPr>
-            <p:ph type="title"/>
-          </p:nvPr>
-        </p:nvSpPr>
-        <p:spPr/>
-        <p:txBody>
-          <a:bodyPr/>
-          <a:lstStyle/>
-          <a:p>
-            <a:r>
-              <a:rPr lang="en-GB" dirty="0"/>
-              <a:t>Learning Rate decay</a:t>
-            </a:r>
-          </a:p>
-        </p:txBody>
-      </p:sp>
-    </p:spTree>
-    <p:extLst>
-      <p:ext uri="{BB962C8B-B14F-4D97-AF65-F5344CB8AC3E}">
-        <p14:creationId xmlns:p14="http://schemas.microsoft.com/office/powerpoint/2010/main" val="1460162361"/>
-      </p:ext>
-    </p:extLst>
-  </p:cSld>
-  <p:clrMapOvr>
-    <a:masterClrMapping/>
-  </p:clrMapOvr>
-</p:sld>
-</file>
-
-<file path=ppt/slides/slide31.xml><?xml version="1.0" encoding="utf-8"?>
 <p:sld xmlns:a="http://schemas.openxmlformats.org/drawingml/2006/main" xmlns:r="http://schemas.openxmlformats.org/officeDocument/2006/relationships" xmlns:p="http://schemas.openxmlformats.org/presentationml/2006/main">
   <p:cSld>
     <p:spTree>
@@ -40467,10 +40949,17 @@
   <p:clrMapOvr>
     <a:masterClrMapping/>
   </p:clrMapOvr>
+  <p:timing>
+    <p:tnLst>
+      <p:par>
+        <p:cTn id="1" dur="indefinite" restart="never" nodeType="tmRoot"/>
+      </p:par>
+    </p:tnLst>
+  </p:timing>
 </p:sld>
 </file>
 
-<file path=ppt/slides/slide32.xml><?xml version="1.0" encoding="utf-8"?>
+<file path=ppt/slides/slide31.xml><?xml version="1.0" encoding="utf-8"?>
 <p:sld xmlns:a="http://schemas.openxmlformats.org/drawingml/2006/main" xmlns:r="http://schemas.openxmlformats.org/officeDocument/2006/relationships" xmlns:p="http://schemas.openxmlformats.org/presentationml/2006/main">
   <p:cSld>
     <p:spTree>
@@ -40584,8 +41073,8 @@
           </p:sp>
         </mc:Fallback>
       </mc:AlternateContent>
-      <mc:AlternateContent xmlns:mc="http://schemas.openxmlformats.org/markup-compatibility/2006">
-        <mc:Choice xmlns:a14="http://schemas.microsoft.com/office/drawing/2010/main" Requires="a14">
+      <mc:AlternateContent xmlns:mc="http://schemas.openxmlformats.org/markup-compatibility/2006" xmlns:a14="http://schemas.microsoft.com/office/drawing/2010/main">
+        <mc:Choice Requires="a14">
           <p:sp>
             <p:nvSpPr>
               <p:cNvPr id="23" name="Content Placeholder 22"/>
@@ -40636,7 +41125,7 @@
                       <m:fPr>
                         <m:ctrlPr>
                           <a:rPr lang="mr-IN" sz="2400" b="0" i="1" smtClean="0">
-                            <a:latin typeface="Cambria Math" panose="02040503050406030204" pitchFamily="18" charset="0"/>
+                            <a:latin typeface="Cambria Math" charset="0"/>
                           </a:rPr>
                         </m:ctrlPr>
                       </m:fPr>
@@ -40665,7 +41154,7 @@
                         <m:supHide m:val="on"/>
                         <m:ctrlPr>
                           <a:rPr lang="en-US" sz="2400" b="0" i="1" smtClean="0">
-                            <a:latin typeface="Cambria Math" panose="02040503050406030204" pitchFamily="18" charset="0"/>
+                            <a:latin typeface="Cambria Math" charset="0"/>
                           </a:rPr>
                         </m:ctrlPr>
                       </m:naryPr>
@@ -40692,7 +41181,7 @@
                           <m:sSubSupPr>
                             <m:ctrlPr>
                               <a:rPr lang="en-US" sz="2400" b="0" i="1" smtClean="0">
-                                <a:latin typeface="Cambria Math" panose="02040503050406030204" pitchFamily="18" charset="0"/>
+                                <a:latin typeface="Cambria Math" charset="0"/>
                               </a:rPr>
                             </m:ctrlPr>
                           </m:sSubSupPr>
@@ -40734,7 +41223,7 @@
                       <m:fPr>
                         <m:ctrlPr>
                           <a:rPr lang="mr-IN" sz="2400" i="1" smtClean="0">
-                            <a:latin typeface="Cambria Math" panose="02040503050406030204" pitchFamily="18" charset="0"/>
+                            <a:latin typeface="Cambria Math" charset="0"/>
                           </a:rPr>
                         </m:ctrlPr>
                       </m:fPr>
@@ -40763,7 +41252,7 @@
                           <m:sSubPr>
                             <m:ctrlPr>
                               <a:rPr lang="en-US" sz="2400" i="1" smtClean="0">
-                                <a:latin typeface="Cambria Math" panose="02040503050406030204" pitchFamily="18" charset="0"/>
+                                <a:latin typeface="Cambria Math" charset="0"/>
                               </a:rPr>
                             </m:ctrlPr>
                           </m:sSubPr>
@@ -40796,7 +41285,7 @@
                       <m:fPr>
                         <m:ctrlPr>
                           <a:rPr lang="mr-IN" sz="2400" i="1">
-                            <a:latin typeface="Cambria Math" panose="02040503050406030204" pitchFamily="18" charset="0"/>
+                            <a:latin typeface="Cambria Math" charset="0"/>
                           </a:rPr>
                         </m:ctrlPr>
                       </m:fPr>
@@ -40825,7 +41314,7 @@
                           <m:sSubPr>
                             <m:ctrlPr>
                               <a:rPr lang="en-US" sz="2400" i="1">
-                                <a:latin typeface="Cambria Math" panose="02040503050406030204" pitchFamily="18" charset="0"/>
+                                <a:latin typeface="Cambria Math" charset="0"/>
                               </a:rPr>
                             </m:ctrlPr>
                           </m:sSubPr>
@@ -40866,7 +41355,7 @@
                       <m:sSubPr>
                         <m:ctrlPr>
                           <a:rPr lang="en-US" sz="2400" i="1" smtClean="0">
-                            <a:latin typeface="Cambria Math" panose="02040503050406030204" pitchFamily="18" charset="0"/>
+                            <a:latin typeface="Cambria Math" charset="0"/>
                             <a:ea typeface="Cambria Math" charset="0"/>
                             <a:cs typeface="Cambria Math" charset="0"/>
                           </a:rPr>
@@ -40908,7 +41397,7 @@
                       <m:fPr>
                         <m:ctrlPr>
                           <a:rPr lang="mr-IN" sz="2400" i="1">
-                            <a:latin typeface="Cambria Math" panose="02040503050406030204" pitchFamily="18" charset="0"/>
+                            <a:latin typeface="Cambria Math" charset="0"/>
                           </a:rPr>
                         </m:ctrlPr>
                       </m:fPr>
@@ -40937,7 +41426,7 @@
                           <m:sSubPr>
                             <m:ctrlPr>
                               <a:rPr lang="en-US" sz="2400" i="1">
-                                <a:latin typeface="Cambria Math" panose="02040503050406030204" pitchFamily="18" charset="0"/>
+                                <a:latin typeface="Cambria Math" charset="0"/>
                               </a:rPr>
                             </m:ctrlPr>
                           </m:sSubPr>
@@ -40986,7 +41475,7 @@
                       <m:sSubPr>
                         <m:ctrlPr>
                           <a:rPr lang="en-US" sz="2000" i="1">
-                            <a:latin typeface="Cambria Math" panose="02040503050406030204" pitchFamily="18" charset="0"/>
+                            <a:latin typeface="Cambria Math" charset="0"/>
                             <a:ea typeface="Cambria Math" charset="0"/>
                             <a:cs typeface="Cambria Math" charset="0"/>
                           </a:rPr>
@@ -41031,7 +41520,7 @@
                       <m:fPr>
                         <m:ctrlPr>
                           <a:rPr lang="mr-IN" sz="2000" i="1">
-                            <a:latin typeface="Cambria Math" panose="02040503050406030204" pitchFamily="18" charset="0"/>
+                            <a:latin typeface="Cambria Math" charset="0"/>
                           </a:rPr>
                         </m:ctrlPr>
                       </m:fPr>
@@ -41066,7 +41555,7 @@
                       <m:fPr>
                         <m:ctrlPr>
                           <a:rPr lang="mr-IN" sz="2000" i="1">
-                            <a:latin typeface="Cambria Math" panose="02040503050406030204" pitchFamily="18" charset="0"/>
+                            <a:latin typeface="Cambria Math" charset="0"/>
                           </a:rPr>
                         </m:ctrlPr>
                       </m:fPr>
@@ -41095,7 +41584,7 @@
                           <m:sSubPr>
                             <m:ctrlPr>
                               <a:rPr lang="en-US" sz="2000" i="1">
-                                <a:latin typeface="Cambria Math" panose="02040503050406030204" pitchFamily="18" charset="0"/>
+                                <a:latin typeface="Cambria Math" charset="0"/>
                               </a:rPr>
                             </m:ctrlPr>
                           </m:sSubPr>
@@ -41138,7 +41627,7 @@
                       <m:fPr>
                         <m:ctrlPr>
                           <a:rPr lang="mr-IN" sz="2000" i="1">
-                            <a:latin typeface="Cambria Math" panose="02040503050406030204" pitchFamily="18" charset="0"/>
+                            <a:latin typeface="Cambria Math" charset="0"/>
                           </a:rPr>
                         </m:ctrlPr>
                       </m:fPr>
@@ -41167,7 +41656,7 @@
                           <m:sSubPr>
                             <m:ctrlPr>
                               <a:rPr lang="en-US" sz="2000" i="1">
-                                <a:latin typeface="Cambria Math" panose="02040503050406030204" pitchFamily="18" charset="0"/>
+                                <a:latin typeface="Cambria Math" charset="0"/>
                               </a:rPr>
                             </m:ctrlPr>
                           </m:sSubPr>
@@ -41200,7 +41689,7 @@
             </p:txBody>
           </p:sp>
         </mc:Choice>
-        <mc:Fallback>
+        <mc:Fallback xmlns="">
           <p:sp>
             <p:nvSpPr>
               <p:cNvPr id="23" name="Content Placeholder 22"/>
@@ -41358,10 +41847,17 @@
   <p:clrMapOvr>
     <a:masterClrMapping/>
   </p:clrMapOvr>
+  <p:timing>
+    <p:tnLst>
+      <p:par>
+        <p:cTn id="1" dur="indefinite" restart="never" nodeType="tmRoot"/>
+      </p:par>
+    </p:tnLst>
+  </p:timing>
 </p:sld>
 </file>
 
-<file path=ppt/slides/slide33.xml><?xml version="1.0" encoding="utf-8"?>
+<file path=ppt/slides/slide32.xml><?xml version="1.0" encoding="utf-8"?>
 <p:sld xmlns:a="http://schemas.openxmlformats.org/drawingml/2006/main" xmlns:r="http://schemas.openxmlformats.org/officeDocument/2006/relationships" xmlns:p="http://schemas.openxmlformats.org/presentationml/2006/main">
   <p:cSld>
     <p:spTree>
@@ -41647,8 +42143,8 @@
           </a:p>
         </p:txBody>
       </p:sp>
-      <mc:AlternateContent xmlns:mc="http://schemas.openxmlformats.org/markup-compatibility/2006">
-        <mc:Choice xmlns:a14="http://schemas.microsoft.com/office/drawing/2010/main" Requires="a14">
+      <mc:AlternateContent xmlns:mc="http://schemas.openxmlformats.org/markup-compatibility/2006" xmlns:a14="http://schemas.microsoft.com/office/drawing/2010/main">
+        <mc:Choice Requires="a14">
           <p:sp>
             <p:nvSpPr>
               <p:cNvPr id="20" name="TextBox 19"/>
@@ -41685,7 +42181,7 @@
                               <a:solidFill>
                                 <a:schemeClr val="tx1"/>
                               </a:solidFill>
-                              <a:latin typeface="Cambria Math" panose="02040503050406030204" pitchFamily="18" charset="0"/>
+                              <a:latin typeface="Cambria Math" charset="0"/>
                             </a:rPr>
                           </m:ctrlPr>
                         </m:fPr>
@@ -41724,7 +42220,7 @@
             </p:txBody>
           </p:sp>
         </mc:Choice>
-        <mc:Fallback>
+        <mc:Fallback xmlns="">
           <p:sp>
             <p:nvSpPr>
               <p:cNvPr id="20" name="TextBox 19"/>
@@ -41763,8 +42259,8 @@
           </p:sp>
         </mc:Fallback>
       </mc:AlternateContent>
-      <mc:AlternateContent xmlns:mc="http://schemas.openxmlformats.org/markup-compatibility/2006">
-        <mc:Choice xmlns:a14="http://schemas.microsoft.com/office/drawing/2010/main" Requires="a14">
+      <mc:AlternateContent xmlns:mc="http://schemas.openxmlformats.org/markup-compatibility/2006" xmlns:a14="http://schemas.microsoft.com/office/drawing/2010/main">
+        <mc:Choice Requires="a14">
           <p:sp>
             <p:nvSpPr>
               <p:cNvPr id="22" name="TextBox 21"/>
@@ -41801,7 +42297,7 @@
                               <a:solidFill>
                                 <a:schemeClr val="tx1"/>
                               </a:solidFill>
-                              <a:latin typeface="Cambria Math" panose="02040503050406030204" pitchFamily="18" charset="0"/>
+                              <a:latin typeface="Cambria Math" charset="0"/>
                             </a:rPr>
                           </m:ctrlPr>
                         </m:fPr>
@@ -41840,7 +42336,7 @@
             </p:txBody>
           </p:sp>
         </mc:Choice>
-        <mc:Fallback>
+        <mc:Fallback xmlns="">
           <p:sp>
             <p:nvSpPr>
               <p:cNvPr id="22" name="TextBox 21"/>
@@ -42129,10 +42625,17 @@
   <p:clrMapOvr>
     <a:masterClrMapping/>
   </p:clrMapOvr>
+  <p:timing>
+    <p:tnLst>
+      <p:par>
+        <p:cTn id="1" dur="indefinite" restart="never" nodeType="tmRoot"/>
+      </p:par>
+    </p:tnLst>
+  </p:timing>
 </p:sld>
 </file>
 
-<file path=ppt/slides/slide34.xml><?xml version="1.0" encoding="utf-8"?>
+<file path=ppt/slides/slide33.xml><?xml version="1.0" encoding="utf-8"?>
 <p:sld xmlns:a="http://schemas.openxmlformats.org/drawingml/2006/main" xmlns:r="http://schemas.openxmlformats.org/officeDocument/2006/relationships" xmlns:p="http://schemas.openxmlformats.org/presentationml/2006/main">
   <p:cSld>
     <p:spTree>
@@ -43473,10 +43976,17 @@
   <p:clrMapOvr>
     <a:masterClrMapping/>
   </p:clrMapOvr>
+  <p:timing>
+    <p:tnLst>
+      <p:par>
+        <p:cTn id="1" dur="indefinite" restart="never" nodeType="tmRoot"/>
+      </p:par>
+    </p:tnLst>
+  </p:timing>
 </p:sld>
 </file>
 
-<file path=ppt/slides/slide35.xml><?xml version="1.0" encoding="utf-8"?>
+<file path=ppt/slides/slide34.xml><?xml version="1.0" encoding="utf-8"?>
 <p:sld xmlns:a="http://schemas.openxmlformats.org/drawingml/2006/main" xmlns:r="http://schemas.openxmlformats.org/officeDocument/2006/relationships" xmlns:p="http://schemas.openxmlformats.org/presentationml/2006/main">
   <p:cSld>
     <p:spTree>
@@ -43547,7 +44057,7 @@
 </p:sld>
 </file>
 
-<file path=ppt/slides/slide36.xml><?xml version="1.0" encoding="utf-8"?>
+<file path=ppt/slides/slide35.xml><?xml version="1.0" encoding="utf-8"?>
 <p:sld xmlns:a="http://schemas.openxmlformats.org/drawingml/2006/main" xmlns:r="http://schemas.openxmlformats.org/officeDocument/2006/relationships" xmlns:p="http://schemas.openxmlformats.org/presentationml/2006/main">
   <p:cSld>
     <p:spTree>
@@ -43696,7 +44206,7 @@
 </p:sld>
 </file>
 
-<file path=ppt/slides/slide37.xml><?xml version="1.0" encoding="utf-8"?>
+<file path=ppt/slides/slide36.xml><?xml version="1.0" encoding="utf-8"?>
 <p:sld xmlns:a="http://schemas.openxmlformats.org/drawingml/2006/main" xmlns:r="http://schemas.openxmlformats.org/officeDocument/2006/relationships" xmlns:p="http://schemas.openxmlformats.org/presentationml/2006/main">
   <p:cSld>
     <p:spTree>
@@ -43860,7 +44370,7 @@
 </p:sld>
 </file>
 
-<file path=ppt/slides/slide38.xml><?xml version="1.0" encoding="utf-8"?>
+<file path=ppt/slides/slide37.xml><?xml version="1.0" encoding="utf-8"?>
 <p:sld xmlns:a="http://schemas.openxmlformats.org/drawingml/2006/main" xmlns:r="http://schemas.openxmlformats.org/officeDocument/2006/relationships" xmlns:p="http://schemas.openxmlformats.org/presentationml/2006/main">
   <p:cSld>
     <p:spTree>
@@ -44070,7 +44580,7 @@
 </p:sld>
 </file>
 
-<file path=ppt/slides/slide39.xml><?xml version="1.0" encoding="utf-8"?>
+<file path=ppt/slides/slide38.xml><?xml version="1.0" encoding="utf-8"?>
 <p:sld xmlns:a="http://schemas.openxmlformats.org/drawingml/2006/main" xmlns:r="http://schemas.openxmlformats.org/officeDocument/2006/relationships" xmlns:p="http://schemas.openxmlformats.org/presentationml/2006/main">
   <p:cSld>
     <p:spTree>
@@ -44302,6 +44812,640 @@
     <p:extLst>
       <p:ext uri="{BB962C8B-B14F-4D97-AF65-F5344CB8AC3E}">
         <p14:creationId xmlns:p14="http://schemas.microsoft.com/office/powerpoint/2010/main" val="2262870134"/>
+      </p:ext>
+    </p:extLst>
+  </p:cSld>
+  <p:clrMapOvr>
+    <a:masterClrMapping/>
+  </p:clrMapOvr>
+</p:sld>
+</file>
+
+<file path=ppt/slides/slide39.xml><?xml version="1.0" encoding="utf-8"?>
+<p:sld xmlns:a="http://schemas.openxmlformats.org/drawingml/2006/main" xmlns:r="http://schemas.openxmlformats.org/officeDocument/2006/relationships" xmlns:p="http://schemas.openxmlformats.org/presentationml/2006/main">
+  <p:cSld>
+    <p:spTree>
+      <p:nvGrpSpPr>
+        <p:cNvPr id="1" name=""/>
+        <p:cNvGrpSpPr/>
+        <p:nvPr/>
+      </p:nvGrpSpPr>
+      <p:grpSpPr>
+        <a:xfrm>
+          <a:off x="0" y="0"/>
+          <a:ext cx="0" cy="0"/>
+          <a:chOff x="0" y="0"/>
+          <a:chExt cx="0" cy="0"/>
+        </a:xfrm>
+      </p:grpSpPr>
+      <p:sp>
+        <p:nvSpPr>
+          <p:cNvPr id="2" name="Inhaltsplatzhalter 1"/>
+          <p:cNvSpPr>
+            <a:spLocks noGrp="1"/>
+          </p:cNvSpPr>
+          <p:nvPr>
+            <p:ph idx="1"/>
+          </p:nvPr>
+        </p:nvSpPr>
+        <p:spPr/>
+        <p:txBody>
+          <a:bodyPr/>
+          <a:lstStyle/>
+          <a:p>
+            <a:r>
+              <a:rPr lang="de-DE" dirty="0"/>
+              <a:t>Resize </a:t>
+            </a:r>
+            <a:r>
+              <a:rPr lang="de-DE" dirty="0" err="1"/>
+              <a:t>to</a:t>
+            </a:r>
+            <a:r>
+              <a:rPr lang="de-DE" dirty="0"/>
+              <a:t> 32 * 32 * 3</a:t>
+            </a:r>
+          </a:p>
+          <a:p>
+            <a:r>
+              <a:rPr lang="de-DE" dirty="0" err="1"/>
+              <a:t>Convert</a:t>
+            </a:r>
+            <a:r>
+              <a:rPr lang="de-DE" dirty="0"/>
+              <a:t> </a:t>
+            </a:r>
+            <a:r>
+              <a:rPr lang="de-DE" dirty="0" err="1"/>
+              <a:t>to</a:t>
+            </a:r>
+            <a:r>
+              <a:rPr lang="de-DE" dirty="0"/>
+              <a:t> </a:t>
+            </a:r>
+            <a:r>
+              <a:rPr lang="de-DE" dirty="0" err="1"/>
+              <a:t>array</a:t>
+            </a:r>
+            <a:endParaRPr lang="de-DE" dirty="0"/>
+          </a:p>
+          <a:p>
+            <a:pPr lvl="1"/>
+            <a:r>
+              <a:rPr lang="de-DE" dirty="0"/>
+              <a:t>25,000 * 3,073</a:t>
+            </a:r>
+          </a:p>
+          <a:p>
+            <a:r>
+              <a:rPr lang="de-DE" dirty="0" err="1"/>
+              <a:t>Example</a:t>
+            </a:r>
+            <a:endParaRPr lang="de-DE" dirty="0"/>
+          </a:p>
+          <a:p>
+            <a:pPr lvl="1"/>
+            <a:r>
+              <a:rPr lang="de-DE" dirty="0"/>
+              <a:t>1; 22; 11; 123; …</a:t>
+            </a:r>
+          </a:p>
+          <a:p>
+            <a:pPr lvl="1"/>
+            <a:r>
+              <a:rPr lang="de-DE" dirty="0"/>
+              <a:t>0; 256; 255; 0; …</a:t>
+            </a:r>
+          </a:p>
+        </p:txBody>
+      </p:sp>
+      <p:sp>
+        <p:nvSpPr>
+          <p:cNvPr id="3" name="Titel 2"/>
+          <p:cNvSpPr>
+            <a:spLocks noGrp="1"/>
+          </p:cNvSpPr>
+          <p:nvPr>
+            <p:ph type="title"/>
+          </p:nvPr>
+        </p:nvSpPr>
+        <p:spPr/>
+        <p:txBody>
+          <a:bodyPr/>
+          <a:lstStyle/>
+          <a:p>
+            <a:r>
+              <a:rPr lang="de-DE" dirty="0" err="1"/>
+              <a:t>Process</a:t>
+            </a:r>
+            <a:r>
+              <a:rPr lang="de-DE" dirty="0"/>
+              <a:t> </a:t>
+            </a:r>
+            <a:r>
+              <a:rPr lang="de-DE" dirty="0" err="1"/>
+              <a:t>images</a:t>
+            </a:r>
+            <a:endParaRPr lang="de-DE" dirty="0"/>
+          </a:p>
+        </p:txBody>
+      </p:sp>
+      <p:pic>
+        <p:nvPicPr>
+          <p:cNvPr id="4" name="Grafik 3"/>
+          <p:cNvPicPr>
+            <a:picLocks noChangeAspect="1"/>
+          </p:cNvPicPr>
+          <p:nvPr/>
+        </p:nvPicPr>
+        <p:blipFill>
+          <a:blip r:embed="rId3">
+            <a:extLst>
+              <a:ext uri="{28A0092B-C50C-407E-A947-70E740481C1C}">
+                <a14:useLocalDpi xmlns:a14="http://schemas.microsoft.com/office/drawing/2010/main" val="0"/>
+              </a:ext>
+            </a:extLst>
+          </a:blip>
+          <a:stretch>
+            <a:fillRect/>
+          </a:stretch>
+        </p:blipFill>
+        <p:spPr>
+          <a:xfrm>
+            <a:off x="5868144" y="915566"/>
+            <a:ext cx="2232248" cy="1669722"/>
+          </a:xfrm>
+          <a:prstGeom prst="rect">
+            <a:avLst/>
+          </a:prstGeom>
+        </p:spPr>
+      </p:pic>
+      <p:pic>
+        <p:nvPicPr>
+          <p:cNvPr id="5" name="Grafik 4"/>
+          <p:cNvPicPr>
+            <a:picLocks noChangeAspect="1"/>
+          </p:cNvPicPr>
+          <p:nvPr/>
+        </p:nvPicPr>
+        <p:blipFill>
+          <a:blip r:embed="rId4">
+            <a:extLst>
+              <a:ext uri="{28A0092B-C50C-407E-A947-70E740481C1C}">
+                <a14:useLocalDpi xmlns:a14="http://schemas.microsoft.com/office/drawing/2010/main" val="0"/>
+              </a:ext>
+            </a:extLst>
+          </a:blip>
+          <a:stretch>
+            <a:fillRect/>
+          </a:stretch>
+        </p:blipFill>
+        <p:spPr>
+          <a:xfrm>
+            <a:off x="3707904" y="2067694"/>
+            <a:ext cx="1649572" cy="2160463"/>
+          </a:xfrm>
+          <a:prstGeom prst="rect">
+            <a:avLst/>
+          </a:prstGeom>
+        </p:spPr>
+      </p:pic>
+      <p:sp>
+        <p:nvSpPr>
+          <p:cNvPr id="6" name="Textfeld 225"/>
+          <p:cNvSpPr txBox="1"/>
+          <p:nvPr/>
+        </p:nvSpPr>
+        <p:spPr>
+          <a:xfrm>
+            <a:off x="3707903" y="4270082"/>
+            <a:ext cx="1649573" cy="307777"/>
+          </a:xfrm>
+          <a:prstGeom prst="rect">
+            <a:avLst/>
+          </a:prstGeom>
+          <a:noFill/>
+        </p:spPr>
+        <p:txBody>
+          <a:bodyPr wrap="square" rtlCol="0">
+            <a:spAutoFit/>
+          </a:bodyPr>
+          <a:lstStyle/>
+          <a:p>
+            <a:pPr algn="ctr"/>
+            <a:r>
+              <a:rPr lang="de-DE" sz="1400" dirty="0"/>
+              <a:t>dog1.jpg</a:t>
+            </a:r>
+          </a:p>
+        </p:txBody>
+      </p:sp>
+      <p:sp>
+        <p:nvSpPr>
+          <p:cNvPr id="7" name="Textfeld 225"/>
+          <p:cNvSpPr txBox="1"/>
+          <p:nvPr/>
+        </p:nvSpPr>
+        <p:spPr>
+          <a:xfrm>
+            <a:off x="5868144" y="2585288"/>
+            <a:ext cx="2232247" cy="307777"/>
+          </a:xfrm>
+          <a:prstGeom prst="rect">
+            <a:avLst/>
+          </a:prstGeom>
+          <a:noFill/>
+        </p:spPr>
+        <p:txBody>
+          <a:bodyPr wrap="square" rtlCol="0">
+            <a:spAutoFit/>
+          </a:bodyPr>
+          <a:lstStyle/>
+          <a:p>
+            <a:pPr algn="ctr"/>
+            <a:r>
+              <a:rPr lang="de-DE" sz="1400" dirty="0"/>
+              <a:t>cat10.jpg</a:t>
+            </a:r>
+          </a:p>
+        </p:txBody>
+      </p:sp>
+      <p:pic>
+        <p:nvPicPr>
+          <p:cNvPr id="8" name="Grafik 7"/>
+          <p:cNvPicPr>
+            <a:picLocks noChangeAspect="1"/>
+          </p:cNvPicPr>
+          <p:nvPr/>
+        </p:nvPicPr>
+        <p:blipFill>
+          <a:blip r:embed="rId5">
+            <a:extLst>
+              <a:ext uri="{28A0092B-C50C-407E-A947-70E740481C1C}">
+                <a14:useLocalDpi xmlns:a14="http://schemas.microsoft.com/office/drawing/2010/main" val="0"/>
+              </a:ext>
+            </a:extLst>
+          </a:blip>
+          <a:stretch>
+            <a:fillRect/>
+          </a:stretch>
+        </p:blipFill>
+        <p:spPr>
+          <a:xfrm>
+            <a:off x="7461258" y="3710274"/>
+            <a:ext cx="304800" cy="304800"/>
+          </a:xfrm>
+          <a:prstGeom prst="rect">
+            <a:avLst/>
+          </a:prstGeom>
+        </p:spPr>
+      </p:pic>
+      <p:pic>
+        <p:nvPicPr>
+          <p:cNvPr id="9" name="Grafik 8"/>
+          <p:cNvPicPr>
+            <a:picLocks noChangeAspect="1"/>
+          </p:cNvPicPr>
+          <p:nvPr/>
+        </p:nvPicPr>
+        <p:blipFill>
+          <a:blip r:embed="rId6">
+            <a:extLst>
+              <a:ext uri="{28A0092B-C50C-407E-A947-70E740481C1C}">
+                <a14:useLocalDpi xmlns:a14="http://schemas.microsoft.com/office/drawing/2010/main" val="0"/>
+              </a:ext>
+            </a:extLst>
+          </a:blip>
+          <a:stretch>
+            <a:fillRect/>
+          </a:stretch>
+        </p:blipFill>
+        <p:spPr>
+          <a:xfrm>
+            <a:off x="5838611" y="3710274"/>
+            <a:ext cx="304800" cy="304800"/>
+          </a:xfrm>
+          <a:prstGeom prst="rect">
+            <a:avLst/>
+          </a:prstGeom>
+        </p:spPr>
+      </p:pic>
+      <p:cxnSp>
+        <p:nvCxnSpPr>
+          <p:cNvPr id="11" name="Gerader Verbinder 10"/>
+          <p:cNvCxnSpPr>
+            <a:cxnSpLocks/>
+          </p:cNvCxnSpPr>
+          <p:nvPr/>
+        </p:nvCxnSpPr>
+        <p:spPr>
+          <a:xfrm>
+            <a:off x="3707903" y="2067694"/>
+            <a:ext cx="2130708" cy="1642580"/>
+          </a:xfrm>
+          <a:prstGeom prst="line">
+            <a:avLst/>
+          </a:prstGeom>
+          <a:ln>
+            <a:solidFill>
+              <a:schemeClr val="bg1">
+                <a:lumMod val="65000"/>
+              </a:schemeClr>
+            </a:solidFill>
+          </a:ln>
+        </p:spPr>
+        <p:style>
+          <a:lnRef idx="1">
+            <a:schemeClr val="accent1"/>
+          </a:lnRef>
+          <a:fillRef idx="0">
+            <a:schemeClr val="accent1"/>
+          </a:fillRef>
+          <a:effectRef idx="0">
+            <a:schemeClr val="accent1"/>
+          </a:effectRef>
+          <a:fontRef idx="minor">
+            <a:schemeClr val="tx1"/>
+          </a:fontRef>
+        </p:style>
+      </p:cxnSp>
+      <p:cxnSp>
+        <p:nvCxnSpPr>
+          <p:cNvPr id="12" name="Gerader Verbinder 11"/>
+          <p:cNvCxnSpPr>
+            <a:cxnSpLocks/>
+          </p:cNvCxnSpPr>
+          <p:nvPr/>
+        </p:nvCxnSpPr>
+        <p:spPr>
+          <a:xfrm>
+            <a:off x="5357476" y="2067694"/>
+            <a:ext cx="785935" cy="1642580"/>
+          </a:xfrm>
+          <a:prstGeom prst="line">
+            <a:avLst/>
+          </a:prstGeom>
+          <a:ln>
+            <a:solidFill>
+              <a:schemeClr val="bg1">
+                <a:lumMod val="65000"/>
+              </a:schemeClr>
+            </a:solidFill>
+          </a:ln>
+        </p:spPr>
+        <p:style>
+          <a:lnRef idx="1">
+            <a:schemeClr val="accent1"/>
+          </a:lnRef>
+          <a:fillRef idx="0">
+            <a:schemeClr val="accent1"/>
+          </a:fillRef>
+          <a:effectRef idx="0">
+            <a:schemeClr val="accent1"/>
+          </a:effectRef>
+          <a:fontRef idx="minor">
+            <a:schemeClr val="tx1"/>
+          </a:fontRef>
+        </p:style>
+      </p:cxnSp>
+      <p:cxnSp>
+        <p:nvCxnSpPr>
+          <p:cNvPr id="15" name="Gerader Verbinder 14"/>
+          <p:cNvCxnSpPr>
+            <a:cxnSpLocks/>
+          </p:cNvCxnSpPr>
+          <p:nvPr/>
+        </p:nvCxnSpPr>
+        <p:spPr>
+          <a:xfrm flipV="1">
+            <a:off x="3734829" y="4015074"/>
+            <a:ext cx="2103782" cy="193115"/>
+          </a:xfrm>
+          <a:prstGeom prst="line">
+            <a:avLst/>
+          </a:prstGeom>
+          <a:ln>
+            <a:solidFill>
+              <a:schemeClr val="bg1">
+                <a:lumMod val="65000"/>
+              </a:schemeClr>
+            </a:solidFill>
+          </a:ln>
+        </p:spPr>
+        <p:style>
+          <a:lnRef idx="1">
+            <a:schemeClr val="accent1"/>
+          </a:lnRef>
+          <a:fillRef idx="0">
+            <a:schemeClr val="accent1"/>
+          </a:fillRef>
+          <a:effectRef idx="0">
+            <a:schemeClr val="accent1"/>
+          </a:effectRef>
+          <a:fontRef idx="minor">
+            <a:schemeClr val="tx1"/>
+          </a:fontRef>
+        </p:style>
+      </p:cxnSp>
+      <p:cxnSp>
+        <p:nvCxnSpPr>
+          <p:cNvPr id="21" name="Gerader Verbinder 20"/>
+          <p:cNvCxnSpPr>
+            <a:cxnSpLocks/>
+          </p:cNvCxnSpPr>
+          <p:nvPr/>
+        </p:nvCxnSpPr>
+        <p:spPr>
+          <a:xfrm flipV="1">
+            <a:off x="5357476" y="4015074"/>
+            <a:ext cx="785935" cy="193115"/>
+          </a:xfrm>
+          <a:prstGeom prst="line">
+            <a:avLst/>
+          </a:prstGeom>
+          <a:ln>
+            <a:solidFill>
+              <a:schemeClr val="bg1">
+                <a:lumMod val="65000"/>
+              </a:schemeClr>
+            </a:solidFill>
+          </a:ln>
+        </p:spPr>
+        <p:style>
+          <a:lnRef idx="1">
+            <a:schemeClr val="accent1"/>
+          </a:lnRef>
+          <a:fillRef idx="0">
+            <a:schemeClr val="accent1"/>
+          </a:fillRef>
+          <a:effectRef idx="0">
+            <a:schemeClr val="accent1"/>
+          </a:effectRef>
+          <a:fontRef idx="minor">
+            <a:schemeClr val="tx1"/>
+          </a:fontRef>
+        </p:style>
+      </p:cxnSp>
+      <p:cxnSp>
+        <p:nvCxnSpPr>
+          <p:cNvPr id="24" name="Gerader Verbinder 23"/>
+          <p:cNvCxnSpPr>
+            <a:cxnSpLocks/>
+          </p:cNvCxnSpPr>
+          <p:nvPr/>
+        </p:nvCxnSpPr>
+        <p:spPr>
+          <a:xfrm>
+            <a:off x="5868143" y="915566"/>
+            <a:ext cx="1616306" cy="2814676"/>
+          </a:xfrm>
+          <a:prstGeom prst="line">
+            <a:avLst/>
+          </a:prstGeom>
+          <a:ln>
+            <a:solidFill>
+              <a:schemeClr val="bg1">
+                <a:lumMod val="65000"/>
+              </a:schemeClr>
+            </a:solidFill>
+          </a:ln>
+        </p:spPr>
+        <p:style>
+          <a:lnRef idx="1">
+            <a:schemeClr val="accent1"/>
+          </a:lnRef>
+          <a:fillRef idx="0">
+            <a:schemeClr val="accent1"/>
+          </a:fillRef>
+          <a:effectRef idx="0">
+            <a:schemeClr val="accent1"/>
+          </a:effectRef>
+          <a:fontRef idx="minor">
+            <a:schemeClr val="tx1"/>
+          </a:fontRef>
+        </p:style>
+      </p:cxnSp>
+      <p:cxnSp>
+        <p:nvCxnSpPr>
+          <p:cNvPr id="27" name="Gerader Verbinder 26"/>
+          <p:cNvCxnSpPr>
+            <a:cxnSpLocks/>
+          </p:cNvCxnSpPr>
+          <p:nvPr/>
+        </p:nvCxnSpPr>
+        <p:spPr>
+          <a:xfrm>
+            <a:off x="5868143" y="2585288"/>
+            <a:ext cx="1586842" cy="1409818"/>
+          </a:xfrm>
+          <a:prstGeom prst="line">
+            <a:avLst/>
+          </a:prstGeom>
+          <a:ln>
+            <a:solidFill>
+              <a:schemeClr val="bg1">
+                <a:lumMod val="65000"/>
+              </a:schemeClr>
+            </a:solidFill>
+          </a:ln>
+        </p:spPr>
+        <p:style>
+          <a:lnRef idx="1">
+            <a:schemeClr val="accent1"/>
+          </a:lnRef>
+          <a:fillRef idx="0">
+            <a:schemeClr val="accent1"/>
+          </a:fillRef>
+          <a:effectRef idx="0">
+            <a:schemeClr val="accent1"/>
+          </a:effectRef>
+          <a:fontRef idx="minor">
+            <a:schemeClr val="tx1"/>
+          </a:fontRef>
+        </p:style>
+      </p:cxnSp>
+      <p:cxnSp>
+        <p:nvCxnSpPr>
+          <p:cNvPr id="30" name="Gerader Verbinder 29"/>
+          <p:cNvCxnSpPr>
+            <a:cxnSpLocks/>
+          </p:cNvCxnSpPr>
+          <p:nvPr/>
+        </p:nvCxnSpPr>
+        <p:spPr>
+          <a:xfrm flipH="1">
+            <a:off x="7766058" y="915566"/>
+            <a:ext cx="334333" cy="2794708"/>
+          </a:xfrm>
+          <a:prstGeom prst="line">
+            <a:avLst/>
+          </a:prstGeom>
+          <a:ln>
+            <a:solidFill>
+              <a:schemeClr val="bg1">
+                <a:lumMod val="65000"/>
+              </a:schemeClr>
+            </a:solidFill>
+          </a:ln>
+        </p:spPr>
+        <p:style>
+          <a:lnRef idx="1">
+            <a:schemeClr val="accent1"/>
+          </a:lnRef>
+          <a:fillRef idx="0">
+            <a:schemeClr val="accent1"/>
+          </a:fillRef>
+          <a:effectRef idx="0">
+            <a:schemeClr val="accent1"/>
+          </a:effectRef>
+          <a:fontRef idx="minor">
+            <a:schemeClr val="tx1"/>
+          </a:fontRef>
+        </p:style>
+      </p:cxnSp>
+      <p:cxnSp>
+        <p:nvCxnSpPr>
+          <p:cNvPr id="35" name="Gerader Verbinder 34"/>
+          <p:cNvCxnSpPr>
+            <a:cxnSpLocks/>
+          </p:cNvCxnSpPr>
+          <p:nvPr/>
+        </p:nvCxnSpPr>
+        <p:spPr>
+          <a:xfrm flipV="1">
+            <a:off x="7766057" y="2585288"/>
+            <a:ext cx="334334" cy="1409818"/>
+          </a:xfrm>
+          <a:prstGeom prst="line">
+            <a:avLst/>
+          </a:prstGeom>
+          <a:ln>
+            <a:solidFill>
+              <a:schemeClr val="bg1">
+                <a:lumMod val="65000"/>
+              </a:schemeClr>
+            </a:solidFill>
+          </a:ln>
+        </p:spPr>
+        <p:style>
+          <a:lnRef idx="1">
+            <a:schemeClr val="accent1"/>
+          </a:lnRef>
+          <a:fillRef idx="0">
+            <a:schemeClr val="accent1"/>
+          </a:fillRef>
+          <a:effectRef idx="0">
+            <a:schemeClr val="accent1"/>
+          </a:effectRef>
+          <a:fontRef idx="minor">
+            <a:schemeClr val="tx1"/>
+          </a:fontRef>
+        </p:style>
+      </p:cxnSp>
+    </p:spTree>
+    <p:extLst>
+      <p:ext uri="{BB962C8B-B14F-4D97-AF65-F5344CB8AC3E}">
+        <p14:creationId xmlns:p14="http://schemas.microsoft.com/office/powerpoint/2010/main" val="2554753491"/>
       </p:ext>
     </p:extLst>
   </p:cSld>
@@ -46932,640 +48076,6 @@
           <a:chExt cx="0" cy="0"/>
         </a:xfrm>
       </p:grpSpPr>
-      <p:sp>
-        <p:nvSpPr>
-          <p:cNvPr id="2" name="Inhaltsplatzhalter 1"/>
-          <p:cNvSpPr>
-            <a:spLocks noGrp="1"/>
-          </p:cNvSpPr>
-          <p:nvPr>
-            <p:ph idx="1"/>
-          </p:nvPr>
-        </p:nvSpPr>
-        <p:spPr/>
-        <p:txBody>
-          <a:bodyPr/>
-          <a:lstStyle/>
-          <a:p>
-            <a:r>
-              <a:rPr lang="de-DE" dirty="0"/>
-              <a:t>Resize </a:t>
-            </a:r>
-            <a:r>
-              <a:rPr lang="de-DE" dirty="0" err="1"/>
-              <a:t>to</a:t>
-            </a:r>
-            <a:r>
-              <a:rPr lang="de-DE" dirty="0"/>
-              <a:t> 32 * 32 * 3</a:t>
-            </a:r>
-          </a:p>
-          <a:p>
-            <a:r>
-              <a:rPr lang="de-DE" dirty="0" err="1"/>
-              <a:t>Convert</a:t>
-            </a:r>
-            <a:r>
-              <a:rPr lang="de-DE" dirty="0"/>
-              <a:t> </a:t>
-            </a:r>
-            <a:r>
-              <a:rPr lang="de-DE" dirty="0" err="1"/>
-              <a:t>to</a:t>
-            </a:r>
-            <a:r>
-              <a:rPr lang="de-DE" dirty="0"/>
-              <a:t> </a:t>
-            </a:r>
-            <a:r>
-              <a:rPr lang="de-DE" dirty="0" err="1"/>
-              <a:t>array</a:t>
-            </a:r>
-            <a:endParaRPr lang="de-DE" dirty="0"/>
-          </a:p>
-          <a:p>
-            <a:pPr lvl="1"/>
-            <a:r>
-              <a:rPr lang="de-DE" dirty="0"/>
-              <a:t>25,000 * 3,073</a:t>
-            </a:r>
-          </a:p>
-          <a:p>
-            <a:r>
-              <a:rPr lang="de-DE" dirty="0" err="1"/>
-              <a:t>Example</a:t>
-            </a:r>
-            <a:endParaRPr lang="de-DE" dirty="0"/>
-          </a:p>
-          <a:p>
-            <a:pPr lvl="1"/>
-            <a:r>
-              <a:rPr lang="de-DE" dirty="0"/>
-              <a:t>1; 22; 11; 123; …</a:t>
-            </a:r>
-          </a:p>
-          <a:p>
-            <a:pPr lvl="1"/>
-            <a:r>
-              <a:rPr lang="de-DE" dirty="0"/>
-              <a:t>0; 256; 255; 0; …</a:t>
-            </a:r>
-          </a:p>
-        </p:txBody>
-      </p:sp>
-      <p:sp>
-        <p:nvSpPr>
-          <p:cNvPr id="3" name="Titel 2"/>
-          <p:cNvSpPr>
-            <a:spLocks noGrp="1"/>
-          </p:cNvSpPr>
-          <p:nvPr>
-            <p:ph type="title"/>
-          </p:nvPr>
-        </p:nvSpPr>
-        <p:spPr/>
-        <p:txBody>
-          <a:bodyPr/>
-          <a:lstStyle/>
-          <a:p>
-            <a:r>
-              <a:rPr lang="de-DE" dirty="0" err="1"/>
-              <a:t>Process</a:t>
-            </a:r>
-            <a:r>
-              <a:rPr lang="de-DE" dirty="0"/>
-              <a:t> </a:t>
-            </a:r>
-            <a:r>
-              <a:rPr lang="de-DE" dirty="0" err="1"/>
-              <a:t>images</a:t>
-            </a:r>
-            <a:endParaRPr lang="de-DE" dirty="0"/>
-          </a:p>
-        </p:txBody>
-      </p:sp>
-      <p:pic>
-        <p:nvPicPr>
-          <p:cNvPr id="4" name="Grafik 3"/>
-          <p:cNvPicPr>
-            <a:picLocks noChangeAspect="1"/>
-          </p:cNvPicPr>
-          <p:nvPr/>
-        </p:nvPicPr>
-        <p:blipFill>
-          <a:blip r:embed="rId3">
-            <a:extLst>
-              <a:ext uri="{28A0092B-C50C-407E-A947-70E740481C1C}">
-                <a14:useLocalDpi xmlns:a14="http://schemas.microsoft.com/office/drawing/2010/main" val="0"/>
-              </a:ext>
-            </a:extLst>
-          </a:blip>
-          <a:stretch>
-            <a:fillRect/>
-          </a:stretch>
-        </p:blipFill>
-        <p:spPr>
-          <a:xfrm>
-            <a:off x="5868144" y="915566"/>
-            <a:ext cx="2232248" cy="1669722"/>
-          </a:xfrm>
-          <a:prstGeom prst="rect">
-            <a:avLst/>
-          </a:prstGeom>
-        </p:spPr>
-      </p:pic>
-      <p:pic>
-        <p:nvPicPr>
-          <p:cNvPr id="5" name="Grafik 4"/>
-          <p:cNvPicPr>
-            <a:picLocks noChangeAspect="1"/>
-          </p:cNvPicPr>
-          <p:nvPr/>
-        </p:nvPicPr>
-        <p:blipFill>
-          <a:blip r:embed="rId4">
-            <a:extLst>
-              <a:ext uri="{28A0092B-C50C-407E-A947-70E740481C1C}">
-                <a14:useLocalDpi xmlns:a14="http://schemas.microsoft.com/office/drawing/2010/main" val="0"/>
-              </a:ext>
-            </a:extLst>
-          </a:blip>
-          <a:stretch>
-            <a:fillRect/>
-          </a:stretch>
-        </p:blipFill>
-        <p:spPr>
-          <a:xfrm>
-            <a:off x="3707904" y="2067694"/>
-            <a:ext cx="1649572" cy="2160463"/>
-          </a:xfrm>
-          <a:prstGeom prst="rect">
-            <a:avLst/>
-          </a:prstGeom>
-        </p:spPr>
-      </p:pic>
-      <p:sp>
-        <p:nvSpPr>
-          <p:cNvPr id="6" name="Textfeld 225"/>
-          <p:cNvSpPr txBox="1"/>
-          <p:nvPr/>
-        </p:nvSpPr>
-        <p:spPr>
-          <a:xfrm>
-            <a:off x="3707903" y="4270082"/>
-            <a:ext cx="1649573" cy="307777"/>
-          </a:xfrm>
-          <a:prstGeom prst="rect">
-            <a:avLst/>
-          </a:prstGeom>
-          <a:noFill/>
-        </p:spPr>
-        <p:txBody>
-          <a:bodyPr wrap="square" rtlCol="0">
-            <a:spAutoFit/>
-          </a:bodyPr>
-          <a:lstStyle/>
-          <a:p>
-            <a:pPr algn="ctr"/>
-            <a:r>
-              <a:rPr lang="de-DE" sz="1400" dirty="0"/>
-              <a:t>dog1.jpg</a:t>
-            </a:r>
-          </a:p>
-        </p:txBody>
-      </p:sp>
-      <p:sp>
-        <p:nvSpPr>
-          <p:cNvPr id="7" name="Textfeld 225"/>
-          <p:cNvSpPr txBox="1"/>
-          <p:nvPr/>
-        </p:nvSpPr>
-        <p:spPr>
-          <a:xfrm>
-            <a:off x="5868144" y="2585288"/>
-            <a:ext cx="2232247" cy="307777"/>
-          </a:xfrm>
-          <a:prstGeom prst="rect">
-            <a:avLst/>
-          </a:prstGeom>
-          <a:noFill/>
-        </p:spPr>
-        <p:txBody>
-          <a:bodyPr wrap="square" rtlCol="0">
-            <a:spAutoFit/>
-          </a:bodyPr>
-          <a:lstStyle/>
-          <a:p>
-            <a:pPr algn="ctr"/>
-            <a:r>
-              <a:rPr lang="de-DE" sz="1400" dirty="0"/>
-              <a:t>cat10.jpg</a:t>
-            </a:r>
-          </a:p>
-        </p:txBody>
-      </p:sp>
-      <p:pic>
-        <p:nvPicPr>
-          <p:cNvPr id="8" name="Grafik 7"/>
-          <p:cNvPicPr>
-            <a:picLocks noChangeAspect="1"/>
-          </p:cNvPicPr>
-          <p:nvPr/>
-        </p:nvPicPr>
-        <p:blipFill>
-          <a:blip r:embed="rId5">
-            <a:extLst>
-              <a:ext uri="{28A0092B-C50C-407E-A947-70E740481C1C}">
-                <a14:useLocalDpi xmlns:a14="http://schemas.microsoft.com/office/drawing/2010/main" val="0"/>
-              </a:ext>
-            </a:extLst>
-          </a:blip>
-          <a:stretch>
-            <a:fillRect/>
-          </a:stretch>
-        </p:blipFill>
-        <p:spPr>
-          <a:xfrm>
-            <a:off x="7461258" y="3710274"/>
-            <a:ext cx="304800" cy="304800"/>
-          </a:xfrm>
-          <a:prstGeom prst="rect">
-            <a:avLst/>
-          </a:prstGeom>
-        </p:spPr>
-      </p:pic>
-      <p:pic>
-        <p:nvPicPr>
-          <p:cNvPr id="9" name="Grafik 8"/>
-          <p:cNvPicPr>
-            <a:picLocks noChangeAspect="1"/>
-          </p:cNvPicPr>
-          <p:nvPr/>
-        </p:nvPicPr>
-        <p:blipFill>
-          <a:blip r:embed="rId6">
-            <a:extLst>
-              <a:ext uri="{28A0092B-C50C-407E-A947-70E740481C1C}">
-                <a14:useLocalDpi xmlns:a14="http://schemas.microsoft.com/office/drawing/2010/main" val="0"/>
-              </a:ext>
-            </a:extLst>
-          </a:blip>
-          <a:stretch>
-            <a:fillRect/>
-          </a:stretch>
-        </p:blipFill>
-        <p:spPr>
-          <a:xfrm>
-            <a:off x="5838611" y="3710274"/>
-            <a:ext cx="304800" cy="304800"/>
-          </a:xfrm>
-          <a:prstGeom prst="rect">
-            <a:avLst/>
-          </a:prstGeom>
-        </p:spPr>
-      </p:pic>
-      <p:cxnSp>
-        <p:nvCxnSpPr>
-          <p:cNvPr id="11" name="Gerader Verbinder 10"/>
-          <p:cNvCxnSpPr>
-            <a:cxnSpLocks/>
-          </p:cNvCxnSpPr>
-          <p:nvPr/>
-        </p:nvCxnSpPr>
-        <p:spPr>
-          <a:xfrm>
-            <a:off x="3707903" y="2067694"/>
-            <a:ext cx="2130708" cy="1642580"/>
-          </a:xfrm>
-          <a:prstGeom prst="line">
-            <a:avLst/>
-          </a:prstGeom>
-          <a:ln>
-            <a:solidFill>
-              <a:schemeClr val="bg1">
-                <a:lumMod val="65000"/>
-              </a:schemeClr>
-            </a:solidFill>
-          </a:ln>
-        </p:spPr>
-        <p:style>
-          <a:lnRef idx="1">
-            <a:schemeClr val="accent1"/>
-          </a:lnRef>
-          <a:fillRef idx="0">
-            <a:schemeClr val="accent1"/>
-          </a:fillRef>
-          <a:effectRef idx="0">
-            <a:schemeClr val="accent1"/>
-          </a:effectRef>
-          <a:fontRef idx="minor">
-            <a:schemeClr val="tx1"/>
-          </a:fontRef>
-        </p:style>
-      </p:cxnSp>
-      <p:cxnSp>
-        <p:nvCxnSpPr>
-          <p:cNvPr id="12" name="Gerader Verbinder 11"/>
-          <p:cNvCxnSpPr>
-            <a:cxnSpLocks/>
-          </p:cNvCxnSpPr>
-          <p:nvPr/>
-        </p:nvCxnSpPr>
-        <p:spPr>
-          <a:xfrm>
-            <a:off x="5357476" y="2067694"/>
-            <a:ext cx="785935" cy="1642580"/>
-          </a:xfrm>
-          <a:prstGeom prst="line">
-            <a:avLst/>
-          </a:prstGeom>
-          <a:ln>
-            <a:solidFill>
-              <a:schemeClr val="bg1">
-                <a:lumMod val="65000"/>
-              </a:schemeClr>
-            </a:solidFill>
-          </a:ln>
-        </p:spPr>
-        <p:style>
-          <a:lnRef idx="1">
-            <a:schemeClr val="accent1"/>
-          </a:lnRef>
-          <a:fillRef idx="0">
-            <a:schemeClr val="accent1"/>
-          </a:fillRef>
-          <a:effectRef idx="0">
-            <a:schemeClr val="accent1"/>
-          </a:effectRef>
-          <a:fontRef idx="minor">
-            <a:schemeClr val="tx1"/>
-          </a:fontRef>
-        </p:style>
-      </p:cxnSp>
-      <p:cxnSp>
-        <p:nvCxnSpPr>
-          <p:cNvPr id="15" name="Gerader Verbinder 14"/>
-          <p:cNvCxnSpPr>
-            <a:cxnSpLocks/>
-          </p:cNvCxnSpPr>
-          <p:nvPr/>
-        </p:nvCxnSpPr>
-        <p:spPr>
-          <a:xfrm flipV="1">
-            <a:off x="3734829" y="4015074"/>
-            <a:ext cx="2103782" cy="193115"/>
-          </a:xfrm>
-          <a:prstGeom prst="line">
-            <a:avLst/>
-          </a:prstGeom>
-          <a:ln>
-            <a:solidFill>
-              <a:schemeClr val="bg1">
-                <a:lumMod val="65000"/>
-              </a:schemeClr>
-            </a:solidFill>
-          </a:ln>
-        </p:spPr>
-        <p:style>
-          <a:lnRef idx="1">
-            <a:schemeClr val="accent1"/>
-          </a:lnRef>
-          <a:fillRef idx="0">
-            <a:schemeClr val="accent1"/>
-          </a:fillRef>
-          <a:effectRef idx="0">
-            <a:schemeClr val="accent1"/>
-          </a:effectRef>
-          <a:fontRef idx="minor">
-            <a:schemeClr val="tx1"/>
-          </a:fontRef>
-        </p:style>
-      </p:cxnSp>
-      <p:cxnSp>
-        <p:nvCxnSpPr>
-          <p:cNvPr id="21" name="Gerader Verbinder 20"/>
-          <p:cNvCxnSpPr>
-            <a:cxnSpLocks/>
-          </p:cNvCxnSpPr>
-          <p:nvPr/>
-        </p:nvCxnSpPr>
-        <p:spPr>
-          <a:xfrm flipV="1">
-            <a:off x="5357476" y="4015074"/>
-            <a:ext cx="785935" cy="193115"/>
-          </a:xfrm>
-          <a:prstGeom prst="line">
-            <a:avLst/>
-          </a:prstGeom>
-          <a:ln>
-            <a:solidFill>
-              <a:schemeClr val="bg1">
-                <a:lumMod val="65000"/>
-              </a:schemeClr>
-            </a:solidFill>
-          </a:ln>
-        </p:spPr>
-        <p:style>
-          <a:lnRef idx="1">
-            <a:schemeClr val="accent1"/>
-          </a:lnRef>
-          <a:fillRef idx="0">
-            <a:schemeClr val="accent1"/>
-          </a:fillRef>
-          <a:effectRef idx="0">
-            <a:schemeClr val="accent1"/>
-          </a:effectRef>
-          <a:fontRef idx="minor">
-            <a:schemeClr val="tx1"/>
-          </a:fontRef>
-        </p:style>
-      </p:cxnSp>
-      <p:cxnSp>
-        <p:nvCxnSpPr>
-          <p:cNvPr id="24" name="Gerader Verbinder 23"/>
-          <p:cNvCxnSpPr>
-            <a:cxnSpLocks/>
-          </p:cNvCxnSpPr>
-          <p:nvPr/>
-        </p:nvCxnSpPr>
-        <p:spPr>
-          <a:xfrm>
-            <a:off x="5868143" y="915566"/>
-            <a:ext cx="1616306" cy="2814676"/>
-          </a:xfrm>
-          <a:prstGeom prst="line">
-            <a:avLst/>
-          </a:prstGeom>
-          <a:ln>
-            <a:solidFill>
-              <a:schemeClr val="bg1">
-                <a:lumMod val="65000"/>
-              </a:schemeClr>
-            </a:solidFill>
-          </a:ln>
-        </p:spPr>
-        <p:style>
-          <a:lnRef idx="1">
-            <a:schemeClr val="accent1"/>
-          </a:lnRef>
-          <a:fillRef idx="0">
-            <a:schemeClr val="accent1"/>
-          </a:fillRef>
-          <a:effectRef idx="0">
-            <a:schemeClr val="accent1"/>
-          </a:effectRef>
-          <a:fontRef idx="minor">
-            <a:schemeClr val="tx1"/>
-          </a:fontRef>
-        </p:style>
-      </p:cxnSp>
-      <p:cxnSp>
-        <p:nvCxnSpPr>
-          <p:cNvPr id="27" name="Gerader Verbinder 26"/>
-          <p:cNvCxnSpPr>
-            <a:cxnSpLocks/>
-          </p:cNvCxnSpPr>
-          <p:nvPr/>
-        </p:nvCxnSpPr>
-        <p:spPr>
-          <a:xfrm>
-            <a:off x="5868143" y="2585288"/>
-            <a:ext cx="1586842" cy="1409818"/>
-          </a:xfrm>
-          <a:prstGeom prst="line">
-            <a:avLst/>
-          </a:prstGeom>
-          <a:ln>
-            <a:solidFill>
-              <a:schemeClr val="bg1">
-                <a:lumMod val="65000"/>
-              </a:schemeClr>
-            </a:solidFill>
-          </a:ln>
-        </p:spPr>
-        <p:style>
-          <a:lnRef idx="1">
-            <a:schemeClr val="accent1"/>
-          </a:lnRef>
-          <a:fillRef idx="0">
-            <a:schemeClr val="accent1"/>
-          </a:fillRef>
-          <a:effectRef idx="0">
-            <a:schemeClr val="accent1"/>
-          </a:effectRef>
-          <a:fontRef idx="minor">
-            <a:schemeClr val="tx1"/>
-          </a:fontRef>
-        </p:style>
-      </p:cxnSp>
-      <p:cxnSp>
-        <p:nvCxnSpPr>
-          <p:cNvPr id="30" name="Gerader Verbinder 29"/>
-          <p:cNvCxnSpPr>
-            <a:cxnSpLocks/>
-          </p:cNvCxnSpPr>
-          <p:nvPr/>
-        </p:nvCxnSpPr>
-        <p:spPr>
-          <a:xfrm flipH="1">
-            <a:off x="7766058" y="915566"/>
-            <a:ext cx="334333" cy="2794708"/>
-          </a:xfrm>
-          <a:prstGeom prst="line">
-            <a:avLst/>
-          </a:prstGeom>
-          <a:ln>
-            <a:solidFill>
-              <a:schemeClr val="bg1">
-                <a:lumMod val="65000"/>
-              </a:schemeClr>
-            </a:solidFill>
-          </a:ln>
-        </p:spPr>
-        <p:style>
-          <a:lnRef idx="1">
-            <a:schemeClr val="accent1"/>
-          </a:lnRef>
-          <a:fillRef idx="0">
-            <a:schemeClr val="accent1"/>
-          </a:fillRef>
-          <a:effectRef idx="0">
-            <a:schemeClr val="accent1"/>
-          </a:effectRef>
-          <a:fontRef idx="minor">
-            <a:schemeClr val="tx1"/>
-          </a:fontRef>
-        </p:style>
-      </p:cxnSp>
-      <p:cxnSp>
-        <p:nvCxnSpPr>
-          <p:cNvPr id="35" name="Gerader Verbinder 34"/>
-          <p:cNvCxnSpPr>
-            <a:cxnSpLocks/>
-          </p:cNvCxnSpPr>
-          <p:nvPr/>
-        </p:nvCxnSpPr>
-        <p:spPr>
-          <a:xfrm flipV="1">
-            <a:off x="7766057" y="2585288"/>
-            <a:ext cx="334334" cy="1409818"/>
-          </a:xfrm>
-          <a:prstGeom prst="line">
-            <a:avLst/>
-          </a:prstGeom>
-          <a:ln>
-            <a:solidFill>
-              <a:schemeClr val="bg1">
-                <a:lumMod val="65000"/>
-              </a:schemeClr>
-            </a:solidFill>
-          </a:ln>
-        </p:spPr>
-        <p:style>
-          <a:lnRef idx="1">
-            <a:schemeClr val="accent1"/>
-          </a:lnRef>
-          <a:fillRef idx="0">
-            <a:schemeClr val="accent1"/>
-          </a:fillRef>
-          <a:effectRef idx="0">
-            <a:schemeClr val="accent1"/>
-          </a:effectRef>
-          <a:fontRef idx="minor">
-            <a:schemeClr val="tx1"/>
-          </a:fontRef>
-        </p:style>
-      </p:cxnSp>
-    </p:spTree>
-    <p:extLst>
-      <p:ext uri="{BB962C8B-B14F-4D97-AF65-F5344CB8AC3E}">
-        <p14:creationId xmlns:p14="http://schemas.microsoft.com/office/powerpoint/2010/main" val="2554753491"/>
-      </p:ext>
-    </p:extLst>
-  </p:cSld>
-  <p:clrMapOvr>
-    <a:masterClrMapping/>
-  </p:clrMapOvr>
-</p:sld>
-</file>
-
-<file path=ppt/slides/slide41.xml><?xml version="1.0" encoding="utf-8"?>
-<p:sld xmlns:a="http://schemas.openxmlformats.org/drawingml/2006/main" xmlns:r="http://schemas.openxmlformats.org/officeDocument/2006/relationships" xmlns:p="http://schemas.openxmlformats.org/presentationml/2006/main">
-  <p:cSld>
-    <p:spTree>
-      <p:nvGrpSpPr>
-        <p:cNvPr id="1" name=""/>
-        <p:cNvGrpSpPr/>
-        <p:nvPr/>
-      </p:nvGrpSpPr>
-      <p:grpSpPr>
-        <a:xfrm>
-          <a:off x="0" y="0"/>
-          <a:ext cx="0" cy="0"/>
-          <a:chOff x="0" y="0"/>
-          <a:chExt cx="0" cy="0"/>
-        </a:xfrm>
-      </p:grpSpPr>
       <p:pic>
         <p:nvPicPr>
           <p:cNvPr id="4" name="Inhaltsplatzhalter 3"/>
@@ -47785,7 +48295,7 @@
 </p:sld>
 </file>
 
-<file path=ppt/slides/slide42.xml><?xml version="1.0" encoding="utf-8"?>
+<file path=ppt/slides/slide41.xml><?xml version="1.0" encoding="utf-8"?>
 <p:sld xmlns:a="http://schemas.openxmlformats.org/drawingml/2006/main" xmlns:r="http://schemas.openxmlformats.org/officeDocument/2006/relationships" xmlns:p="http://schemas.openxmlformats.org/presentationml/2006/main">
   <p:cSld>
     <p:spTree>
@@ -47856,7 +48366,7 @@
 </p:sld>
 </file>
 
-<file path=ppt/slides/slide43.xml><?xml version="1.0" encoding="utf-8"?>
+<file path=ppt/slides/slide42.xml><?xml version="1.0" encoding="utf-8"?>
 <p:sld xmlns:a="http://schemas.openxmlformats.org/drawingml/2006/main" xmlns:r="http://schemas.openxmlformats.org/officeDocument/2006/relationships" xmlns:p="http://schemas.openxmlformats.org/presentationml/2006/main">
   <p:cSld>
     <p:spTree>
@@ -47937,7 +48447,7 @@
 </p:sld>
 </file>
 
-<file path=ppt/slides/slide44.xml><?xml version="1.0" encoding="utf-8"?>
+<file path=ppt/slides/slide43.xml><?xml version="1.0" encoding="utf-8"?>
 <p:sld xmlns:a="http://schemas.openxmlformats.org/drawingml/2006/main" xmlns:r="http://schemas.openxmlformats.org/officeDocument/2006/relationships" xmlns:p="http://schemas.openxmlformats.org/presentationml/2006/main">
   <p:cSld>
     <p:spTree>
@@ -48023,7 +48533,7 @@
 </p:sld>
 </file>
 
-<file path=ppt/slides/slide45.xml><?xml version="1.0" encoding="utf-8"?>
+<file path=ppt/slides/slide44.xml><?xml version="1.0" encoding="utf-8"?>
 <p:sld xmlns:a="http://schemas.openxmlformats.org/drawingml/2006/main" xmlns:r="http://schemas.openxmlformats.org/officeDocument/2006/relationships" xmlns:p="http://schemas.openxmlformats.org/presentationml/2006/main">
   <p:cSld>
     <p:spTree>
@@ -48362,7 +48872,7 @@
 </p:sld>
 </file>
 
-<file path=ppt/slides/slide46.xml><?xml version="1.0" encoding="utf-8"?>
+<file path=ppt/slides/slide45.xml><?xml version="1.0" encoding="utf-8"?>
 <p:sld xmlns:a="http://schemas.openxmlformats.org/drawingml/2006/main" xmlns:r="http://schemas.openxmlformats.org/officeDocument/2006/relationships" xmlns:p="http://schemas.openxmlformats.org/presentationml/2006/main">
   <p:cSld>
     <p:spTree>
@@ -48513,7 +49023,7 @@
 </p:sld>
 </file>
 
-<file path=ppt/slides/slide47.xml><?xml version="1.0" encoding="utf-8"?>
+<file path=ppt/slides/slide46.xml><?xml version="1.0" encoding="utf-8"?>
 <p:sld xmlns:a="http://schemas.openxmlformats.org/drawingml/2006/main" xmlns:r="http://schemas.openxmlformats.org/officeDocument/2006/relationships" xmlns:p="http://schemas.openxmlformats.org/presentationml/2006/main">
   <p:cSld>
     <p:spTree>
@@ -48585,7 +49095,7 @@
 </p:sld>
 </file>
 
-<file path=ppt/slides/slide48.xml><?xml version="1.0" encoding="utf-8"?>
+<file path=ppt/slides/slide47.xml><?xml version="1.0" encoding="utf-8"?>
 <p:sld xmlns:a="http://schemas.openxmlformats.org/drawingml/2006/main" xmlns:r="http://schemas.openxmlformats.org/officeDocument/2006/relationships" xmlns:p="http://schemas.openxmlformats.org/presentationml/2006/main">
   <p:cSld>
     <p:spTree>
@@ -48934,7 +49444,7 @@
                         <m:dPr>
                           <m:ctrlPr>
                             <a:rPr lang="mr-IN" sz="1400" b="0" i="1" smtClean="0">
-                              <a:latin typeface="Cambria Math" panose="02040503050406030204" pitchFamily="18" charset="0"/>
+                              <a:latin typeface="Cambria Math" charset="0"/>
                             </a:rPr>
                           </m:ctrlPr>
                         </m:dPr>
@@ -48943,7 +49453,7 @@
                             <m:fPr>
                               <m:ctrlPr>
                                 <a:rPr lang="mr-IN" sz="1400" i="1">
-                                  <a:latin typeface="Cambria Math" panose="02040503050406030204" pitchFamily="18" charset="0"/>
+                                  <a:latin typeface="Cambria Math" charset="0"/>
                                 </a:rPr>
                               </m:ctrlPr>
                             </m:fPr>
@@ -48968,7 +49478,7 @@
                             <m:sSupPr>
                               <m:ctrlPr>
                                 <a:rPr lang="mr-IN" sz="1400" i="1">
-                                  <a:latin typeface="Cambria Math" panose="02040503050406030204" pitchFamily="18" charset="0"/>
+                                  <a:latin typeface="Cambria Math" charset="0"/>
                                 </a:rPr>
                               </m:ctrlPr>
                             </m:sSupPr>
@@ -48983,7 +49493,7 @@
                                 <m:sSubPr>
                                   <m:ctrlPr>
                                     <a:rPr lang="en-US" sz="1400" i="1">
-                                      <a:latin typeface="Cambria Math" panose="02040503050406030204" pitchFamily="18" charset="0"/>
+                                      <a:latin typeface="Cambria Math" charset="0"/>
                                     </a:rPr>
                                   </m:ctrlPr>
                                 </m:sSubPr>
@@ -49014,7 +49524,7 @@
                                 <m:sSubPr>
                                   <m:ctrlPr>
                                     <a:rPr lang="en-US" sz="1400" i="1">
-                                      <a:latin typeface="Cambria Math" panose="02040503050406030204" pitchFamily="18" charset="0"/>
+                                      <a:latin typeface="Cambria Math" charset="0"/>
                                     </a:rPr>
                                   </m:ctrlPr>
                                 </m:sSubPr>
@@ -49142,6 +49652,13 @@
   <p:clrMapOvr>
     <a:masterClrMapping/>
   </p:clrMapOvr>
+  <p:timing>
+    <p:tnLst>
+      <p:par>
+        <p:cTn id="1" dur="indefinite" restart="never" nodeType="tmRoot"/>
+      </p:par>
+    </p:tnLst>
+  </p:timing>
 </p:sld>
 </file>
 
@@ -49223,8 +49740,13 @@
           <a:p>
             <a:r>
               <a:rPr lang="en-GB" sz="1800" dirty="0"/>
-              <a:t>Update weights</a:t>
-            </a:r>
+              <a:t>Update </a:t>
+            </a:r>
+            <a:r>
+              <a:rPr lang="en-GB" sz="1800" dirty="0" smtClean="0"/>
+              <a:t>weights (backpropagation)</a:t>
+            </a:r>
+            <a:endParaRPr lang="en-GB" sz="1800" dirty="0"/>
           </a:p>
         </p:txBody>
       </p:sp>
@@ -49250,8 +49772,8 @@
           </a:p>
         </p:txBody>
       </p:sp>
-      <mc:AlternateContent xmlns:mc="http://schemas.openxmlformats.org/markup-compatibility/2006">
-        <mc:Choice xmlns:a14="http://schemas.microsoft.com/office/drawing/2010/main" Requires="a14">
+      <mc:AlternateContent xmlns:mc="http://schemas.openxmlformats.org/markup-compatibility/2006" xmlns:a14="http://schemas.microsoft.com/office/drawing/2010/main">
+        <mc:Choice Requires="a14">
           <p:sp>
             <p:nvSpPr>
               <p:cNvPr id="5" name="Rechteck 4"/>
@@ -49279,7 +49801,7 @@
                       <m:sSubPr>
                         <m:ctrlPr>
                           <a:rPr lang="en-US" i="1">
-                            <a:latin typeface="Cambria Math" panose="02040503050406030204" pitchFamily="18" charset="0"/>
+                            <a:latin typeface="Cambria Math" charset="0"/>
                           </a:rPr>
                         </m:ctrlPr>
                       </m:sSubPr>
@@ -49310,7 +49832,7 @@
                       <m:sSubPr>
                         <m:ctrlPr>
                           <a:rPr lang="en-US" i="1">
-                            <a:latin typeface="Cambria Math" panose="02040503050406030204" pitchFamily="18" charset="0"/>
+                            <a:latin typeface="Cambria Math" charset="0"/>
                           </a:rPr>
                         </m:ctrlPr>
                       </m:sSubPr>
@@ -49341,7 +49863,7 @@
             </p:txBody>
           </p:sp>
         </mc:Choice>
-        <mc:Fallback>
+        <mc:Fallback xmlns="">
           <p:sp>
             <p:nvSpPr>
               <p:cNvPr id="5" name="Rechteck 4"/>
@@ -49380,8 +49902,8 @@
           </p:sp>
         </mc:Fallback>
       </mc:AlternateContent>
-      <mc:AlternateContent xmlns:mc="http://schemas.openxmlformats.org/markup-compatibility/2006">
-        <mc:Choice xmlns:a14="http://schemas.microsoft.com/office/drawing/2010/main" Requires="a14">
+      <mc:AlternateContent xmlns:mc="http://schemas.openxmlformats.org/markup-compatibility/2006" xmlns:a14="http://schemas.microsoft.com/office/drawing/2010/main">
+        <mc:Choice Requires="a14">
           <p:sp>
             <p:nvSpPr>
               <p:cNvPr id="6" name="Rechteck 5"/>
@@ -49413,7 +49935,7 @@
                       <m:sSubPr>
                         <m:ctrlPr>
                           <a:rPr lang="en-US" i="1">
-                            <a:latin typeface="Cambria Math" panose="02040503050406030204" pitchFamily="18" charset="0"/>
+                            <a:latin typeface="Cambria Math" charset="0"/>
                           </a:rPr>
                         </m:ctrlPr>
                       </m:sSubPr>
@@ -49450,7 +49972,7 @@
                       <m:dPr>
                         <m:ctrlPr>
                           <a:rPr lang="en-US" i="1">
-                            <a:latin typeface="Cambria Math" panose="02040503050406030204" pitchFamily="18" charset="0"/>
+                            <a:latin typeface="Cambria Math" charset="0"/>
                           </a:rPr>
                         </m:ctrlPr>
                       </m:dPr>
@@ -49459,7 +49981,7 @@
                           <m:sSubPr>
                             <m:ctrlPr>
                               <a:rPr lang="en-US" i="1">
-                                <a:latin typeface="Cambria Math" panose="02040503050406030204" pitchFamily="18" charset="0"/>
+                                <a:latin typeface="Cambria Math" charset="0"/>
                               </a:rPr>
                             </m:ctrlPr>
                           </m:sSubPr>
@@ -49501,7 +50023,7 @@
             </p:txBody>
           </p:sp>
         </mc:Choice>
-        <mc:Fallback>
+        <mc:Fallback xmlns="">
           <p:sp>
             <p:nvSpPr>
               <p:cNvPr id="6" name="Rechteck 5"/>
@@ -49540,8 +50062,8 @@
           </p:sp>
         </mc:Fallback>
       </mc:AlternateContent>
-      <mc:AlternateContent xmlns:mc="http://schemas.openxmlformats.org/markup-compatibility/2006">
-        <mc:Choice xmlns:a14="http://schemas.microsoft.com/office/drawing/2010/main" Requires="a14">
+      <mc:AlternateContent xmlns:mc="http://schemas.openxmlformats.org/markup-compatibility/2006" xmlns:a14="http://schemas.microsoft.com/office/drawing/2010/main">
+        <mc:Choice Requires="a14">
           <p:sp>
             <p:nvSpPr>
               <p:cNvPr id="7" name="Rechteck 6"/>
@@ -49573,7 +50095,7 @@
                       <m:sSubPr>
                         <m:ctrlPr>
                           <a:rPr lang="en-US" i="1">
-                            <a:latin typeface="Cambria Math" panose="02040503050406030204" pitchFamily="18" charset="0"/>
+                            <a:latin typeface="Cambria Math" charset="0"/>
                           </a:rPr>
                         </m:ctrlPr>
                       </m:sSubPr>
@@ -49604,7 +50126,7 @@
                       <m:sSubPr>
                         <m:ctrlPr>
                           <a:rPr lang="en-US" i="1">
-                            <a:latin typeface="Cambria Math" panose="02040503050406030204" pitchFamily="18" charset="0"/>
+                            <a:latin typeface="Cambria Math" charset="0"/>
                           </a:rPr>
                         </m:ctrlPr>
                       </m:sSubPr>
@@ -49632,7 +50154,7 @@
             </p:txBody>
           </p:sp>
         </mc:Choice>
-        <mc:Fallback>
+        <mc:Fallback xmlns="">
           <p:sp>
             <p:nvSpPr>
               <p:cNvPr id="7" name="Rechteck 6"/>
@@ -49671,8 +50193,8 @@
           </p:sp>
         </mc:Fallback>
       </mc:AlternateContent>
-      <mc:AlternateContent xmlns:mc="http://schemas.openxmlformats.org/markup-compatibility/2006">
-        <mc:Choice xmlns:a14="http://schemas.microsoft.com/office/drawing/2010/main" Requires="a14">
+      <mc:AlternateContent xmlns:mc="http://schemas.openxmlformats.org/markup-compatibility/2006" xmlns:a14="http://schemas.microsoft.com/office/drawing/2010/main">
+        <mc:Choice Requires="a14">
           <p:sp>
             <p:nvSpPr>
               <p:cNvPr id="8" name="Rechteck 7"/>
@@ -49704,7 +50226,7 @@
                       <m:sSubPr>
                         <m:ctrlPr>
                           <a:rPr lang="en-US" i="1">
-                            <a:latin typeface="Cambria Math" panose="02040503050406030204" pitchFamily="18" charset="0"/>
+                            <a:latin typeface="Cambria Math" charset="0"/>
                           </a:rPr>
                         </m:ctrlPr>
                       </m:sSubPr>
@@ -49753,7 +50275,7 @@
                       <m:dPr>
                         <m:ctrlPr>
                           <a:rPr lang="en-US" i="1">
-                            <a:latin typeface="Cambria Math" panose="02040503050406030204" pitchFamily="18" charset="0"/>
+                            <a:latin typeface="Cambria Math" charset="0"/>
                             <a:ea typeface="Cambria Math" charset="0"/>
                             <a:cs typeface="Cambria Math" charset="0"/>
                           </a:rPr>
@@ -49770,7 +50292,7 @@
                           <m:dPr>
                             <m:ctrlPr>
                               <a:rPr lang="en-US" i="1">
-                                <a:latin typeface="Cambria Math" panose="02040503050406030204" pitchFamily="18" charset="0"/>
+                                <a:latin typeface="Cambria Math" charset="0"/>
                               </a:rPr>
                             </m:ctrlPr>
                           </m:dPr>
@@ -49792,7 +50314,7 @@
             </p:txBody>
           </p:sp>
         </mc:Choice>
-        <mc:Fallback>
+        <mc:Fallback xmlns="">
           <p:sp>
             <p:nvSpPr>
               <p:cNvPr id="8" name="Rechteck 7"/>
@@ -49842,21 +50364,37 @@
             <p:spPr>
               <a:xfrm>
                 <a:off x="5076056" y="4003639"/>
-                <a:ext cx="1750159" cy="369332"/>
+                <a:ext cx="2103781" cy="369332"/>
               </a:xfrm>
               <a:prstGeom prst="rect">
                 <a:avLst/>
               </a:prstGeom>
             </p:spPr>
             <p:txBody>
-              <a:bodyPr wrap="none">
+              <a:bodyPr wrap="square">
                 <a:spAutoFit/>
               </a:bodyPr>
               <a:lstStyle/>
               <a:p>
                 <a:r>
-                  <a:rPr lang="en-GB" dirty="0"/>
-                  <a:t>W = W+(</a:t>
+                  <a:rPr lang="en-GB" dirty="0" smtClean="0"/>
+                  <a:t>W = W+</a:t>
+                </a:r>
+                <a14:m>
+                  <m:oMath xmlns:m="http://schemas.openxmlformats.org/officeDocument/2006/math">
+                    <m:r>
+                      <a:rPr lang="en-GB" i="1">
+                        <a:latin typeface="Cambria Math" charset="0"/>
+                        <a:ea typeface="Cambria Math" charset="0"/>
+                        <a:cs typeface="Cambria Math" charset="0"/>
+                      </a:rPr>
+                      <m:t>𝛼</m:t>
+                    </m:r>
+                  </m:oMath>
+                </a14:m>
+                <a:r>
+                  <a:rPr lang="en-GB" dirty="0" smtClean="0"/>
+                  <a:t>(</a:t>
                 </a:r>
                 <a14:m>
                   <m:oMath xmlns:m="http://schemas.openxmlformats.org/officeDocument/2006/math">
@@ -49864,7 +50402,7 @@
                       <m:sSubPr>
                         <m:ctrlPr>
                           <a:rPr lang="en-US" i="1">
-                            <a:latin typeface="Cambria Math" panose="02040503050406030204" pitchFamily="18" charset="0"/>
+                            <a:latin typeface="Cambria Math" charset="0"/>
                           </a:rPr>
                         </m:ctrlPr>
                       </m:sSubPr>
@@ -49895,7 +50433,7 @@
                       <m:sSubPr>
                         <m:ctrlPr>
                           <a:rPr lang="en-US" i="1">
-                            <a:latin typeface="Cambria Math" panose="02040503050406030204" pitchFamily="18" charset="0"/>
+                            <a:latin typeface="Cambria Math" charset="0"/>
                           </a:rPr>
                         </m:ctrlPr>
                       </m:sSubPr>
@@ -49946,15 +50484,15 @@
             <p:spPr>
               <a:xfrm>
                 <a:off x="5076056" y="4003639"/>
-                <a:ext cx="1750159" cy="369332"/>
+                <a:ext cx="2103781" cy="369332"/>
               </a:xfrm>
               <a:prstGeom prst="rect">
                 <a:avLst/>
               </a:prstGeom>
-              <a:blipFill>
+              <a:blipFill rotWithShape="0">
                 <a:blip r:embed="rId7"/>
                 <a:stretch>
-                  <a:fillRect l="-3136" t="-10000" r="-2787" b="-26667"/>
+                  <a:fillRect l="-2609" t="-10000" b="-26667"/>
                 </a:stretch>
               </a:blipFill>
             </p:spPr>
@@ -49963,7 +50501,7 @@
               <a:lstStyle/>
               <a:p>
                 <a:r>
-                  <a:rPr lang="de-DE">
+                  <a:rPr lang="en-GB">
                     <a:noFill/>
                   </a:rPr>
                   <a:t> </a:t>
@@ -50066,11 +50604,7 @@
                                           </p:stCondLst>
                                         </p:cTn>
                                         <p:tgtEl>
-                                          <p:spTgt spid="2">
-                                            <p:txEl>
-                                              <p:pRg st="2" end="2"/>
-                                            </p:txEl>
-                                          </p:spTgt>
+                                          <p:spTgt spid="5"/>
                                         </p:tgtEl>
                                         <p:attrNameLst>
                                           <p:attrName>style.visibility</p:attrName>
@@ -50117,7 +50651,7 @@
                                         <p:tgtEl>
                                           <p:spTgt spid="2">
                                             <p:txEl>
-                                              <p:pRg st="3" end="3"/>
+                                              <p:pRg st="2" end="2"/>
                                             </p:txEl>
                                           </p:spTgt>
                                         </p:tgtEl>
@@ -50164,11 +50698,7 @@
                                           </p:stCondLst>
                                         </p:cTn>
                                         <p:tgtEl>
-                                          <p:spTgt spid="2">
-                                            <p:txEl>
-                                              <p:pRg st="4" end="4"/>
-                                            </p:txEl>
-                                          </p:spTgt>
+                                          <p:spTgt spid="6"/>
                                         </p:tgtEl>
                                         <p:attrNameLst>
                                           <p:attrName>style.visibility</p:attrName>
@@ -50215,9 +50745,242 @@
                                         <p:tgtEl>
                                           <p:spTgt spid="2">
                                             <p:txEl>
+                                              <p:pRg st="3" end="3"/>
+                                            </p:txEl>
+                                          </p:spTgt>
+                                        </p:tgtEl>
+                                        <p:attrNameLst>
+                                          <p:attrName>style.visibility</p:attrName>
+                                        </p:attrNameLst>
+                                      </p:cBhvr>
+                                      <p:to>
+                                        <p:strVal val="visible"/>
+                                      </p:to>
+                                    </p:set>
+                                  </p:childTnLst>
+                                </p:cTn>
+                              </p:par>
+                            </p:childTnLst>
+                          </p:cTn>
+                        </p:par>
+                      </p:childTnLst>
+                    </p:cTn>
+                  </p:par>
+                  <p:par>
+                    <p:cTn id="23" fill="hold">
+                      <p:stCondLst>
+                        <p:cond delay="indefinite"/>
+                      </p:stCondLst>
+                      <p:childTnLst>
+                        <p:par>
+                          <p:cTn id="24" fill="hold">
+                            <p:stCondLst>
+                              <p:cond delay="0"/>
+                            </p:stCondLst>
+                            <p:childTnLst>
+                              <p:par>
+                                <p:cTn id="25" presetID="1" presetClass="entr" presetSubtype="0" fill="hold" grpId="0" nodeType="clickEffect">
+                                  <p:stCondLst>
+                                    <p:cond delay="0"/>
+                                  </p:stCondLst>
+                                  <p:childTnLst>
+                                    <p:set>
+                                      <p:cBhvr>
+                                        <p:cTn id="26" dur="1" fill="hold">
+                                          <p:stCondLst>
+                                            <p:cond delay="0"/>
+                                          </p:stCondLst>
+                                        </p:cTn>
+                                        <p:tgtEl>
+                                          <p:spTgt spid="7"/>
+                                        </p:tgtEl>
+                                        <p:attrNameLst>
+                                          <p:attrName>style.visibility</p:attrName>
+                                        </p:attrNameLst>
+                                      </p:cBhvr>
+                                      <p:to>
+                                        <p:strVal val="visible"/>
+                                      </p:to>
+                                    </p:set>
+                                  </p:childTnLst>
+                                </p:cTn>
+                              </p:par>
+                            </p:childTnLst>
+                          </p:cTn>
+                        </p:par>
+                      </p:childTnLst>
+                    </p:cTn>
+                  </p:par>
+                  <p:par>
+                    <p:cTn id="27" fill="hold">
+                      <p:stCondLst>
+                        <p:cond delay="indefinite"/>
+                      </p:stCondLst>
+                      <p:childTnLst>
+                        <p:par>
+                          <p:cTn id="28" fill="hold">
+                            <p:stCondLst>
+                              <p:cond delay="0"/>
+                            </p:stCondLst>
+                            <p:childTnLst>
+                              <p:par>
+                                <p:cTn id="29" presetID="1" presetClass="entr" presetSubtype="0" fill="hold" grpId="0" nodeType="clickEffect">
+                                  <p:stCondLst>
+                                    <p:cond delay="0"/>
+                                  </p:stCondLst>
+                                  <p:childTnLst>
+                                    <p:set>
+                                      <p:cBhvr>
+                                        <p:cTn id="30" dur="1" fill="hold">
+                                          <p:stCondLst>
+                                            <p:cond delay="0"/>
+                                          </p:stCondLst>
+                                        </p:cTn>
+                                        <p:tgtEl>
+                                          <p:spTgt spid="2">
+                                            <p:txEl>
+                                              <p:pRg st="4" end="4"/>
+                                            </p:txEl>
+                                          </p:spTgt>
+                                        </p:tgtEl>
+                                        <p:attrNameLst>
+                                          <p:attrName>style.visibility</p:attrName>
+                                        </p:attrNameLst>
+                                      </p:cBhvr>
+                                      <p:to>
+                                        <p:strVal val="visible"/>
+                                      </p:to>
+                                    </p:set>
+                                  </p:childTnLst>
+                                </p:cTn>
+                              </p:par>
+                            </p:childTnLst>
+                          </p:cTn>
+                        </p:par>
+                      </p:childTnLst>
+                    </p:cTn>
+                  </p:par>
+                  <p:par>
+                    <p:cTn id="31" fill="hold">
+                      <p:stCondLst>
+                        <p:cond delay="indefinite"/>
+                      </p:stCondLst>
+                      <p:childTnLst>
+                        <p:par>
+                          <p:cTn id="32" fill="hold">
+                            <p:stCondLst>
+                              <p:cond delay="0"/>
+                            </p:stCondLst>
+                            <p:childTnLst>
+                              <p:par>
+                                <p:cTn id="33" presetID="1" presetClass="entr" presetSubtype="0" fill="hold" grpId="0" nodeType="clickEffect">
+                                  <p:stCondLst>
+                                    <p:cond delay="0"/>
+                                  </p:stCondLst>
+                                  <p:childTnLst>
+                                    <p:set>
+                                      <p:cBhvr>
+                                        <p:cTn id="34" dur="1" fill="hold">
+                                          <p:stCondLst>
+                                            <p:cond delay="0"/>
+                                          </p:stCondLst>
+                                        </p:cTn>
+                                        <p:tgtEl>
+                                          <p:spTgt spid="8"/>
+                                        </p:tgtEl>
+                                        <p:attrNameLst>
+                                          <p:attrName>style.visibility</p:attrName>
+                                        </p:attrNameLst>
+                                      </p:cBhvr>
+                                      <p:to>
+                                        <p:strVal val="visible"/>
+                                      </p:to>
+                                    </p:set>
+                                  </p:childTnLst>
+                                </p:cTn>
+                              </p:par>
+                            </p:childTnLst>
+                          </p:cTn>
+                        </p:par>
+                      </p:childTnLst>
+                    </p:cTn>
+                  </p:par>
+                  <p:par>
+                    <p:cTn id="35" fill="hold">
+                      <p:stCondLst>
+                        <p:cond delay="indefinite"/>
+                      </p:stCondLst>
+                      <p:childTnLst>
+                        <p:par>
+                          <p:cTn id="36" fill="hold">
+                            <p:stCondLst>
+                              <p:cond delay="0"/>
+                            </p:stCondLst>
+                            <p:childTnLst>
+                              <p:par>
+                                <p:cTn id="37" presetID="1" presetClass="entr" presetSubtype="0" fill="hold" grpId="0" nodeType="clickEffect">
+                                  <p:stCondLst>
+                                    <p:cond delay="0"/>
+                                  </p:stCondLst>
+                                  <p:childTnLst>
+                                    <p:set>
+                                      <p:cBhvr>
+                                        <p:cTn id="38" dur="1" fill="hold">
+                                          <p:stCondLst>
+                                            <p:cond delay="0"/>
+                                          </p:stCondLst>
+                                        </p:cTn>
+                                        <p:tgtEl>
+                                          <p:spTgt spid="2">
+                                            <p:txEl>
                                               <p:pRg st="5" end="5"/>
                                             </p:txEl>
                                           </p:spTgt>
+                                        </p:tgtEl>
+                                        <p:attrNameLst>
+                                          <p:attrName>style.visibility</p:attrName>
+                                        </p:attrNameLst>
+                                      </p:cBhvr>
+                                      <p:to>
+                                        <p:strVal val="visible"/>
+                                      </p:to>
+                                    </p:set>
+                                  </p:childTnLst>
+                                </p:cTn>
+                              </p:par>
+                            </p:childTnLst>
+                          </p:cTn>
+                        </p:par>
+                      </p:childTnLst>
+                    </p:cTn>
+                  </p:par>
+                  <p:par>
+                    <p:cTn id="39" fill="hold">
+                      <p:stCondLst>
+                        <p:cond delay="indefinite"/>
+                      </p:stCondLst>
+                      <p:childTnLst>
+                        <p:par>
+                          <p:cTn id="40" fill="hold">
+                            <p:stCondLst>
+                              <p:cond delay="0"/>
+                            </p:stCondLst>
+                            <p:childTnLst>
+                              <p:par>
+                                <p:cTn id="41" presetID="1" presetClass="entr" presetSubtype="0" fill="hold" grpId="0" nodeType="clickEffect">
+                                  <p:stCondLst>
+                                    <p:cond delay="0"/>
+                                  </p:stCondLst>
+                                  <p:childTnLst>
+                                    <p:set>
+                                      <p:cBhvr>
+                                        <p:cTn id="42" dur="1" fill="hold">
+                                          <p:stCondLst>
+                                            <p:cond delay="0"/>
+                                          </p:stCondLst>
+                                        </p:cTn>
+                                        <p:tgtEl>
+                                          <p:spTgt spid="9"/>
                                         </p:tgtEl>
                                         <p:attrNameLst>
                                           <p:attrName>style.visibility</p:attrName>
@@ -50259,6 +51022,11 @@
     </p:tnLst>
     <p:bldLst>
       <p:bldP spid="2" grpId="0" uiExpand="1" build="p"/>
+      <p:bldP spid="5" grpId="0"/>
+      <p:bldP spid="6" grpId="0"/>
+      <p:bldP spid="7" grpId="0"/>
+      <p:bldP spid="8" grpId="0"/>
+      <p:bldP spid="9" grpId="0"/>
     </p:bldLst>
   </p:timing>
 </p:sld>
@@ -50367,6 +51135,13 @@
   <p:clrMapOvr>
     <a:masterClrMapping/>
   </p:clrMapOvr>
+  <p:timing>
+    <p:tnLst>
+      <p:par>
+        <p:cTn id="1" dur="indefinite" restart="never" nodeType="tmRoot"/>
+      </p:par>
+    </p:tnLst>
+  </p:timing>
 </p:sld>
 </file>
 
@@ -50522,6 +51297,13 @@
   <p:clrMapOvr>
     <a:masterClrMapping/>
   </p:clrMapOvr>
+  <p:timing>
+    <p:tnLst>
+      <p:par>
+        <p:cTn id="1" dur="indefinite" restart="never" nodeType="tmRoot"/>
+      </p:par>
+    </p:tnLst>
+  </p:timing>
 </p:sld>
 </file>
 
@@ -50600,21 +51382,21 @@
                 <a:gridCol w="292533">
                   <a:extLst>
                     <a:ext uri="{9D8B030D-6E8A-4147-A177-3AD203B41FA5}">
-                      <a16:colId xmlns:a16="http://schemas.microsoft.com/office/drawing/2014/main" val="3289671414"/>
+                      <a16:colId xmlns:a16="http://schemas.microsoft.com/office/drawing/2014/main" xmlns="" val="3289671414"/>
                     </a:ext>
                   </a:extLst>
                 </a:gridCol>
                 <a:gridCol w="292533">
                   <a:extLst>
                     <a:ext uri="{9D8B030D-6E8A-4147-A177-3AD203B41FA5}">
-                      <a16:colId xmlns:a16="http://schemas.microsoft.com/office/drawing/2014/main" val="3129106852"/>
+                      <a16:colId xmlns:a16="http://schemas.microsoft.com/office/drawing/2014/main" xmlns="" val="3129106852"/>
                     </a:ext>
                   </a:extLst>
                 </a:gridCol>
                 <a:gridCol w="292533">
                   <a:extLst>
                     <a:ext uri="{9D8B030D-6E8A-4147-A177-3AD203B41FA5}">
-                      <a16:colId xmlns:a16="http://schemas.microsoft.com/office/drawing/2014/main" val="3382257012"/>
+                      <a16:colId xmlns:a16="http://schemas.microsoft.com/office/drawing/2014/main" xmlns="" val="3382257012"/>
                     </a:ext>
                   </a:extLst>
                 </a:gridCol>
@@ -50726,7 +51508,7 @@
                 </a:tc>
                 <a:extLst>
                   <a:ext uri="{0D108BD9-81ED-4DB2-BD59-A6C34878D82A}">
-                    <a16:rowId xmlns:a16="http://schemas.microsoft.com/office/drawing/2014/main" val="3181698656"/>
+                    <a16:rowId xmlns:a16="http://schemas.microsoft.com/office/drawing/2014/main" xmlns="" val="3181698656"/>
                   </a:ext>
                 </a:extLst>
               </a:tr>
@@ -50862,7 +51644,7 @@
                 </a:tc>
                 <a:extLst>
                   <a:ext uri="{0D108BD9-81ED-4DB2-BD59-A6C34878D82A}">
-                    <a16:rowId xmlns:a16="http://schemas.microsoft.com/office/drawing/2014/main" val="1486785032"/>
+                    <a16:rowId xmlns:a16="http://schemas.microsoft.com/office/drawing/2014/main" xmlns="" val="1486785032"/>
                   </a:ext>
                 </a:extLst>
               </a:tr>
@@ -50998,7 +51780,7 @@
                 </a:tc>
                 <a:extLst>
                   <a:ext uri="{0D108BD9-81ED-4DB2-BD59-A6C34878D82A}">
-                    <a16:rowId xmlns:a16="http://schemas.microsoft.com/office/drawing/2014/main" val="2189309893"/>
+                    <a16:rowId xmlns:a16="http://schemas.microsoft.com/office/drawing/2014/main" xmlns="" val="2189309893"/>
                   </a:ext>
                 </a:extLst>
               </a:tr>
@@ -51034,7 +51816,7 @@
                 <a:gridCol w="292533">
                   <a:extLst>
                     <a:ext uri="{9D8B030D-6E8A-4147-A177-3AD203B41FA5}">
-                      <a16:colId xmlns:a16="http://schemas.microsoft.com/office/drawing/2014/main" val="3678911628"/>
+                      <a16:colId xmlns:a16="http://schemas.microsoft.com/office/drawing/2014/main" xmlns="" val="3678911628"/>
                     </a:ext>
                   </a:extLst>
                 </a:gridCol>
@@ -51060,7 +51842,7 @@
                 </a:tc>
                 <a:extLst>
                   <a:ext uri="{0D108BD9-81ED-4DB2-BD59-A6C34878D82A}">
-                    <a16:rowId xmlns:a16="http://schemas.microsoft.com/office/drawing/2014/main" val="3786496154"/>
+                    <a16:rowId xmlns:a16="http://schemas.microsoft.com/office/drawing/2014/main" xmlns="" val="3786496154"/>
                   </a:ext>
                 </a:extLst>
               </a:tr>
@@ -51110,7 +51892,7 @@
                 </a:tc>
                 <a:extLst>
                   <a:ext uri="{0D108BD9-81ED-4DB2-BD59-A6C34878D82A}">
-                    <a16:rowId xmlns:a16="http://schemas.microsoft.com/office/drawing/2014/main" val="1539824931"/>
+                    <a16:rowId xmlns:a16="http://schemas.microsoft.com/office/drawing/2014/main" xmlns="" val="1539824931"/>
                   </a:ext>
                 </a:extLst>
               </a:tr>
@@ -51160,7 +51942,7 @@
                 </a:tc>
                 <a:extLst>
                   <a:ext uri="{0D108BD9-81ED-4DB2-BD59-A6C34878D82A}">
-                    <a16:rowId xmlns:a16="http://schemas.microsoft.com/office/drawing/2014/main" val="3982339619"/>
+                    <a16:rowId xmlns:a16="http://schemas.microsoft.com/office/drawing/2014/main" xmlns="" val="3982339619"/>
                   </a:ext>
                 </a:extLst>
               </a:tr>
@@ -51185,7 +51967,7 @@
                 </a:tc>
                 <a:extLst>
                   <a:ext uri="{0D108BD9-81ED-4DB2-BD59-A6C34878D82A}">
-                    <a16:rowId xmlns:a16="http://schemas.microsoft.com/office/drawing/2014/main" val="202465259"/>
+                    <a16:rowId xmlns:a16="http://schemas.microsoft.com/office/drawing/2014/main" xmlns="" val="202465259"/>
                   </a:ext>
                 </a:extLst>
               </a:tr>
@@ -51235,7 +52017,7 @@
                 </a:tc>
                 <a:extLst>
                   <a:ext uri="{0D108BD9-81ED-4DB2-BD59-A6C34878D82A}">
-                    <a16:rowId xmlns:a16="http://schemas.microsoft.com/office/drawing/2014/main" val="3684460613"/>
+                    <a16:rowId xmlns:a16="http://schemas.microsoft.com/office/drawing/2014/main" xmlns="" val="3684460613"/>
                   </a:ext>
                 </a:extLst>
               </a:tr>
@@ -51285,7 +52067,7 @@
                 </a:tc>
                 <a:extLst>
                   <a:ext uri="{0D108BD9-81ED-4DB2-BD59-A6C34878D82A}">
-                    <a16:rowId xmlns:a16="http://schemas.microsoft.com/office/drawing/2014/main" val="2486496764"/>
+                    <a16:rowId xmlns:a16="http://schemas.microsoft.com/office/drawing/2014/main" xmlns="" val="2486496764"/>
                   </a:ext>
                 </a:extLst>
               </a:tr>
@@ -51310,7 +52092,7 @@
                 </a:tc>
                 <a:extLst>
                   <a:ext uri="{0D108BD9-81ED-4DB2-BD59-A6C34878D82A}">
-                    <a16:rowId xmlns:a16="http://schemas.microsoft.com/office/drawing/2014/main" val="510055380"/>
+                    <a16:rowId xmlns:a16="http://schemas.microsoft.com/office/drawing/2014/main" xmlns="" val="510055380"/>
                   </a:ext>
                 </a:extLst>
               </a:tr>
@@ -51360,7 +52142,7 @@
                 </a:tc>
                 <a:extLst>
                   <a:ext uri="{0D108BD9-81ED-4DB2-BD59-A6C34878D82A}">
-                    <a16:rowId xmlns:a16="http://schemas.microsoft.com/office/drawing/2014/main" val="1295892773"/>
+                    <a16:rowId xmlns:a16="http://schemas.microsoft.com/office/drawing/2014/main" xmlns="" val="1295892773"/>
                   </a:ext>
                 </a:extLst>
               </a:tr>
@@ -51410,7 +52192,7 @@
                 </a:tc>
                 <a:extLst>
                   <a:ext uri="{0D108BD9-81ED-4DB2-BD59-A6C34878D82A}">
-                    <a16:rowId xmlns:a16="http://schemas.microsoft.com/office/drawing/2014/main" val="79844242"/>
+                    <a16:rowId xmlns:a16="http://schemas.microsoft.com/office/drawing/2014/main" xmlns="" val="79844242"/>
                   </a:ext>
                 </a:extLst>
               </a:tr>
@@ -51695,6 +52477,292 @@
   <p:clrMapOvr>
     <a:masterClrMapping/>
   </p:clrMapOvr>
+  <p:timing>
+    <p:tnLst>
+      <p:par>
+        <p:cTn id="1" dur="indefinite" restart="never" nodeType="tmRoot">
+          <p:childTnLst>
+            <p:seq concurrent="1" nextAc="seek">
+              <p:cTn id="2" dur="indefinite" nodeType="mainSeq">
+                <p:childTnLst>
+                  <p:par>
+                    <p:cTn id="3" fill="hold">
+                      <p:stCondLst>
+                        <p:cond delay="indefinite"/>
+                      </p:stCondLst>
+                      <p:childTnLst>
+                        <p:par>
+                          <p:cTn id="4" fill="hold">
+                            <p:stCondLst>
+                              <p:cond delay="0"/>
+                            </p:stCondLst>
+                            <p:childTnLst>
+                              <p:par>
+                                <p:cTn id="5" presetID="1" presetClass="entr" presetSubtype="0" fill="hold" nodeType="clickEffect">
+                                  <p:stCondLst>
+                                    <p:cond delay="0"/>
+                                  </p:stCondLst>
+                                  <p:childTnLst>
+                                    <p:set>
+                                      <p:cBhvr>
+                                        <p:cTn id="6" dur="1" fill="hold">
+                                          <p:stCondLst>
+                                            <p:cond delay="0"/>
+                                          </p:stCondLst>
+                                        </p:cTn>
+                                        <p:tgtEl>
+                                          <p:spTgt spid="6"/>
+                                        </p:tgtEl>
+                                        <p:attrNameLst>
+                                          <p:attrName>style.visibility</p:attrName>
+                                        </p:attrNameLst>
+                                      </p:cBhvr>
+                                      <p:to>
+                                        <p:strVal val="visible"/>
+                                      </p:to>
+                                    </p:set>
+                                  </p:childTnLst>
+                                </p:cTn>
+                              </p:par>
+                              <p:par>
+                                <p:cTn id="7" presetID="1" presetClass="entr" presetSubtype="0" fill="hold" grpId="0" nodeType="withEffect">
+                                  <p:stCondLst>
+                                    <p:cond delay="0"/>
+                                  </p:stCondLst>
+                                  <p:childTnLst>
+                                    <p:set>
+                                      <p:cBhvr>
+                                        <p:cTn id="8" dur="1" fill="hold">
+                                          <p:stCondLst>
+                                            <p:cond delay="0"/>
+                                          </p:stCondLst>
+                                        </p:cTn>
+                                        <p:tgtEl>
+                                          <p:spTgt spid="16"/>
+                                        </p:tgtEl>
+                                        <p:attrNameLst>
+                                          <p:attrName>style.visibility</p:attrName>
+                                        </p:attrNameLst>
+                                      </p:cBhvr>
+                                      <p:to>
+                                        <p:strVal val="visible"/>
+                                      </p:to>
+                                    </p:set>
+                                  </p:childTnLst>
+                                </p:cTn>
+                              </p:par>
+                            </p:childTnLst>
+                          </p:cTn>
+                        </p:par>
+                      </p:childTnLst>
+                    </p:cTn>
+                  </p:par>
+                  <p:par>
+                    <p:cTn id="9" fill="hold">
+                      <p:stCondLst>
+                        <p:cond delay="indefinite"/>
+                      </p:stCondLst>
+                      <p:childTnLst>
+                        <p:par>
+                          <p:cTn id="10" fill="hold">
+                            <p:stCondLst>
+                              <p:cond delay="0"/>
+                            </p:stCondLst>
+                            <p:childTnLst>
+                              <p:par>
+                                <p:cTn id="11" presetID="1" presetClass="entr" presetSubtype="0" fill="hold" nodeType="clickEffect">
+                                  <p:stCondLst>
+                                    <p:cond delay="0"/>
+                                  </p:stCondLst>
+                                  <p:childTnLst>
+                                    <p:set>
+                                      <p:cBhvr>
+                                        <p:cTn id="12" dur="1" fill="hold">
+                                          <p:stCondLst>
+                                            <p:cond delay="0"/>
+                                          </p:stCondLst>
+                                        </p:cTn>
+                                        <p:tgtEl>
+                                          <p:spTgt spid="8"/>
+                                        </p:tgtEl>
+                                        <p:attrNameLst>
+                                          <p:attrName>style.visibility</p:attrName>
+                                        </p:attrNameLst>
+                                      </p:cBhvr>
+                                      <p:to>
+                                        <p:strVal val="visible"/>
+                                      </p:to>
+                                    </p:set>
+                                  </p:childTnLst>
+                                </p:cTn>
+                              </p:par>
+                              <p:par>
+                                <p:cTn id="13" presetID="1" presetClass="entr" presetSubtype="0" fill="hold" nodeType="withEffect">
+                                  <p:stCondLst>
+                                    <p:cond delay="0"/>
+                                  </p:stCondLst>
+                                  <p:childTnLst>
+                                    <p:set>
+                                      <p:cBhvr>
+                                        <p:cTn id="14" dur="1" fill="hold">
+                                          <p:stCondLst>
+                                            <p:cond delay="0"/>
+                                          </p:stCondLst>
+                                        </p:cTn>
+                                        <p:tgtEl>
+                                          <p:spTgt spid="9"/>
+                                        </p:tgtEl>
+                                        <p:attrNameLst>
+                                          <p:attrName>style.visibility</p:attrName>
+                                        </p:attrNameLst>
+                                      </p:cBhvr>
+                                      <p:to>
+                                        <p:strVal val="visible"/>
+                                      </p:to>
+                                    </p:set>
+                                  </p:childTnLst>
+                                </p:cTn>
+                              </p:par>
+                              <p:par>
+                                <p:cTn id="15" presetID="1" presetClass="entr" presetSubtype="0" fill="hold" nodeType="withEffect">
+                                  <p:stCondLst>
+                                    <p:cond delay="0"/>
+                                  </p:stCondLst>
+                                  <p:childTnLst>
+                                    <p:set>
+                                      <p:cBhvr>
+                                        <p:cTn id="16" dur="1" fill="hold">
+                                          <p:stCondLst>
+                                            <p:cond delay="0"/>
+                                          </p:stCondLst>
+                                        </p:cTn>
+                                        <p:tgtEl>
+                                          <p:spTgt spid="11"/>
+                                        </p:tgtEl>
+                                        <p:attrNameLst>
+                                          <p:attrName>style.visibility</p:attrName>
+                                        </p:attrNameLst>
+                                      </p:cBhvr>
+                                      <p:to>
+                                        <p:strVal val="visible"/>
+                                      </p:to>
+                                    </p:set>
+                                  </p:childTnLst>
+                                </p:cTn>
+                              </p:par>
+                              <p:par>
+                                <p:cTn id="17" presetID="1" presetClass="entr" presetSubtype="0" fill="hold" nodeType="withEffect">
+                                  <p:stCondLst>
+                                    <p:cond delay="0"/>
+                                  </p:stCondLst>
+                                  <p:childTnLst>
+                                    <p:set>
+                                      <p:cBhvr>
+                                        <p:cTn id="18" dur="1" fill="hold">
+                                          <p:stCondLst>
+                                            <p:cond delay="0"/>
+                                          </p:stCondLst>
+                                        </p:cTn>
+                                        <p:tgtEl>
+                                          <p:spTgt spid="10"/>
+                                        </p:tgtEl>
+                                        <p:attrNameLst>
+                                          <p:attrName>style.visibility</p:attrName>
+                                        </p:attrNameLst>
+                                      </p:cBhvr>
+                                      <p:to>
+                                        <p:strVal val="visible"/>
+                                      </p:to>
+                                    </p:set>
+                                  </p:childTnLst>
+                                </p:cTn>
+                              </p:par>
+                              <p:par>
+                                <p:cTn id="19" presetID="1" presetClass="entr" presetSubtype="0" fill="hold" grpId="0" nodeType="withEffect">
+                                  <p:stCondLst>
+                                    <p:cond delay="0"/>
+                                  </p:stCondLst>
+                                  <p:childTnLst>
+                                    <p:set>
+                                      <p:cBhvr>
+                                        <p:cTn id="20" dur="1" fill="hold">
+                                          <p:stCondLst>
+                                            <p:cond delay="0"/>
+                                          </p:stCondLst>
+                                        </p:cTn>
+                                        <p:tgtEl>
+                                          <p:spTgt spid="18"/>
+                                        </p:tgtEl>
+                                        <p:attrNameLst>
+                                          <p:attrName>style.visibility</p:attrName>
+                                        </p:attrNameLst>
+                                      </p:cBhvr>
+                                      <p:to>
+                                        <p:strVal val="visible"/>
+                                      </p:to>
+                                    </p:set>
+                                  </p:childTnLst>
+                                </p:cTn>
+                              </p:par>
+                              <p:par>
+                                <p:cTn id="21" presetID="1" presetClass="entr" presetSubtype="0" fill="hold" nodeType="withEffect">
+                                  <p:stCondLst>
+                                    <p:cond delay="0"/>
+                                  </p:stCondLst>
+                                  <p:childTnLst>
+                                    <p:set>
+                                      <p:cBhvr>
+                                        <p:cTn id="22" dur="1" fill="hold">
+                                          <p:stCondLst>
+                                            <p:cond delay="0"/>
+                                          </p:stCondLst>
+                                        </p:cTn>
+                                        <p:tgtEl>
+                                          <p:spTgt spid="7"/>
+                                        </p:tgtEl>
+                                        <p:attrNameLst>
+                                          <p:attrName>style.visibility</p:attrName>
+                                        </p:attrNameLst>
+                                      </p:cBhvr>
+                                      <p:to>
+                                        <p:strVal val="visible"/>
+                                      </p:to>
+                                    </p:set>
+                                  </p:childTnLst>
+                                </p:cTn>
+                              </p:par>
+                            </p:childTnLst>
+                          </p:cTn>
+                        </p:par>
+                      </p:childTnLst>
+                    </p:cTn>
+                  </p:par>
+                </p:childTnLst>
+              </p:cTn>
+              <p:prevCondLst>
+                <p:cond evt="onPrev" delay="0">
+                  <p:tgtEl>
+                    <p:sldTgt/>
+                  </p:tgtEl>
+                </p:cond>
+              </p:prevCondLst>
+              <p:nextCondLst>
+                <p:cond evt="onNext" delay="0">
+                  <p:tgtEl>
+                    <p:sldTgt/>
+                  </p:tgtEl>
+                </p:cond>
+              </p:nextCondLst>
+            </p:seq>
+          </p:childTnLst>
+        </p:cTn>
+      </p:par>
+    </p:tnLst>
+    <p:bldLst>
+      <p:bldP spid="16" grpId="0"/>
+      <p:bldP spid="18" grpId="0"/>
+    </p:bldLst>
+  </p:timing>
 </p:sld>
 </file>
 
